--- a/Video in Multimedia.pptx
+++ b/Video in Multimedia.pptx
@@ -6,10 +6,10 @@
   </p:sldMasterIdLst>
   <p:sldIdLst>
     <p:sldId id="265" r:id="rId2"/>
-    <p:sldId id="269" r:id="rId3"/>
-    <p:sldId id="263" r:id="rId4"/>
-    <p:sldId id="264" r:id="rId5"/>
-    <p:sldId id="266" r:id="rId6"/>
+    <p:sldId id="263" r:id="rId3"/>
+    <p:sldId id="266" r:id="rId4"/>
+    <p:sldId id="267" r:id="rId5"/>
+    <p:sldId id="268" r:id="rId6"/>
   </p:sldIdLst>
   <p:sldSz cx="12192000" cy="6858000"/>
   <p:notesSz cx="6858000" cy="9144000"/>
@@ -916,30 +916,19 @@
         <a:p>
           <a:pPr algn="ctr"/>
           <a:r>
-            <a:rPr lang="en-US" b="1" i="0" dirty="0" smtClean="0">
+            <a:rPr lang="en-US" b="1" dirty="0" smtClean="0">
               <a:latin typeface="Times New Roman" panose="02020603050405020304" pitchFamily="18" charset="0"/>
               <a:cs typeface="Times New Roman" panose="02020603050405020304" pitchFamily="18" charset="0"/>
             </a:rPr>
-            <a:t>Promotional Videos : </a:t>
+            <a:t>Animation</a:t>
           </a:r>
           <a:r>
-            <a:rPr lang="en-US" b="0" i="0" dirty="0" smtClean="0">
-              <a:solidFill>
-                <a:schemeClr val="tx1"/>
-              </a:solidFill>
-              <a:effectLst/>
+            <a:rPr lang="en-US" dirty="0" smtClean="0">
               <a:latin typeface="Times New Roman" panose="02020603050405020304" pitchFamily="18" charset="0"/>
               <a:cs typeface="Times New Roman" panose="02020603050405020304" pitchFamily="18" charset="0"/>
             </a:rPr>
-            <a:t>Advertisements and product showcases designed to promote services or goods effectively.</a:t>
+            <a:t>: Animated videos simplify complex ideas, often used in education. </a:t>
           </a:r>
-          <a:endParaRPr lang="en-US" dirty="0">
-            <a:solidFill>
-              <a:schemeClr val="tx1"/>
-            </a:solidFill>
-            <a:latin typeface="Times New Roman" panose="02020603050405020304" pitchFamily="18" charset="0"/>
-            <a:cs typeface="Times New Roman" panose="02020603050405020304" pitchFamily="18" charset="0"/>
-          </a:endParaRPr>
         </a:p>
       </dgm:t>
     </dgm:pt>
@@ -979,19 +968,18 @@
         <a:lstStyle/>
         <a:p>
           <a:r>
-            <a:rPr lang="en-US" b="1" i="0" dirty="0" smtClean="0">
+            <a:rPr lang="en-US" b="1" dirty="0" smtClean="0">
               <a:latin typeface="Times New Roman" panose="02020603050405020304" pitchFamily="18" charset="0"/>
               <a:cs typeface="Times New Roman" panose="02020603050405020304" pitchFamily="18" charset="0"/>
             </a:rPr>
-            <a:t>Live Streaming: </a:t>
+            <a:t>Live-Action</a:t>
           </a:r>
           <a:r>
-            <a:rPr lang="en-US" b="0" i="0" dirty="0" smtClean="0">
-              <a:effectLst/>
+            <a:rPr lang="en-US" dirty="0" smtClean="0">
               <a:latin typeface="Times New Roman" panose="02020603050405020304" pitchFamily="18" charset="0"/>
               <a:cs typeface="Times New Roman" panose="02020603050405020304" pitchFamily="18" charset="0"/>
             </a:rPr>
-            <a:t>Real-time events, webinars, and Q&amp;A sessions that allow for direct interaction with viewers.</a:t>
+            <a:t> : Live-action videos engage viewers by showcasing real events. </a:t>
           </a:r>
           <a:endParaRPr lang="en-US" dirty="0">
             <a:latin typeface="Times New Roman" panose="02020603050405020304" pitchFamily="18" charset="0"/>
@@ -1036,26 +1024,18 @@
         <a:lstStyle/>
         <a:p>
           <a:r>
-            <a:rPr lang="es-ES" b="1" i="0" dirty="0" smtClean="0">
+            <a:rPr lang="en-US" b="1" dirty="0" smtClean="0">
               <a:latin typeface="Times New Roman" panose="02020603050405020304" pitchFamily="18" charset="0"/>
               <a:cs typeface="Times New Roman" panose="02020603050405020304" pitchFamily="18" charset="0"/>
             </a:rPr>
-            <a:t>Entertainment Videos: </a:t>
-          </a:r>
-          <a:r>
-            <a:rPr lang="en-US" b="0" i="0" dirty="0" smtClean="0">
-              <a:effectLst/>
-              <a:latin typeface="Times New Roman" panose="02020603050405020304" pitchFamily="18" charset="0"/>
-              <a:cs typeface="Times New Roman" panose="02020603050405020304" pitchFamily="18" charset="0"/>
-            </a:rPr>
-            <a:t>Short films, series, and vlogs that aim to entertain and engage the audience</a:t>
+            <a:t>Info graphics with Video </a:t>
           </a:r>
           <a:r>
             <a:rPr lang="en-US" dirty="0" smtClean="0">
               <a:latin typeface="Times New Roman" panose="02020603050405020304" pitchFamily="18" charset="0"/>
               <a:cs typeface="Times New Roman" panose="02020603050405020304" pitchFamily="18" charset="0"/>
             </a:rPr>
-            <a:t>.</a:t>
+            <a:t>: Combining info graphics and video enhances data visualization. </a:t>
           </a:r>
           <a:endParaRPr lang="en-US" dirty="0">
             <a:latin typeface="Times New Roman" panose="02020603050405020304" pitchFamily="18" charset="0"/>
@@ -1100,40 +1080,18 @@
         <a:lstStyle/>
         <a:p>
           <a:r>
-            <a:rPr lang="es-ES" b="1" i="0" dirty="0" smtClean="0">
+            <a:rPr lang="en-US" b="1" dirty="0" smtClean="0">
               <a:latin typeface="Times New Roman" panose="02020603050405020304" pitchFamily="18" charset="0"/>
               <a:cs typeface="Times New Roman" panose="02020603050405020304" pitchFamily="18" charset="0"/>
             </a:rPr>
-            <a:t>Informational Videos</a:t>
+            <a:t>Interactive Video </a:t>
           </a:r>
           <a:r>
             <a:rPr lang="en-US" dirty="0" smtClean="0">
               <a:latin typeface="Times New Roman" panose="02020603050405020304" pitchFamily="18" charset="0"/>
               <a:cs typeface="Times New Roman" panose="02020603050405020304" pitchFamily="18" charset="0"/>
             </a:rPr>
-            <a:t>: </a:t>
-          </a:r>
-          <a:r>
-            <a:rPr lang="es-ES" b="1" i="0" dirty="0" smtClean="0">
-              <a:latin typeface="Times New Roman" panose="02020603050405020304" pitchFamily="18" charset="0"/>
-              <a:cs typeface="Times New Roman" panose="02020603050405020304" pitchFamily="18" charset="0"/>
-            </a:rPr>
-            <a:t>: </a:t>
-          </a:r>
-          <a:r>
-            <a:rPr lang="en-US" dirty="0" smtClean="0">
-              <a:latin typeface="Times New Roman" panose="02020603050405020304" pitchFamily="18" charset="0"/>
-              <a:cs typeface="Times New Roman" panose="02020603050405020304" pitchFamily="18" charset="0"/>
-            </a:rPr>
-            <a:t>T</a:t>
-          </a:r>
-          <a:r>
-            <a:rPr lang="en-US" b="0" i="0" dirty="0" smtClean="0">
-              <a:effectLst/>
-              <a:latin typeface="Times New Roman" panose="02020603050405020304" pitchFamily="18" charset="0"/>
-              <a:cs typeface="Times New Roman" panose="02020603050405020304" pitchFamily="18" charset="0"/>
-            </a:rPr>
-            <a:t>hese include tutorials, how-to, and educational content that help viewers learn new skills.</a:t>
+            <a:t>: Interactive videos allow viewer choices, enhancing engagement.</a:t>
           </a:r>
           <a:endParaRPr lang="en-US" dirty="0">
             <a:latin typeface="Times New Roman" panose="02020603050405020304" pitchFamily="18" charset="0"/>
@@ -1178,26 +1136,18 @@
         <a:lstStyle/>
         <a:p>
           <a:r>
-            <a:rPr lang="es-ES" b="1" i="0" dirty="0" smtClean="0">
+            <a:rPr lang="en-US" b="1" dirty="0" smtClean="0">
               <a:latin typeface="Times New Roman" panose="02020603050405020304" pitchFamily="18" charset="0"/>
               <a:cs typeface="Times New Roman" panose="02020603050405020304" pitchFamily="18" charset="0"/>
             </a:rPr>
-            <a:t>Social Media Videos </a:t>
+            <a:t>Screen Recording</a:t>
           </a:r>
           <a:r>
             <a:rPr lang="en-US" dirty="0" smtClean="0">
               <a:latin typeface="Times New Roman" panose="02020603050405020304" pitchFamily="18" charset="0"/>
               <a:cs typeface="Times New Roman" panose="02020603050405020304" pitchFamily="18" charset="0"/>
             </a:rPr>
-            <a:t>: </a:t>
-          </a:r>
-          <a:r>
-            <a:rPr lang="en-US" b="0" i="0" dirty="0" smtClean="0">
-              <a:effectLst/>
-              <a:latin typeface="Times New Roman" panose="02020603050405020304" pitchFamily="18" charset="0"/>
-              <a:cs typeface="Times New Roman" panose="02020603050405020304" pitchFamily="18" charset="0"/>
-            </a:rPr>
-            <a:t>Short clips tailored for platforms like Instagram, TikTok, and YouTube for maximum engagement.</a:t>
+            <a:t>: Captures digital screen activities for tutorials and demonstrations.</a:t>
           </a:r>
           <a:endParaRPr lang="en-US" dirty="0">
             <a:latin typeface="Times New Roman" panose="02020603050405020304" pitchFamily="18" charset="0"/>
@@ -1303,7 +1253,7 @@
       </dgm:t>
     </dgm:pt>
     <dgm:pt modelId="{90F57D9D-96F5-48B0-898D-2DDAFE0E25D9}" type="pres">
-      <dgm:prSet presAssocID="{6FDD6968-959B-46C5-BFEA-243EA5D34007}" presName="Name5" presStyleLbl="vennNode1" presStyleIdx="2" presStyleCnt="5" custLinFactNeighborX="15102">
+      <dgm:prSet presAssocID="{6FDD6968-959B-46C5-BFEA-243EA5D34007}" presName="Name5" presStyleLbl="vennNode1" presStyleIdx="2" presStyleCnt="5" custLinFactNeighborX="-7578">
         <dgm:presLayoutVars>
           <dgm:bulletEnabled val="1"/>
         </dgm:presLayoutVars>
@@ -1329,7 +1279,7 @@
       </dgm:t>
     </dgm:pt>
     <dgm:pt modelId="{003F30C8-0A37-4DE9-91EA-31DEF2FEE833}" type="pres">
-      <dgm:prSet presAssocID="{298AAD51-2706-4F0E-BA0A-9ED593B8D892}" presName="Name5" presStyleLbl="vennNode1" presStyleIdx="3" presStyleCnt="5" custLinFactNeighborX="-3148">
+      <dgm:prSet presAssocID="{298AAD51-2706-4F0E-BA0A-9ED593B8D892}" presName="Name5" presStyleLbl="vennNode1" presStyleIdx="3" presStyleCnt="5" custLinFactNeighborX="-1588">
         <dgm:presLayoutVars>
           <dgm:bulletEnabled val="1"/>
         </dgm:presLayoutVars>
@@ -1417,8 +1367,8 @@
       </dsp:nvSpPr>
       <dsp:spPr>
         <a:xfrm>
-          <a:off x="0" y="734001"/>
-          <a:ext cx="2813593" cy="2765066"/>
+          <a:off x="0" y="665530"/>
+          <a:ext cx="2902816" cy="2852750"/>
         </a:xfrm>
         <a:prstGeom prst="ellipse">
           <a:avLst/>
@@ -1464,12 +1414,12 @@
         </a:fontRef>
       </dsp:style>
       <dsp:txBody>
-        <a:bodyPr spcFirstLastPara="0" vert="horz" wrap="square" lIns="152171" tIns="20320" rIns="152171" bIns="20320" numCol="1" spcCol="1270" anchor="ctr" anchorCtr="0">
+        <a:bodyPr spcFirstLastPara="0" vert="horz" wrap="square" lIns="156996" tIns="26670" rIns="156996" bIns="26670" numCol="1" spcCol="1270" anchor="ctr" anchorCtr="0">
           <a:noAutofit/>
         </a:bodyPr>
         <a:lstStyle/>
         <a:p>
-          <a:pPr lvl="0" algn="ctr" defTabSz="711200">
+          <a:pPr lvl="0" algn="ctr" defTabSz="933450">
             <a:lnSpc>
               <a:spcPct val="90000"/>
             </a:lnSpc>
@@ -1481,35 +1431,24 @@
             </a:spcAft>
           </a:pPr>
           <a:r>
-            <a:rPr lang="en-US" sz="1600" b="1" i="0" kern="1200" dirty="0" smtClean="0">
+            <a:rPr lang="en-US" sz="2100" b="1" kern="1200" dirty="0" smtClean="0">
               <a:latin typeface="Times New Roman" panose="02020603050405020304" pitchFamily="18" charset="0"/>
               <a:cs typeface="Times New Roman" panose="02020603050405020304" pitchFamily="18" charset="0"/>
             </a:rPr>
-            <a:t>Promotional Videos : </a:t>
+            <a:t>Animation</a:t>
           </a:r>
           <a:r>
-            <a:rPr lang="en-US" sz="1600" b="0" i="0" kern="1200" dirty="0" smtClean="0">
-              <a:solidFill>
-                <a:schemeClr val="tx1"/>
-              </a:solidFill>
-              <a:effectLst/>
+            <a:rPr lang="en-US" sz="2100" kern="1200" dirty="0" smtClean="0">
               <a:latin typeface="Times New Roman" panose="02020603050405020304" pitchFamily="18" charset="0"/>
               <a:cs typeface="Times New Roman" panose="02020603050405020304" pitchFamily="18" charset="0"/>
             </a:rPr>
-            <a:t>Advertisements and product showcases designed to promote services or goods effectively.</a:t>
+            <a:t>: Animated videos simplify complex ideas, often used in education. </a:t>
           </a:r>
-          <a:endParaRPr lang="en-US" sz="1600" kern="1200" dirty="0">
-            <a:solidFill>
-              <a:schemeClr val="tx1"/>
-            </a:solidFill>
-            <a:latin typeface="Times New Roman" panose="02020603050405020304" pitchFamily="18" charset="0"/>
-            <a:cs typeface="Times New Roman" panose="02020603050405020304" pitchFamily="18" charset="0"/>
-          </a:endParaRPr>
         </a:p>
       </dsp:txBody>
       <dsp:txXfrm>
-        <a:off x="412041" y="1138936"/>
-        <a:ext cx="1989511" cy="1955196"/>
+        <a:off x="425108" y="1083306"/>
+        <a:ext cx="2052600" cy="2017198"/>
       </dsp:txXfrm>
     </dsp:sp>
     <dsp:sp modelId="{D12B3C78-62EC-45E4-AC8D-0CD41E0E848A}">
@@ -1519,8 +1458,8 @@
       </dsp:nvSpPr>
       <dsp:spPr>
         <a:xfrm>
-          <a:off x="2280219" y="734001"/>
-          <a:ext cx="2765066" cy="2765066"/>
+          <a:off x="2352528" y="665530"/>
+          <a:ext cx="2852750" cy="2852750"/>
         </a:xfrm>
         <a:prstGeom prst="ellipse">
           <a:avLst/>
@@ -1566,12 +1505,12 @@
         </a:fontRef>
       </dsp:style>
       <dsp:txBody>
-        <a:bodyPr spcFirstLastPara="0" vert="horz" wrap="square" lIns="152171" tIns="20320" rIns="152171" bIns="20320" numCol="1" spcCol="1270" anchor="ctr" anchorCtr="0">
+        <a:bodyPr spcFirstLastPara="0" vert="horz" wrap="square" lIns="156996" tIns="26670" rIns="156996" bIns="26670" numCol="1" spcCol="1270" anchor="ctr" anchorCtr="0">
           <a:noAutofit/>
         </a:bodyPr>
         <a:lstStyle/>
         <a:p>
-          <a:pPr lvl="0" algn="ctr" defTabSz="711200">
+          <a:pPr lvl="0" algn="ctr" defTabSz="933450">
             <a:lnSpc>
               <a:spcPct val="90000"/>
             </a:lnSpc>
@@ -1583,29 +1522,28 @@
             </a:spcAft>
           </a:pPr>
           <a:r>
-            <a:rPr lang="en-US" sz="1600" b="1" i="0" kern="1200" dirty="0" smtClean="0">
+            <a:rPr lang="en-US" sz="2100" b="1" kern="1200" dirty="0" smtClean="0">
               <a:latin typeface="Times New Roman" panose="02020603050405020304" pitchFamily="18" charset="0"/>
               <a:cs typeface="Times New Roman" panose="02020603050405020304" pitchFamily="18" charset="0"/>
             </a:rPr>
-            <a:t>Live Streaming: </a:t>
+            <a:t>Live-Action</a:t>
           </a:r>
           <a:r>
-            <a:rPr lang="en-US" sz="1600" b="0" i="0" kern="1200" dirty="0" smtClean="0">
-              <a:effectLst/>
+            <a:rPr lang="en-US" sz="2100" kern="1200" dirty="0" smtClean="0">
               <a:latin typeface="Times New Roman" panose="02020603050405020304" pitchFamily="18" charset="0"/>
               <a:cs typeface="Times New Roman" panose="02020603050405020304" pitchFamily="18" charset="0"/>
             </a:rPr>
-            <a:t>Real-time events, webinars, and Q&amp;A sessions that allow for direct interaction with viewers.</a:t>
+            <a:t> : Live-action videos engage viewers by showcasing real events. </a:t>
           </a:r>
-          <a:endParaRPr lang="en-US" sz="1600" kern="1200" dirty="0">
+          <a:endParaRPr lang="en-US" sz="2100" kern="1200" dirty="0">
             <a:latin typeface="Times New Roman" panose="02020603050405020304" pitchFamily="18" charset="0"/>
             <a:cs typeface="Times New Roman" panose="02020603050405020304" pitchFamily="18" charset="0"/>
           </a:endParaRPr>
         </a:p>
       </dsp:txBody>
       <dsp:txXfrm>
-        <a:off x="2685154" y="1138936"/>
-        <a:ext cx="1955196" cy="1955196"/>
+        <a:off x="2770304" y="1083306"/>
+        <a:ext cx="2017198" cy="2017198"/>
       </dsp:txXfrm>
     </dsp:sp>
     <dsp:sp modelId="{90F57D9D-96F5-48B0-898D-2DDAFE0E25D9}">
@@ -1615,8 +1553,8 @@
       </dsp:nvSpPr>
       <dsp:spPr>
         <a:xfrm>
-          <a:off x="4557230" y="734001"/>
-          <a:ext cx="2765066" cy="2765066"/>
+          <a:off x="4572345" y="665530"/>
+          <a:ext cx="2852750" cy="2852750"/>
         </a:xfrm>
         <a:prstGeom prst="ellipse">
           <a:avLst/>
@@ -1662,12 +1600,12 @@
         </a:fontRef>
       </dsp:style>
       <dsp:txBody>
-        <a:bodyPr spcFirstLastPara="0" vert="horz" wrap="square" lIns="152171" tIns="20320" rIns="152171" bIns="20320" numCol="1" spcCol="1270" anchor="ctr" anchorCtr="0">
+        <a:bodyPr spcFirstLastPara="0" vert="horz" wrap="square" lIns="156996" tIns="26670" rIns="156996" bIns="26670" numCol="1" spcCol="1270" anchor="ctr" anchorCtr="0">
           <a:noAutofit/>
         </a:bodyPr>
         <a:lstStyle/>
         <a:p>
-          <a:pPr lvl="0" algn="ctr" defTabSz="711200">
+          <a:pPr lvl="0" algn="ctr" defTabSz="933450">
             <a:lnSpc>
               <a:spcPct val="90000"/>
             </a:lnSpc>
@@ -1679,36 +1617,28 @@
             </a:spcAft>
           </a:pPr>
           <a:r>
-            <a:rPr lang="es-ES" sz="1600" b="1" i="0" kern="1200" dirty="0" smtClean="0">
+            <a:rPr lang="en-US" sz="2100" b="1" kern="1200" dirty="0" smtClean="0">
               <a:latin typeface="Times New Roman" panose="02020603050405020304" pitchFamily="18" charset="0"/>
               <a:cs typeface="Times New Roman" panose="02020603050405020304" pitchFamily="18" charset="0"/>
             </a:rPr>
-            <a:t>Entertainment Videos: </a:t>
+            <a:t>Info graphics with Video </a:t>
           </a:r>
           <a:r>
-            <a:rPr lang="en-US" sz="1600" b="0" i="0" kern="1200" dirty="0" smtClean="0">
-              <a:effectLst/>
+            <a:rPr lang="en-US" sz="2100" kern="1200" dirty="0" smtClean="0">
               <a:latin typeface="Times New Roman" panose="02020603050405020304" pitchFamily="18" charset="0"/>
               <a:cs typeface="Times New Roman" panose="02020603050405020304" pitchFamily="18" charset="0"/>
             </a:rPr>
-            <a:t>Short films, series, and vlogs that aim to entertain and engage the audience</a:t>
+            <a:t>: Combining info graphics and video enhances data visualization. </a:t>
           </a:r>
-          <a:r>
-            <a:rPr lang="en-US" sz="1600" kern="1200" dirty="0" smtClean="0">
-              <a:latin typeface="Times New Roman" panose="02020603050405020304" pitchFamily="18" charset="0"/>
-              <a:cs typeface="Times New Roman" panose="02020603050405020304" pitchFamily="18" charset="0"/>
-            </a:rPr>
-            <a:t>.</a:t>
-          </a:r>
-          <a:endParaRPr lang="en-US" sz="1600" kern="1200" dirty="0">
+          <a:endParaRPr lang="en-US" sz="2100" kern="1200" dirty="0">
             <a:latin typeface="Times New Roman" panose="02020603050405020304" pitchFamily="18" charset="0"/>
             <a:cs typeface="Times New Roman" panose="02020603050405020304" pitchFamily="18" charset="0"/>
           </a:endParaRPr>
         </a:p>
       </dsp:txBody>
       <dsp:txXfrm>
-        <a:off x="4962165" y="1138936"/>
-        <a:ext cx="1955196" cy="1955196"/>
+        <a:off x="4990121" y="1083306"/>
+        <a:ext cx="2017198" cy="2017198"/>
       </dsp:txXfrm>
     </dsp:sp>
     <dsp:sp modelId="{003F30C8-0A37-4DE9-91EA-31DEF2FEE833}">
@@ -1718,8 +1648,8 @@
       </dsp:nvSpPr>
       <dsp:spPr>
         <a:xfrm>
-          <a:off x="6668358" y="734001"/>
-          <a:ext cx="2765066" cy="2765066"/>
+          <a:off x="6888721" y="665530"/>
+          <a:ext cx="2852750" cy="2852750"/>
         </a:xfrm>
         <a:prstGeom prst="ellipse">
           <a:avLst/>
@@ -1765,12 +1695,12 @@
         </a:fontRef>
       </dsp:style>
       <dsp:txBody>
-        <a:bodyPr spcFirstLastPara="0" vert="horz" wrap="square" lIns="152171" tIns="20320" rIns="152171" bIns="20320" numCol="1" spcCol="1270" anchor="ctr" anchorCtr="0">
+        <a:bodyPr spcFirstLastPara="0" vert="horz" wrap="square" lIns="156996" tIns="26670" rIns="156996" bIns="26670" numCol="1" spcCol="1270" anchor="ctr" anchorCtr="0">
           <a:noAutofit/>
         </a:bodyPr>
         <a:lstStyle/>
         <a:p>
-          <a:pPr lvl="0" algn="ctr" defTabSz="711200">
+          <a:pPr lvl="0" algn="ctr" defTabSz="933450">
             <a:lnSpc>
               <a:spcPct val="90000"/>
             </a:lnSpc>
@@ -1782,50 +1712,28 @@
             </a:spcAft>
           </a:pPr>
           <a:r>
-            <a:rPr lang="es-ES" sz="1600" b="1" i="0" kern="1200" dirty="0" smtClean="0">
+            <a:rPr lang="en-US" sz="2100" b="1" kern="1200" dirty="0" smtClean="0">
               <a:latin typeface="Times New Roman" panose="02020603050405020304" pitchFamily="18" charset="0"/>
               <a:cs typeface="Times New Roman" panose="02020603050405020304" pitchFamily="18" charset="0"/>
             </a:rPr>
-            <a:t>Informational Videos</a:t>
+            <a:t>Interactive Video </a:t>
           </a:r>
           <a:r>
-            <a:rPr lang="en-US" sz="1600" kern="1200" dirty="0" smtClean="0">
+            <a:rPr lang="en-US" sz="2100" kern="1200" dirty="0" smtClean="0">
               <a:latin typeface="Times New Roman" panose="02020603050405020304" pitchFamily="18" charset="0"/>
               <a:cs typeface="Times New Roman" panose="02020603050405020304" pitchFamily="18" charset="0"/>
             </a:rPr>
-            <a:t>: </a:t>
+            <a:t>: Interactive videos allow viewer choices, enhancing engagement.</a:t>
           </a:r>
-          <a:r>
-            <a:rPr lang="es-ES" sz="1600" b="1" i="0" kern="1200" dirty="0" smtClean="0">
-              <a:latin typeface="Times New Roman" panose="02020603050405020304" pitchFamily="18" charset="0"/>
-              <a:cs typeface="Times New Roman" panose="02020603050405020304" pitchFamily="18" charset="0"/>
-            </a:rPr>
-            <a:t>: </a:t>
-          </a:r>
-          <a:r>
-            <a:rPr lang="en-US" sz="1600" kern="1200" dirty="0" smtClean="0">
-              <a:latin typeface="Times New Roman" panose="02020603050405020304" pitchFamily="18" charset="0"/>
-              <a:cs typeface="Times New Roman" panose="02020603050405020304" pitchFamily="18" charset="0"/>
-            </a:rPr>
-            <a:t>T</a:t>
-          </a:r>
-          <a:r>
-            <a:rPr lang="en-US" sz="1600" b="0" i="0" kern="1200" dirty="0" smtClean="0">
-              <a:effectLst/>
-              <a:latin typeface="Times New Roman" panose="02020603050405020304" pitchFamily="18" charset="0"/>
-              <a:cs typeface="Times New Roman" panose="02020603050405020304" pitchFamily="18" charset="0"/>
-            </a:rPr>
-            <a:t>hese include tutorials, how-to, and educational content that help viewers learn new skills.</a:t>
-          </a:r>
-          <a:endParaRPr lang="en-US" sz="1600" kern="1200" dirty="0">
+          <a:endParaRPr lang="en-US" sz="2100" kern="1200" dirty="0">
             <a:latin typeface="Times New Roman" panose="02020603050405020304" pitchFamily="18" charset="0"/>
             <a:cs typeface="Times New Roman" panose="02020603050405020304" pitchFamily="18" charset="0"/>
           </a:endParaRPr>
         </a:p>
       </dsp:txBody>
       <dsp:txXfrm>
-        <a:off x="7073293" y="1138936"/>
-        <a:ext cx="1955196" cy="1955196"/>
+        <a:off x="7306497" y="1083306"/>
+        <a:ext cx="2017198" cy="2017198"/>
       </dsp:txXfrm>
     </dsp:sp>
     <dsp:sp modelId="{D8CBA935-F0DE-42CE-B1ED-2B68383F6867}">
@@ -1835,8 +1743,8 @@
       </dsp:nvSpPr>
       <dsp:spPr>
         <a:xfrm>
-          <a:off x="8898901" y="734001"/>
-          <a:ext cx="2765066" cy="2765066"/>
+          <a:off x="9181097" y="665530"/>
+          <a:ext cx="2852750" cy="2852750"/>
         </a:xfrm>
         <a:prstGeom prst="ellipse">
           <a:avLst/>
@@ -1882,12 +1790,12 @@
         </a:fontRef>
       </dsp:style>
       <dsp:txBody>
-        <a:bodyPr spcFirstLastPara="0" vert="horz" wrap="square" lIns="152171" tIns="20320" rIns="152171" bIns="20320" numCol="1" spcCol="1270" anchor="ctr" anchorCtr="0">
+        <a:bodyPr spcFirstLastPara="0" vert="horz" wrap="square" lIns="156996" tIns="26670" rIns="156996" bIns="26670" numCol="1" spcCol="1270" anchor="ctr" anchorCtr="0">
           <a:noAutofit/>
         </a:bodyPr>
         <a:lstStyle/>
         <a:p>
-          <a:pPr lvl="0" algn="ctr" defTabSz="711200">
+          <a:pPr lvl="0" algn="ctr" defTabSz="933450">
             <a:lnSpc>
               <a:spcPct val="90000"/>
             </a:lnSpc>
@@ -1899,36 +1807,28 @@
             </a:spcAft>
           </a:pPr>
           <a:r>
-            <a:rPr lang="es-ES" sz="1600" b="1" i="0" kern="1200" dirty="0" smtClean="0">
+            <a:rPr lang="en-US" sz="2100" b="1" kern="1200" dirty="0" smtClean="0">
               <a:latin typeface="Times New Roman" panose="02020603050405020304" pitchFamily="18" charset="0"/>
               <a:cs typeface="Times New Roman" panose="02020603050405020304" pitchFamily="18" charset="0"/>
             </a:rPr>
-            <a:t>Social Media Videos </a:t>
+            <a:t>Screen Recording</a:t>
           </a:r>
           <a:r>
-            <a:rPr lang="en-US" sz="1600" kern="1200" dirty="0" smtClean="0">
+            <a:rPr lang="en-US" sz="2100" kern="1200" dirty="0" smtClean="0">
               <a:latin typeface="Times New Roman" panose="02020603050405020304" pitchFamily="18" charset="0"/>
               <a:cs typeface="Times New Roman" panose="02020603050405020304" pitchFamily="18" charset="0"/>
             </a:rPr>
-            <a:t>: </a:t>
+            <a:t>: Captures digital screen activities for tutorials and demonstrations.</a:t>
           </a:r>
-          <a:r>
-            <a:rPr lang="en-US" sz="1600" b="0" i="0" kern="1200" dirty="0" smtClean="0">
-              <a:effectLst/>
-              <a:latin typeface="Times New Roman" panose="02020603050405020304" pitchFamily="18" charset="0"/>
-              <a:cs typeface="Times New Roman" panose="02020603050405020304" pitchFamily="18" charset="0"/>
-            </a:rPr>
-            <a:t>Short clips tailored for platforms like Instagram, TikTok, and YouTube for maximum engagement.</a:t>
-          </a:r>
-          <a:endParaRPr lang="en-US" sz="1600" kern="1200" dirty="0">
+          <a:endParaRPr lang="en-US" sz="2100" kern="1200" dirty="0">
             <a:latin typeface="Times New Roman" panose="02020603050405020304" pitchFamily="18" charset="0"/>
             <a:cs typeface="Times New Roman" panose="02020603050405020304" pitchFamily="18" charset="0"/>
           </a:endParaRPr>
         </a:p>
       </dsp:txBody>
       <dsp:txXfrm>
-        <a:off x="9303836" y="1138936"/>
-        <a:ext cx="1955196" cy="1955196"/>
+        <a:off x="9598873" y="1083306"/>
+        <a:ext cx="2017198" cy="2017198"/>
       </dsp:txXfrm>
     </dsp:sp>
   </dsp:spTree>
@@ -16811,6 +16711,610 @@
   <p:clrMapOvr>
     <a:masterClrMapping/>
   </p:clrMapOvr>
+  <mc:AlternateContent xmlns:mc="http://schemas.openxmlformats.org/markup-compatibility/2006">
+    <mc:Choice xmlns:p14="http://schemas.microsoft.com/office/powerpoint/2010/main" Requires="p14">
+      <p:transition spd="slow" p14:dur="1500">
+        <p:split orient="vert"/>
+      </p:transition>
+    </mc:Choice>
+    <mc:Fallback>
+      <p:transition spd="slow">
+        <p:split orient="vert"/>
+      </p:transition>
+    </mc:Fallback>
+  </mc:AlternateContent>
+  <p:timing>
+    <p:tnLst>
+      <p:par>
+        <p:cTn id="1" dur="indefinite" restart="never" nodeType="tmRoot">
+          <p:childTnLst>
+            <p:seq concurrent="1" nextAc="seek">
+              <p:cTn id="2" dur="indefinite" nodeType="mainSeq">
+                <p:childTnLst>
+                  <p:par>
+                    <p:cTn id="3" fill="hold">
+                      <p:stCondLst>
+                        <p:cond delay="indefinite"/>
+                      </p:stCondLst>
+                      <p:childTnLst>
+                        <p:par>
+                          <p:cTn id="4" fill="hold">
+                            <p:stCondLst>
+                              <p:cond delay="0"/>
+                            </p:stCondLst>
+                            <p:childTnLst>
+                              <p:par>
+                                <p:cTn id="5" presetID="6" presetClass="entr" presetSubtype="16" fill="hold" grpId="0" nodeType="clickEffect">
+                                  <p:stCondLst>
+                                    <p:cond delay="0"/>
+                                  </p:stCondLst>
+                                  <p:childTnLst>
+                                    <p:set>
+                                      <p:cBhvr>
+                                        <p:cTn id="6" dur="1" fill="hold">
+                                          <p:stCondLst>
+                                            <p:cond delay="0"/>
+                                          </p:stCondLst>
+                                        </p:cTn>
+                                        <p:tgtEl>
+                                          <p:spTgt spid="2"/>
+                                        </p:tgtEl>
+                                        <p:attrNameLst>
+                                          <p:attrName>style.visibility</p:attrName>
+                                        </p:attrNameLst>
+                                      </p:cBhvr>
+                                      <p:to>
+                                        <p:strVal val="visible"/>
+                                      </p:to>
+                                    </p:set>
+                                    <p:animEffect transition="in" filter="circle(in)">
+                                      <p:cBhvr>
+                                        <p:cTn id="7" dur="2000"/>
+                                        <p:tgtEl>
+                                          <p:spTgt spid="2"/>
+                                        </p:tgtEl>
+                                      </p:cBhvr>
+                                    </p:animEffect>
+                                  </p:childTnLst>
+                                </p:cTn>
+                              </p:par>
+                            </p:childTnLst>
+                          </p:cTn>
+                        </p:par>
+                      </p:childTnLst>
+                    </p:cTn>
+                  </p:par>
+                  <p:par>
+                    <p:cTn id="8" fill="hold">
+                      <p:stCondLst>
+                        <p:cond delay="indefinite"/>
+                      </p:stCondLst>
+                      <p:childTnLst>
+                        <p:par>
+                          <p:cTn id="9" fill="hold">
+                            <p:stCondLst>
+                              <p:cond delay="0"/>
+                            </p:stCondLst>
+                            <p:childTnLst>
+                              <p:par>
+                                <p:cTn id="10" presetID="22" presetClass="entr" presetSubtype="4" fill="hold" grpId="0" nodeType="clickEffect">
+                                  <p:stCondLst>
+                                    <p:cond delay="0"/>
+                                  </p:stCondLst>
+                                  <p:childTnLst>
+                                    <p:set>
+                                      <p:cBhvr>
+                                        <p:cTn id="11" dur="1" fill="hold">
+                                          <p:stCondLst>
+                                            <p:cond delay="0"/>
+                                          </p:stCondLst>
+                                        </p:cTn>
+                                        <p:tgtEl>
+                                          <p:spTgt spid="7"/>
+                                        </p:tgtEl>
+                                        <p:attrNameLst>
+                                          <p:attrName>style.visibility</p:attrName>
+                                        </p:attrNameLst>
+                                      </p:cBhvr>
+                                      <p:to>
+                                        <p:strVal val="visible"/>
+                                      </p:to>
+                                    </p:set>
+                                    <p:animEffect transition="in" filter="wipe(down)">
+                                      <p:cBhvr>
+                                        <p:cTn id="12" dur="500"/>
+                                        <p:tgtEl>
+                                          <p:spTgt spid="7"/>
+                                        </p:tgtEl>
+                                      </p:cBhvr>
+                                    </p:animEffect>
+                                  </p:childTnLst>
+                                </p:cTn>
+                              </p:par>
+                            </p:childTnLst>
+                          </p:cTn>
+                        </p:par>
+                      </p:childTnLst>
+                    </p:cTn>
+                  </p:par>
+                  <p:par>
+                    <p:cTn id="13" fill="hold">
+                      <p:stCondLst>
+                        <p:cond delay="indefinite"/>
+                      </p:stCondLst>
+                      <p:childTnLst>
+                        <p:par>
+                          <p:cTn id="14" fill="hold">
+                            <p:stCondLst>
+                              <p:cond delay="0"/>
+                            </p:stCondLst>
+                            <p:childTnLst>
+                              <p:par>
+                                <p:cTn id="15" presetID="42" presetClass="entr" presetSubtype="0" fill="hold" grpId="0" nodeType="clickEffect">
+                                  <p:stCondLst>
+                                    <p:cond delay="0"/>
+                                  </p:stCondLst>
+                                  <p:childTnLst>
+                                    <p:set>
+                                      <p:cBhvr>
+                                        <p:cTn id="16" dur="1" fill="hold">
+                                          <p:stCondLst>
+                                            <p:cond delay="0"/>
+                                          </p:stCondLst>
+                                        </p:cTn>
+                                        <p:tgtEl>
+                                          <p:spTgt spid="8"/>
+                                        </p:tgtEl>
+                                        <p:attrNameLst>
+                                          <p:attrName>style.visibility</p:attrName>
+                                        </p:attrNameLst>
+                                      </p:cBhvr>
+                                      <p:to>
+                                        <p:strVal val="visible"/>
+                                      </p:to>
+                                    </p:set>
+                                    <p:animEffect transition="in" filter="fade">
+                                      <p:cBhvr>
+                                        <p:cTn id="17" dur="1000"/>
+                                        <p:tgtEl>
+                                          <p:spTgt spid="8"/>
+                                        </p:tgtEl>
+                                      </p:cBhvr>
+                                    </p:animEffect>
+                                    <p:anim calcmode="lin" valueType="num">
+                                      <p:cBhvr>
+                                        <p:cTn id="18" dur="1000" fill="hold"/>
+                                        <p:tgtEl>
+                                          <p:spTgt spid="8"/>
+                                        </p:tgtEl>
+                                        <p:attrNameLst>
+                                          <p:attrName>ppt_x</p:attrName>
+                                        </p:attrNameLst>
+                                      </p:cBhvr>
+                                      <p:tavLst>
+                                        <p:tav tm="0">
+                                          <p:val>
+                                            <p:strVal val="#ppt_x"/>
+                                          </p:val>
+                                        </p:tav>
+                                        <p:tav tm="100000">
+                                          <p:val>
+                                            <p:strVal val="#ppt_x"/>
+                                          </p:val>
+                                        </p:tav>
+                                      </p:tavLst>
+                                    </p:anim>
+                                    <p:anim calcmode="lin" valueType="num">
+                                      <p:cBhvr>
+                                        <p:cTn id="19" dur="1000" fill="hold"/>
+                                        <p:tgtEl>
+                                          <p:spTgt spid="8"/>
+                                        </p:tgtEl>
+                                        <p:attrNameLst>
+                                          <p:attrName>ppt_y</p:attrName>
+                                        </p:attrNameLst>
+                                      </p:cBhvr>
+                                      <p:tavLst>
+                                        <p:tav tm="0">
+                                          <p:val>
+                                            <p:strVal val="#ppt_y+.1"/>
+                                          </p:val>
+                                        </p:tav>
+                                        <p:tav tm="100000">
+                                          <p:val>
+                                            <p:strVal val="#ppt_y"/>
+                                          </p:val>
+                                        </p:tav>
+                                      </p:tavLst>
+                                    </p:anim>
+                                  </p:childTnLst>
+                                </p:cTn>
+                              </p:par>
+                            </p:childTnLst>
+                          </p:cTn>
+                        </p:par>
+                      </p:childTnLst>
+                    </p:cTn>
+                  </p:par>
+                  <p:par>
+                    <p:cTn id="20" fill="hold">
+                      <p:stCondLst>
+                        <p:cond delay="indefinite"/>
+                      </p:stCondLst>
+                      <p:childTnLst>
+                        <p:par>
+                          <p:cTn id="21" fill="hold">
+                            <p:stCondLst>
+                              <p:cond delay="0"/>
+                            </p:stCondLst>
+                            <p:childTnLst>
+                              <p:par>
+                                <p:cTn id="22" presetID="53" presetClass="entr" presetSubtype="16" fill="hold" nodeType="clickEffect">
+                                  <p:stCondLst>
+                                    <p:cond delay="0"/>
+                                  </p:stCondLst>
+                                  <p:childTnLst>
+                                    <p:set>
+                                      <p:cBhvr>
+                                        <p:cTn id="23" dur="1" fill="hold">
+                                          <p:stCondLst>
+                                            <p:cond delay="0"/>
+                                          </p:stCondLst>
+                                        </p:cTn>
+                                        <p:tgtEl>
+                                          <p:spTgt spid="12"/>
+                                        </p:tgtEl>
+                                        <p:attrNameLst>
+                                          <p:attrName>style.visibility</p:attrName>
+                                        </p:attrNameLst>
+                                      </p:cBhvr>
+                                      <p:to>
+                                        <p:strVal val="visible"/>
+                                      </p:to>
+                                    </p:set>
+                                    <p:anim calcmode="lin" valueType="num">
+                                      <p:cBhvr>
+                                        <p:cTn id="24" dur="500" fill="hold"/>
+                                        <p:tgtEl>
+                                          <p:spTgt spid="12"/>
+                                        </p:tgtEl>
+                                        <p:attrNameLst>
+                                          <p:attrName>ppt_w</p:attrName>
+                                        </p:attrNameLst>
+                                      </p:cBhvr>
+                                      <p:tavLst>
+                                        <p:tav tm="0">
+                                          <p:val>
+                                            <p:fltVal val="0"/>
+                                          </p:val>
+                                        </p:tav>
+                                        <p:tav tm="100000">
+                                          <p:val>
+                                            <p:strVal val="#ppt_w"/>
+                                          </p:val>
+                                        </p:tav>
+                                      </p:tavLst>
+                                    </p:anim>
+                                    <p:anim calcmode="lin" valueType="num">
+                                      <p:cBhvr>
+                                        <p:cTn id="25" dur="500" fill="hold"/>
+                                        <p:tgtEl>
+                                          <p:spTgt spid="12"/>
+                                        </p:tgtEl>
+                                        <p:attrNameLst>
+                                          <p:attrName>ppt_h</p:attrName>
+                                        </p:attrNameLst>
+                                      </p:cBhvr>
+                                      <p:tavLst>
+                                        <p:tav tm="0">
+                                          <p:val>
+                                            <p:fltVal val="0"/>
+                                          </p:val>
+                                        </p:tav>
+                                        <p:tav tm="100000">
+                                          <p:val>
+                                            <p:strVal val="#ppt_h"/>
+                                          </p:val>
+                                        </p:tav>
+                                      </p:tavLst>
+                                    </p:anim>
+                                    <p:animEffect transition="in" filter="fade">
+                                      <p:cBhvr>
+                                        <p:cTn id="26" dur="500"/>
+                                        <p:tgtEl>
+                                          <p:spTgt spid="12"/>
+                                        </p:tgtEl>
+                                      </p:cBhvr>
+                                    </p:animEffect>
+                                  </p:childTnLst>
+                                </p:cTn>
+                              </p:par>
+                            </p:childTnLst>
+                          </p:cTn>
+                        </p:par>
+                      </p:childTnLst>
+                    </p:cTn>
+                  </p:par>
+                  <p:par>
+                    <p:cTn id="27" fill="hold">
+                      <p:stCondLst>
+                        <p:cond delay="indefinite"/>
+                      </p:stCondLst>
+                      <p:childTnLst>
+                        <p:par>
+                          <p:cTn id="28" fill="hold">
+                            <p:stCondLst>
+                              <p:cond delay="0"/>
+                            </p:stCondLst>
+                            <p:childTnLst>
+                              <p:par>
+                                <p:cTn id="29" presetID="42" presetClass="entr" presetSubtype="0" fill="hold" grpId="0" nodeType="clickEffect">
+                                  <p:stCondLst>
+                                    <p:cond delay="0"/>
+                                  </p:stCondLst>
+                                  <p:childTnLst>
+                                    <p:set>
+                                      <p:cBhvr>
+                                        <p:cTn id="30" dur="1" fill="hold">
+                                          <p:stCondLst>
+                                            <p:cond delay="0"/>
+                                          </p:stCondLst>
+                                        </p:cTn>
+                                        <p:tgtEl>
+                                          <p:spTgt spid="11"/>
+                                        </p:tgtEl>
+                                        <p:attrNameLst>
+                                          <p:attrName>style.visibility</p:attrName>
+                                        </p:attrNameLst>
+                                      </p:cBhvr>
+                                      <p:to>
+                                        <p:strVal val="visible"/>
+                                      </p:to>
+                                    </p:set>
+                                    <p:animEffect transition="in" filter="fade">
+                                      <p:cBhvr>
+                                        <p:cTn id="31" dur="1000"/>
+                                        <p:tgtEl>
+                                          <p:spTgt spid="11"/>
+                                        </p:tgtEl>
+                                      </p:cBhvr>
+                                    </p:animEffect>
+                                    <p:anim calcmode="lin" valueType="num">
+                                      <p:cBhvr>
+                                        <p:cTn id="32" dur="1000" fill="hold"/>
+                                        <p:tgtEl>
+                                          <p:spTgt spid="11"/>
+                                        </p:tgtEl>
+                                        <p:attrNameLst>
+                                          <p:attrName>ppt_x</p:attrName>
+                                        </p:attrNameLst>
+                                      </p:cBhvr>
+                                      <p:tavLst>
+                                        <p:tav tm="0">
+                                          <p:val>
+                                            <p:strVal val="#ppt_x"/>
+                                          </p:val>
+                                        </p:tav>
+                                        <p:tav tm="100000">
+                                          <p:val>
+                                            <p:strVal val="#ppt_x"/>
+                                          </p:val>
+                                        </p:tav>
+                                      </p:tavLst>
+                                    </p:anim>
+                                    <p:anim calcmode="lin" valueType="num">
+                                      <p:cBhvr>
+                                        <p:cTn id="33" dur="1000" fill="hold"/>
+                                        <p:tgtEl>
+                                          <p:spTgt spid="11"/>
+                                        </p:tgtEl>
+                                        <p:attrNameLst>
+                                          <p:attrName>ppt_y</p:attrName>
+                                        </p:attrNameLst>
+                                      </p:cBhvr>
+                                      <p:tavLst>
+                                        <p:tav tm="0">
+                                          <p:val>
+                                            <p:strVal val="#ppt_y+.1"/>
+                                          </p:val>
+                                        </p:tav>
+                                        <p:tav tm="100000">
+                                          <p:val>
+                                            <p:strVal val="#ppt_y"/>
+                                          </p:val>
+                                        </p:tav>
+                                      </p:tavLst>
+                                    </p:anim>
+                                  </p:childTnLst>
+                                </p:cTn>
+                              </p:par>
+                            </p:childTnLst>
+                          </p:cTn>
+                        </p:par>
+                      </p:childTnLst>
+                    </p:cTn>
+                  </p:par>
+                  <p:par>
+                    <p:cTn id="34" fill="hold">
+                      <p:stCondLst>
+                        <p:cond delay="indefinite"/>
+                      </p:stCondLst>
+                      <p:childTnLst>
+                        <p:par>
+                          <p:cTn id="35" fill="hold">
+                            <p:stCondLst>
+                              <p:cond delay="0"/>
+                            </p:stCondLst>
+                            <p:childTnLst>
+                              <p:par>
+                                <p:cTn id="36" presetID="14" presetClass="entr" presetSubtype="10" fill="hold" nodeType="clickEffect">
+                                  <p:stCondLst>
+                                    <p:cond delay="0"/>
+                                  </p:stCondLst>
+                                  <p:childTnLst>
+                                    <p:set>
+                                      <p:cBhvr>
+                                        <p:cTn id="37" dur="1" fill="hold">
+                                          <p:stCondLst>
+                                            <p:cond delay="0"/>
+                                          </p:stCondLst>
+                                        </p:cTn>
+                                        <p:tgtEl>
+                                          <p:spTgt spid="10"/>
+                                        </p:tgtEl>
+                                        <p:attrNameLst>
+                                          <p:attrName>style.visibility</p:attrName>
+                                        </p:attrNameLst>
+                                      </p:cBhvr>
+                                      <p:to>
+                                        <p:strVal val="visible"/>
+                                      </p:to>
+                                    </p:set>
+                                    <p:animEffect transition="in" filter="randombar(horizontal)">
+                                      <p:cBhvr>
+                                        <p:cTn id="38" dur="500"/>
+                                        <p:tgtEl>
+                                          <p:spTgt spid="10"/>
+                                        </p:tgtEl>
+                                      </p:cBhvr>
+                                    </p:animEffect>
+                                  </p:childTnLst>
+                                </p:cTn>
+                              </p:par>
+                            </p:childTnLst>
+                          </p:cTn>
+                        </p:par>
+                      </p:childTnLst>
+                    </p:cTn>
+                  </p:par>
+                  <p:par>
+                    <p:cTn id="39" fill="hold">
+                      <p:stCondLst>
+                        <p:cond delay="indefinite"/>
+                      </p:stCondLst>
+                      <p:childTnLst>
+                        <p:par>
+                          <p:cTn id="40" fill="hold">
+                            <p:stCondLst>
+                              <p:cond delay="0"/>
+                            </p:stCondLst>
+                            <p:childTnLst>
+                              <p:par>
+                                <p:cTn id="41" presetID="42" presetClass="entr" presetSubtype="0" fill="hold" grpId="0" nodeType="clickEffect">
+                                  <p:stCondLst>
+                                    <p:cond delay="0"/>
+                                  </p:stCondLst>
+                                  <p:childTnLst>
+                                    <p:set>
+                                      <p:cBhvr>
+                                        <p:cTn id="42" dur="1" fill="hold">
+                                          <p:stCondLst>
+                                            <p:cond delay="0"/>
+                                          </p:stCondLst>
+                                        </p:cTn>
+                                        <p:tgtEl>
+                                          <p:spTgt spid="13"/>
+                                        </p:tgtEl>
+                                        <p:attrNameLst>
+                                          <p:attrName>style.visibility</p:attrName>
+                                        </p:attrNameLst>
+                                      </p:cBhvr>
+                                      <p:to>
+                                        <p:strVal val="visible"/>
+                                      </p:to>
+                                    </p:set>
+                                    <p:animEffect transition="in" filter="fade">
+                                      <p:cBhvr>
+                                        <p:cTn id="43" dur="1000"/>
+                                        <p:tgtEl>
+                                          <p:spTgt spid="13"/>
+                                        </p:tgtEl>
+                                      </p:cBhvr>
+                                    </p:animEffect>
+                                    <p:anim calcmode="lin" valueType="num">
+                                      <p:cBhvr>
+                                        <p:cTn id="44" dur="1000" fill="hold"/>
+                                        <p:tgtEl>
+                                          <p:spTgt spid="13"/>
+                                        </p:tgtEl>
+                                        <p:attrNameLst>
+                                          <p:attrName>ppt_x</p:attrName>
+                                        </p:attrNameLst>
+                                      </p:cBhvr>
+                                      <p:tavLst>
+                                        <p:tav tm="0">
+                                          <p:val>
+                                            <p:strVal val="#ppt_x"/>
+                                          </p:val>
+                                        </p:tav>
+                                        <p:tav tm="100000">
+                                          <p:val>
+                                            <p:strVal val="#ppt_x"/>
+                                          </p:val>
+                                        </p:tav>
+                                      </p:tavLst>
+                                    </p:anim>
+                                    <p:anim calcmode="lin" valueType="num">
+                                      <p:cBhvr>
+                                        <p:cTn id="45" dur="1000" fill="hold"/>
+                                        <p:tgtEl>
+                                          <p:spTgt spid="13"/>
+                                        </p:tgtEl>
+                                        <p:attrNameLst>
+                                          <p:attrName>ppt_y</p:attrName>
+                                        </p:attrNameLst>
+                                      </p:cBhvr>
+                                      <p:tavLst>
+                                        <p:tav tm="0">
+                                          <p:val>
+                                            <p:strVal val="#ppt_y+.1"/>
+                                          </p:val>
+                                        </p:tav>
+                                        <p:tav tm="100000">
+                                          <p:val>
+                                            <p:strVal val="#ppt_y"/>
+                                          </p:val>
+                                        </p:tav>
+                                      </p:tavLst>
+                                    </p:anim>
+                                  </p:childTnLst>
+                                </p:cTn>
+                              </p:par>
+                            </p:childTnLst>
+                          </p:cTn>
+                        </p:par>
+                      </p:childTnLst>
+                    </p:cTn>
+                  </p:par>
+                </p:childTnLst>
+              </p:cTn>
+              <p:prevCondLst>
+                <p:cond evt="onPrev" delay="0">
+                  <p:tgtEl>
+                    <p:sldTgt/>
+                  </p:tgtEl>
+                </p:cond>
+              </p:prevCondLst>
+              <p:nextCondLst>
+                <p:cond evt="onNext" delay="0">
+                  <p:tgtEl>
+                    <p:sldTgt/>
+                  </p:tgtEl>
+                </p:cond>
+              </p:nextCondLst>
+            </p:seq>
+          </p:childTnLst>
+        </p:cTn>
+      </p:par>
+    </p:tnLst>
+    <p:bldLst>
+      <p:bldP spid="2" grpId="0"/>
+      <p:bldP spid="7" grpId="0"/>
+      <p:bldP spid="8" grpId="0"/>
+      <p:bldP spid="11" grpId="0"/>
+      <p:bldP spid="13" grpId="0"/>
+    </p:bldLst>
+  </p:timing>
 </p:sld>
 </file>
 
@@ -16831,232 +17335,741 @@
           <a:chExt cx="0" cy="0"/>
         </a:xfrm>
       </p:grpSpPr>
-      <p:sp>
-        <p:nvSpPr>
-          <p:cNvPr id="2" name="Rectangle 1"/>
-          <p:cNvSpPr/>
+      <p:graphicFrame>
+        <p:nvGraphicFramePr>
+          <p:cNvPr id="5" name="Content Placeholder 3">
+            <a:extLst>
+              <a:ext uri="{FF2B5EF4-FFF2-40B4-BE49-F238E27FC236}">
+                <a16:creationId xmlns="" xmlns:a16="http://schemas.microsoft.com/office/drawing/2014/main" xmlns:lc="http://schemas.openxmlformats.org/drawingml/2006/lockedCanvas" id="{0C170043-D535-D6D8-2A48-4BC58845B4BF}"/>
+              </a:ext>
+            </a:extLst>
+          </p:cNvPr>
+          <p:cNvGraphicFramePr>
+            <a:graphicFrameLocks noGrp="1"/>
+          </p:cNvGraphicFramePr>
+          <p:nvPr>
+            <p:extLst>
+              <p:ext uri="{D42A27DB-BD31-4B8C-83A1-F6EECF244321}">
+                <p14:modId xmlns:p14="http://schemas.microsoft.com/office/powerpoint/2010/main" val="3692836434"/>
+              </p:ext>
+            </p:extLst>
+          </p:nvPr>
+        </p:nvGraphicFramePr>
+        <p:xfrm>
+          <a:off x="86265" y="780041"/>
+          <a:ext cx="12033848" cy="4183812"/>
+        </p:xfrm>
+        <a:graphic>
+          <a:graphicData uri="http://schemas.openxmlformats.org/drawingml/2006/diagram">
+            <dgm:relIds xmlns:dgm="http://schemas.openxmlformats.org/drawingml/2006/diagram" xmlns:r="http://schemas.openxmlformats.org/officeDocument/2006/relationships" r:dm="rId2" r:lo="rId3" r:qs="rId4" r:cs="rId5"/>
+          </a:graphicData>
+        </a:graphic>
+      </p:graphicFrame>
+      <p:pic>
+        <p:nvPicPr>
+          <p:cNvPr id="7" name="Picture 6"/>
+          <p:cNvPicPr>
+            <a:picLocks noChangeAspect="1"/>
+          </p:cNvPicPr>
           <p:nvPr/>
-        </p:nvSpPr>
+        </p:nvPicPr>
+        <p:blipFill rotWithShape="1">
+          <a:blip r:embed="rId7"/>
+          <a:srcRect l="2068" t="2945"/>
+          <a:stretch/>
+        </p:blipFill>
         <p:spPr>
           <a:xfrm>
-            <a:off x="529085" y="1565087"/>
-            <a:ext cx="7717767" cy="923330"/>
+            <a:off x="163902" y="4382218"/>
+            <a:ext cx="3643045" cy="2251494"/>
           </a:xfrm>
           <a:prstGeom prst="rect">
             <a:avLst/>
           </a:prstGeom>
+          <a:ln>
+            <a:noFill/>
+          </a:ln>
+          <a:effectLst>
+            <a:softEdge rad="112500"/>
+          </a:effectLst>
         </p:spPr>
-        <p:txBody>
-          <a:bodyPr wrap="square">
-            <a:spAutoFit/>
-          </a:bodyPr>
-          <a:lstStyle/>
-          <a:p>
-            <a:pPr marL="285750" indent="-285750" algn="just">
-              <a:buFont typeface="Arial" panose="020B0604020202020204" pitchFamily="34" charset="0"/>
-              <a:buChar char="•"/>
-            </a:pPr>
-            <a:r>
-              <a:rPr lang="en-US" b="1" dirty="0" smtClean="0"/>
-              <a:t>Increases accessibility and reach:</a:t>
-            </a:r>
-            <a:r>
-              <a:rPr lang="en-US" dirty="0" smtClean="0"/>
-              <a:t> </a:t>
-            </a:r>
-          </a:p>
-          <a:p>
-            <a:pPr marL="742950" lvl="1" indent="-285750" algn="just">
-              <a:buBlip>
-                <a:blip r:embed="rId2"/>
-              </a:buBlip>
-            </a:pPr>
-            <a:r>
-              <a:rPr lang="en-US" dirty="0" smtClean="0"/>
-              <a:t>Video can be shared widely across platforms, making information more accessible to diverse audiences.</a:t>
-            </a:r>
-            <a:endParaRPr lang="en-US" dirty="0"/>
-          </a:p>
-        </p:txBody>
-      </p:sp>
-      <p:sp>
-        <p:nvSpPr>
-          <p:cNvPr id="3" name="Rectangle 2"/>
-          <p:cNvSpPr/>
+      </p:pic>
+      <p:pic>
+        <p:nvPicPr>
+          <p:cNvPr id="8" name="Picture 7"/>
+          <p:cNvPicPr>
+            <a:picLocks noChangeAspect="1"/>
+          </p:cNvPicPr>
           <p:nvPr/>
-        </p:nvSpPr>
+        </p:nvPicPr>
+        <p:blipFill>
+          <a:blip r:embed="rId8"/>
+          <a:stretch>
+            <a:fillRect/>
+          </a:stretch>
+        </p:blipFill>
         <p:spPr>
           <a:xfrm>
-            <a:off x="387243" y="164703"/>
-            <a:ext cx="5849678" cy="477054"/>
+            <a:off x="4408052" y="4463230"/>
+            <a:ext cx="3679802" cy="2170482"/>
           </a:xfrm>
           <a:prstGeom prst="rect">
             <a:avLst/>
           </a:prstGeom>
+          <a:ln>
+            <a:noFill/>
+          </a:ln>
+          <a:effectLst>
+            <a:softEdge rad="112500"/>
+          </a:effectLst>
         </p:spPr>
-        <p:txBody>
-          <a:bodyPr wrap="none">
-            <a:spAutoFit/>
-          </a:bodyPr>
-          <a:lstStyle/>
-          <a:p>
-            <a:r>
-              <a:rPr lang="en-US" sz="2500" b="1" dirty="0" smtClean="0">
-                <a:latin typeface="Algerian" panose="04020705040A02060702" pitchFamily="82" charset="0"/>
-                <a:cs typeface="Times New Roman" panose="02020603050405020304" pitchFamily="18" charset="0"/>
-              </a:rPr>
-              <a:t>Importance of Video in Multimedia</a:t>
-            </a:r>
-            <a:endParaRPr lang="en-US" sz="2500" dirty="0" smtClean="0">
-              <a:latin typeface="Algerian" panose="04020705040A02060702" pitchFamily="82" charset="0"/>
-              <a:cs typeface="Times New Roman" panose="02020603050405020304" pitchFamily="18" charset="0"/>
-            </a:endParaRPr>
-          </a:p>
-        </p:txBody>
-      </p:sp>
-      <p:sp>
-        <p:nvSpPr>
-          <p:cNvPr id="4" name="Rectangle 3"/>
-          <p:cNvSpPr/>
+      </p:pic>
+      <p:pic>
+        <p:nvPicPr>
+          <p:cNvPr id="9" name="Picture 8"/>
+          <p:cNvPicPr>
+            <a:picLocks noChangeAspect="1"/>
+          </p:cNvPicPr>
           <p:nvPr/>
-        </p:nvSpPr>
+        </p:nvPicPr>
+        <p:blipFill>
+          <a:blip r:embed="rId9"/>
+          <a:stretch>
+            <a:fillRect/>
+          </a:stretch>
+        </p:blipFill>
         <p:spPr>
           <a:xfrm>
-            <a:off x="529087" y="641757"/>
-            <a:ext cx="7717766" cy="923330"/>
+            <a:off x="8602695" y="4463231"/>
+            <a:ext cx="3503040" cy="2170482"/>
           </a:xfrm>
           <a:prstGeom prst="rect">
             <a:avLst/>
           </a:prstGeom>
+          <a:ln>
+            <a:noFill/>
+          </a:ln>
+          <a:effectLst>
+            <a:softEdge rad="112500"/>
+          </a:effectLst>
         </p:spPr>
-        <p:txBody>
-          <a:bodyPr wrap="square">
-            <a:spAutoFit/>
-          </a:bodyPr>
-          <a:lstStyle/>
-          <a:p>
-            <a:pPr marL="285750" indent="-285750" algn="just">
-              <a:buFont typeface="Arial" panose="020B0604020202020204" pitchFamily="34" charset="0"/>
-              <a:buChar char="•"/>
-            </a:pPr>
-            <a:r>
-              <a:rPr lang="en-US" b="1" dirty="0" smtClean="0"/>
-              <a:t>Enhances engagement and retention:</a:t>
-            </a:r>
-          </a:p>
-          <a:p>
-            <a:pPr marL="742950" lvl="1" indent="-285750" algn="just">
-              <a:buBlip>
-                <a:blip r:embed="rId2"/>
-              </a:buBlip>
-            </a:pPr>
-            <a:r>
-              <a:rPr lang="en-US" dirty="0" smtClean="0"/>
-              <a:t> People retain more information from videos compared to text or images alone.</a:t>
-            </a:r>
-            <a:endParaRPr lang="en-US" dirty="0" smtClean="0"/>
-          </a:p>
-        </p:txBody>
-      </p:sp>
-      <p:sp>
-        <p:nvSpPr>
-          <p:cNvPr id="5" name="Rectangle 4"/>
-          <p:cNvSpPr/>
+      </p:pic>
+      <p:grpSp>
+        <p:nvGrpSpPr>
+          <p:cNvPr id="14" name="Group 13"/>
+          <p:cNvGrpSpPr/>
           <p:nvPr/>
-        </p:nvSpPr>
-        <p:spPr>
+        </p:nvGrpSpPr>
+        <p:grpSpPr>
           <a:xfrm>
-            <a:off x="529085" y="2488417"/>
-            <a:ext cx="7717767" cy="923330"/>
+            <a:off x="2118174" y="199211"/>
+            <a:ext cx="7343950" cy="931636"/>
+            <a:chOff x="2118174" y="199211"/>
+            <a:chExt cx="7343950" cy="931636"/>
           </a:xfrm>
-          <a:prstGeom prst="rect">
-            <a:avLst/>
-          </a:prstGeom>
-        </p:spPr>
-        <p:txBody>
-          <a:bodyPr wrap="square">
-            <a:spAutoFit/>
-          </a:bodyPr>
-          <a:lstStyle/>
-          <a:p>
-            <a:pPr marL="285750" indent="-285750" algn="just">
-              <a:buFont typeface="Arial" panose="020B0604020202020204" pitchFamily="34" charset="0"/>
-              <a:buChar char="•"/>
-            </a:pPr>
-            <a:r>
-              <a:rPr lang="en-US" b="1" dirty="0" smtClean="0"/>
-              <a:t>Provides a dynamic and immersive experience:</a:t>
-            </a:r>
-            <a:endParaRPr lang="en-US" dirty="0"/>
-          </a:p>
-          <a:p>
-            <a:pPr marL="742950" lvl="1" indent="-285750" algn="just">
-              <a:buBlip>
-                <a:blip r:embed="rId2"/>
-              </a:buBlip>
-            </a:pPr>
-            <a:r>
-              <a:rPr lang="en-US" dirty="0" smtClean="0"/>
-              <a:t>Combines visuals, sound, and motion to create engaging content.</a:t>
-            </a:r>
-            <a:endParaRPr lang="en-US" dirty="0" smtClean="0"/>
-          </a:p>
-        </p:txBody>
-      </p:sp>
-      <p:sp>
-        <p:nvSpPr>
-          <p:cNvPr id="6" name="Rectangle 5"/>
-          <p:cNvSpPr/>
-          <p:nvPr/>
-        </p:nvSpPr>
-        <p:spPr>
-          <a:xfrm>
-            <a:off x="529085" y="3411747"/>
-            <a:ext cx="7717768" cy="646331"/>
-          </a:xfrm>
-          <a:prstGeom prst="rect">
-            <a:avLst/>
-          </a:prstGeom>
-        </p:spPr>
-        <p:txBody>
-          <a:bodyPr wrap="square">
-            <a:spAutoFit/>
-          </a:bodyPr>
-          <a:lstStyle/>
-          <a:p>
-            <a:pPr marL="285750" indent="-285750" algn="just">
-              <a:buFont typeface="Arial" panose="020B0604020202020204" pitchFamily="34" charset="0"/>
-              <a:buChar char="•"/>
-            </a:pPr>
-            <a:r>
-              <a:rPr lang="en-US" b="1" dirty="0" smtClean="0"/>
-              <a:t>Useful for demonstrations, storytelling, and virtual experiences:</a:t>
-            </a:r>
-          </a:p>
-          <a:p>
-            <a:pPr marL="742950" lvl="1" indent="-285750" algn="just">
-              <a:buBlip>
-                <a:blip r:embed="rId2"/>
-              </a:buBlip>
-            </a:pPr>
-            <a:r>
-              <a:rPr lang="en-US" dirty="0" smtClean="0"/>
-              <a:t>Ideal for tutorials, brand storytelling, and simulations.</a:t>
-            </a:r>
-            <a:endParaRPr lang="en-US" dirty="0" smtClean="0"/>
-          </a:p>
-        </p:txBody>
-      </p:sp>
+        </p:grpSpPr>
+        <p:sp>
+          <p:nvSpPr>
+            <p:cNvPr id="2" name="Rectangle 1"/>
+            <p:cNvSpPr/>
+            <p:nvPr/>
+          </p:nvSpPr>
+          <p:spPr>
+            <a:xfrm>
+              <a:off x="2155549" y="199211"/>
+              <a:ext cx="6108082" cy="830997"/>
+            </a:xfrm>
+            <a:prstGeom prst="rect">
+              <a:avLst/>
+            </a:prstGeom>
+          </p:spPr>
+          <p:txBody>
+            <a:bodyPr wrap="none">
+              <a:spAutoFit/>
+            </a:bodyPr>
+            <a:lstStyle/>
+            <a:p>
+              <a:r>
+                <a:rPr lang="en-US" sz="4800" b="1" dirty="0"/>
+                <a:t>Types of Video Content</a:t>
+              </a:r>
+              <a:endParaRPr lang="en-US" sz="4800" dirty="0">
+                <a:solidFill>
+                  <a:srgbClr val="FF0000"/>
+                </a:solidFill>
+              </a:endParaRPr>
+            </a:p>
+          </p:txBody>
+        </p:sp>
+        <p:cxnSp>
+          <p:nvCxnSpPr>
+            <p:cNvPr id="10" name="Straight Connector 9"/>
+            <p:cNvCxnSpPr/>
+            <p:nvPr/>
+          </p:nvCxnSpPr>
+          <p:spPr>
+            <a:xfrm>
+              <a:off x="2121045" y="1064709"/>
+              <a:ext cx="7341079" cy="0"/>
+            </a:xfrm>
+            <a:prstGeom prst="line">
+              <a:avLst/>
+            </a:prstGeom>
+            <a:ln w="28575">
+              <a:solidFill>
+                <a:schemeClr val="tx1"/>
+              </a:solidFill>
+            </a:ln>
+          </p:spPr>
+          <p:style>
+            <a:lnRef idx="1">
+              <a:schemeClr val="accent1"/>
+            </a:lnRef>
+            <a:fillRef idx="0">
+              <a:schemeClr val="accent1"/>
+            </a:fillRef>
+            <a:effectRef idx="0">
+              <a:schemeClr val="accent1"/>
+            </a:effectRef>
+            <a:fontRef idx="minor">
+              <a:schemeClr val="tx1"/>
+            </a:fontRef>
+          </p:style>
+        </p:cxnSp>
+        <p:cxnSp>
+          <p:nvCxnSpPr>
+            <p:cNvPr id="13" name="Straight Connector 12"/>
+            <p:cNvCxnSpPr/>
+            <p:nvPr/>
+          </p:nvCxnSpPr>
+          <p:spPr>
+            <a:xfrm>
+              <a:off x="2118174" y="1130847"/>
+              <a:ext cx="7341079" cy="0"/>
+            </a:xfrm>
+            <a:prstGeom prst="line">
+              <a:avLst/>
+            </a:prstGeom>
+            <a:ln w="28575">
+              <a:solidFill>
+                <a:schemeClr val="tx1"/>
+              </a:solidFill>
+            </a:ln>
+          </p:spPr>
+          <p:style>
+            <a:lnRef idx="1">
+              <a:schemeClr val="accent1"/>
+            </a:lnRef>
+            <a:fillRef idx="0">
+              <a:schemeClr val="accent1"/>
+            </a:fillRef>
+            <a:effectRef idx="0">
+              <a:schemeClr val="accent1"/>
+            </a:effectRef>
+            <a:fontRef idx="minor">
+              <a:schemeClr val="tx1"/>
+            </a:fontRef>
+          </p:style>
+        </p:cxnSp>
+      </p:grpSp>
     </p:spTree>
     <p:extLst>
       <p:ext uri="{BB962C8B-B14F-4D97-AF65-F5344CB8AC3E}">
-        <p14:creationId xmlns:p14="http://schemas.microsoft.com/office/powerpoint/2010/main" val="2672719637"/>
+        <p14:creationId xmlns:p14="http://schemas.microsoft.com/office/powerpoint/2010/main" val="3368590171"/>
       </p:ext>
     </p:extLst>
   </p:cSld>
   <p:clrMapOvr>
     <a:masterClrMapping/>
   </p:clrMapOvr>
+  <mc:AlternateContent xmlns:mc="http://schemas.openxmlformats.org/markup-compatibility/2006">
+    <mc:Choice xmlns:p14="http://schemas.microsoft.com/office/powerpoint/2010/main" Requires="p14">
+      <p:transition spd="slow" p14:dur="1400">
+        <p14:doors dir="vert"/>
+      </p:transition>
+    </mc:Choice>
+    <mc:Fallback>
+      <p:transition spd="slow">
+        <p:fade/>
+      </p:transition>
+    </mc:Fallback>
+  </mc:AlternateContent>
+  <p:timing>
+    <p:tnLst>
+      <p:par>
+        <p:cTn id="1" dur="indefinite" restart="never" nodeType="tmRoot">
+          <p:childTnLst>
+            <p:seq concurrent="1" nextAc="seek">
+              <p:cTn id="2" dur="indefinite" nodeType="mainSeq">
+                <p:childTnLst>
+                  <p:par>
+                    <p:cTn id="3" fill="hold">
+                      <p:stCondLst>
+                        <p:cond delay="indefinite"/>
+                      </p:stCondLst>
+                      <p:childTnLst>
+                        <p:par>
+                          <p:cTn id="4" fill="hold">
+                            <p:stCondLst>
+                              <p:cond delay="0"/>
+                            </p:stCondLst>
+                            <p:childTnLst>
+                              <p:par>
+                                <p:cTn id="5" presetID="42" presetClass="entr" presetSubtype="0" fill="hold" nodeType="clickEffect">
+                                  <p:stCondLst>
+                                    <p:cond delay="0"/>
+                                  </p:stCondLst>
+                                  <p:childTnLst>
+                                    <p:set>
+                                      <p:cBhvr>
+                                        <p:cTn id="6" dur="1" fill="hold">
+                                          <p:stCondLst>
+                                            <p:cond delay="0"/>
+                                          </p:stCondLst>
+                                        </p:cTn>
+                                        <p:tgtEl>
+                                          <p:spTgt spid="14"/>
+                                        </p:tgtEl>
+                                        <p:attrNameLst>
+                                          <p:attrName>style.visibility</p:attrName>
+                                        </p:attrNameLst>
+                                      </p:cBhvr>
+                                      <p:to>
+                                        <p:strVal val="visible"/>
+                                      </p:to>
+                                    </p:set>
+                                    <p:animEffect transition="in" filter="fade">
+                                      <p:cBhvr>
+                                        <p:cTn id="7" dur="1000"/>
+                                        <p:tgtEl>
+                                          <p:spTgt spid="14"/>
+                                        </p:tgtEl>
+                                      </p:cBhvr>
+                                    </p:animEffect>
+                                    <p:anim calcmode="lin" valueType="num">
+                                      <p:cBhvr>
+                                        <p:cTn id="8" dur="1000" fill="hold"/>
+                                        <p:tgtEl>
+                                          <p:spTgt spid="14"/>
+                                        </p:tgtEl>
+                                        <p:attrNameLst>
+                                          <p:attrName>ppt_x</p:attrName>
+                                        </p:attrNameLst>
+                                      </p:cBhvr>
+                                      <p:tavLst>
+                                        <p:tav tm="0">
+                                          <p:val>
+                                            <p:strVal val="#ppt_x"/>
+                                          </p:val>
+                                        </p:tav>
+                                        <p:tav tm="100000">
+                                          <p:val>
+                                            <p:strVal val="#ppt_x"/>
+                                          </p:val>
+                                        </p:tav>
+                                      </p:tavLst>
+                                    </p:anim>
+                                    <p:anim calcmode="lin" valueType="num">
+                                      <p:cBhvr>
+                                        <p:cTn id="9" dur="1000" fill="hold"/>
+                                        <p:tgtEl>
+                                          <p:spTgt spid="14"/>
+                                        </p:tgtEl>
+                                        <p:attrNameLst>
+                                          <p:attrName>ppt_y</p:attrName>
+                                        </p:attrNameLst>
+                                      </p:cBhvr>
+                                      <p:tavLst>
+                                        <p:tav tm="0">
+                                          <p:val>
+                                            <p:strVal val="#ppt_y+.1"/>
+                                          </p:val>
+                                        </p:tav>
+                                        <p:tav tm="100000">
+                                          <p:val>
+                                            <p:strVal val="#ppt_y"/>
+                                          </p:val>
+                                        </p:tav>
+                                      </p:tavLst>
+                                    </p:anim>
+                                  </p:childTnLst>
+                                </p:cTn>
+                              </p:par>
+                            </p:childTnLst>
+                          </p:cTn>
+                        </p:par>
+                      </p:childTnLst>
+                    </p:cTn>
+                  </p:par>
+                  <p:par>
+                    <p:cTn id="10" fill="hold">
+                      <p:stCondLst>
+                        <p:cond delay="indefinite"/>
+                      </p:stCondLst>
+                      <p:childTnLst>
+                        <p:par>
+                          <p:cTn id="11" fill="hold">
+                            <p:stCondLst>
+                              <p:cond delay="0"/>
+                            </p:stCondLst>
+                            <p:childTnLst>
+                              <p:par>
+                                <p:cTn id="12" presetID="42" presetClass="entr" presetSubtype="0" fill="hold" grpId="0" nodeType="clickEffect">
+                                  <p:stCondLst>
+                                    <p:cond delay="0"/>
+                                  </p:stCondLst>
+                                  <p:childTnLst>
+                                    <p:set>
+                                      <p:cBhvr>
+                                        <p:cTn id="13" dur="1" fill="hold">
+                                          <p:stCondLst>
+                                            <p:cond delay="0"/>
+                                          </p:stCondLst>
+                                        </p:cTn>
+                                        <p:tgtEl>
+                                          <p:spTgt spid="5"/>
+                                        </p:tgtEl>
+                                        <p:attrNameLst>
+                                          <p:attrName>style.visibility</p:attrName>
+                                        </p:attrNameLst>
+                                      </p:cBhvr>
+                                      <p:to>
+                                        <p:strVal val="visible"/>
+                                      </p:to>
+                                    </p:set>
+                                    <p:animEffect transition="in" filter="fade">
+                                      <p:cBhvr>
+                                        <p:cTn id="14" dur="1000"/>
+                                        <p:tgtEl>
+                                          <p:spTgt spid="5"/>
+                                        </p:tgtEl>
+                                      </p:cBhvr>
+                                    </p:animEffect>
+                                    <p:anim calcmode="lin" valueType="num">
+                                      <p:cBhvr>
+                                        <p:cTn id="15" dur="1000" fill="hold"/>
+                                        <p:tgtEl>
+                                          <p:spTgt spid="5"/>
+                                        </p:tgtEl>
+                                        <p:attrNameLst>
+                                          <p:attrName>ppt_x</p:attrName>
+                                        </p:attrNameLst>
+                                      </p:cBhvr>
+                                      <p:tavLst>
+                                        <p:tav tm="0">
+                                          <p:val>
+                                            <p:strVal val="#ppt_x"/>
+                                          </p:val>
+                                        </p:tav>
+                                        <p:tav tm="100000">
+                                          <p:val>
+                                            <p:strVal val="#ppt_x"/>
+                                          </p:val>
+                                        </p:tav>
+                                      </p:tavLst>
+                                    </p:anim>
+                                    <p:anim calcmode="lin" valueType="num">
+                                      <p:cBhvr>
+                                        <p:cTn id="16" dur="1000" fill="hold"/>
+                                        <p:tgtEl>
+                                          <p:spTgt spid="5"/>
+                                        </p:tgtEl>
+                                        <p:attrNameLst>
+                                          <p:attrName>ppt_y</p:attrName>
+                                        </p:attrNameLst>
+                                      </p:cBhvr>
+                                      <p:tavLst>
+                                        <p:tav tm="0">
+                                          <p:val>
+                                            <p:strVal val="#ppt_y+.1"/>
+                                          </p:val>
+                                        </p:tav>
+                                        <p:tav tm="100000">
+                                          <p:val>
+                                            <p:strVal val="#ppt_y"/>
+                                          </p:val>
+                                        </p:tav>
+                                      </p:tavLst>
+                                    </p:anim>
+                                  </p:childTnLst>
+                                </p:cTn>
+                              </p:par>
+                              <p:par>
+                                <p:cTn id="17" presetID="42" presetClass="entr" presetSubtype="0" fill="hold" nodeType="withEffect">
+                                  <p:stCondLst>
+                                    <p:cond delay="0"/>
+                                  </p:stCondLst>
+                                  <p:childTnLst>
+                                    <p:set>
+                                      <p:cBhvr>
+                                        <p:cTn id="18" dur="1" fill="hold">
+                                          <p:stCondLst>
+                                            <p:cond delay="0"/>
+                                          </p:stCondLst>
+                                        </p:cTn>
+                                        <p:tgtEl>
+                                          <p:spTgt spid="7"/>
+                                        </p:tgtEl>
+                                        <p:attrNameLst>
+                                          <p:attrName>style.visibility</p:attrName>
+                                        </p:attrNameLst>
+                                      </p:cBhvr>
+                                      <p:to>
+                                        <p:strVal val="visible"/>
+                                      </p:to>
+                                    </p:set>
+                                    <p:animEffect transition="in" filter="fade">
+                                      <p:cBhvr>
+                                        <p:cTn id="19" dur="1000"/>
+                                        <p:tgtEl>
+                                          <p:spTgt spid="7"/>
+                                        </p:tgtEl>
+                                      </p:cBhvr>
+                                    </p:animEffect>
+                                    <p:anim calcmode="lin" valueType="num">
+                                      <p:cBhvr>
+                                        <p:cTn id="20" dur="1000" fill="hold"/>
+                                        <p:tgtEl>
+                                          <p:spTgt spid="7"/>
+                                        </p:tgtEl>
+                                        <p:attrNameLst>
+                                          <p:attrName>ppt_x</p:attrName>
+                                        </p:attrNameLst>
+                                      </p:cBhvr>
+                                      <p:tavLst>
+                                        <p:tav tm="0">
+                                          <p:val>
+                                            <p:strVal val="#ppt_x"/>
+                                          </p:val>
+                                        </p:tav>
+                                        <p:tav tm="100000">
+                                          <p:val>
+                                            <p:strVal val="#ppt_x"/>
+                                          </p:val>
+                                        </p:tav>
+                                      </p:tavLst>
+                                    </p:anim>
+                                    <p:anim calcmode="lin" valueType="num">
+                                      <p:cBhvr>
+                                        <p:cTn id="21" dur="1000" fill="hold"/>
+                                        <p:tgtEl>
+                                          <p:spTgt spid="7"/>
+                                        </p:tgtEl>
+                                        <p:attrNameLst>
+                                          <p:attrName>ppt_y</p:attrName>
+                                        </p:attrNameLst>
+                                      </p:cBhvr>
+                                      <p:tavLst>
+                                        <p:tav tm="0">
+                                          <p:val>
+                                            <p:strVal val="#ppt_y+.1"/>
+                                          </p:val>
+                                        </p:tav>
+                                        <p:tav tm="100000">
+                                          <p:val>
+                                            <p:strVal val="#ppt_y"/>
+                                          </p:val>
+                                        </p:tav>
+                                      </p:tavLst>
+                                    </p:anim>
+                                  </p:childTnLst>
+                                </p:cTn>
+                              </p:par>
+                              <p:par>
+                                <p:cTn id="22" presetID="42" presetClass="entr" presetSubtype="0" fill="hold" nodeType="withEffect">
+                                  <p:stCondLst>
+                                    <p:cond delay="0"/>
+                                  </p:stCondLst>
+                                  <p:childTnLst>
+                                    <p:set>
+                                      <p:cBhvr>
+                                        <p:cTn id="23" dur="1" fill="hold">
+                                          <p:stCondLst>
+                                            <p:cond delay="0"/>
+                                          </p:stCondLst>
+                                        </p:cTn>
+                                        <p:tgtEl>
+                                          <p:spTgt spid="8"/>
+                                        </p:tgtEl>
+                                        <p:attrNameLst>
+                                          <p:attrName>style.visibility</p:attrName>
+                                        </p:attrNameLst>
+                                      </p:cBhvr>
+                                      <p:to>
+                                        <p:strVal val="visible"/>
+                                      </p:to>
+                                    </p:set>
+                                    <p:animEffect transition="in" filter="fade">
+                                      <p:cBhvr>
+                                        <p:cTn id="24" dur="1000"/>
+                                        <p:tgtEl>
+                                          <p:spTgt spid="8"/>
+                                        </p:tgtEl>
+                                      </p:cBhvr>
+                                    </p:animEffect>
+                                    <p:anim calcmode="lin" valueType="num">
+                                      <p:cBhvr>
+                                        <p:cTn id="25" dur="1000" fill="hold"/>
+                                        <p:tgtEl>
+                                          <p:spTgt spid="8"/>
+                                        </p:tgtEl>
+                                        <p:attrNameLst>
+                                          <p:attrName>ppt_x</p:attrName>
+                                        </p:attrNameLst>
+                                      </p:cBhvr>
+                                      <p:tavLst>
+                                        <p:tav tm="0">
+                                          <p:val>
+                                            <p:strVal val="#ppt_x"/>
+                                          </p:val>
+                                        </p:tav>
+                                        <p:tav tm="100000">
+                                          <p:val>
+                                            <p:strVal val="#ppt_x"/>
+                                          </p:val>
+                                        </p:tav>
+                                      </p:tavLst>
+                                    </p:anim>
+                                    <p:anim calcmode="lin" valueType="num">
+                                      <p:cBhvr>
+                                        <p:cTn id="26" dur="1000" fill="hold"/>
+                                        <p:tgtEl>
+                                          <p:spTgt spid="8"/>
+                                        </p:tgtEl>
+                                        <p:attrNameLst>
+                                          <p:attrName>ppt_y</p:attrName>
+                                        </p:attrNameLst>
+                                      </p:cBhvr>
+                                      <p:tavLst>
+                                        <p:tav tm="0">
+                                          <p:val>
+                                            <p:strVal val="#ppt_y+.1"/>
+                                          </p:val>
+                                        </p:tav>
+                                        <p:tav tm="100000">
+                                          <p:val>
+                                            <p:strVal val="#ppt_y"/>
+                                          </p:val>
+                                        </p:tav>
+                                      </p:tavLst>
+                                    </p:anim>
+                                  </p:childTnLst>
+                                </p:cTn>
+                              </p:par>
+                              <p:par>
+                                <p:cTn id="27" presetID="42" presetClass="entr" presetSubtype="0" fill="hold" nodeType="withEffect">
+                                  <p:stCondLst>
+                                    <p:cond delay="0"/>
+                                  </p:stCondLst>
+                                  <p:childTnLst>
+                                    <p:set>
+                                      <p:cBhvr>
+                                        <p:cTn id="28" dur="1" fill="hold">
+                                          <p:stCondLst>
+                                            <p:cond delay="0"/>
+                                          </p:stCondLst>
+                                        </p:cTn>
+                                        <p:tgtEl>
+                                          <p:spTgt spid="9"/>
+                                        </p:tgtEl>
+                                        <p:attrNameLst>
+                                          <p:attrName>style.visibility</p:attrName>
+                                        </p:attrNameLst>
+                                      </p:cBhvr>
+                                      <p:to>
+                                        <p:strVal val="visible"/>
+                                      </p:to>
+                                    </p:set>
+                                    <p:animEffect transition="in" filter="fade">
+                                      <p:cBhvr>
+                                        <p:cTn id="29" dur="1000"/>
+                                        <p:tgtEl>
+                                          <p:spTgt spid="9"/>
+                                        </p:tgtEl>
+                                      </p:cBhvr>
+                                    </p:animEffect>
+                                    <p:anim calcmode="lin" valueType="num">
+                                      <p:cBhvr>
+                                        <p:cTn id="30" dur="1000" fill="hold"/>
+                                        <p:tgtEl>
+                                          <p:spTgt spid="9"/>
+                                        </p:tgtEl>
+                                        <p:attrNameLst>
+                                          <p:attrName>ppt_x</p:attrName>
+                                        </p:attrNameLst>
+                                      </p:cBhvr>
+                                      <p:tavLst>
+                                        <p:tav tm="0">
+                                          <p:val>
+                                            <p:strVal val="#ppt_x"/>
+                                          </p:val>
+                                        </p:tav>
+                                        <p:tav tm="100000">
+                                          <p:val>
+                                            <p:strVal val="#ppt_x"/>
+                                          </p:val>
+                                        </p:tav>
+                                      </p:tavLst>
+                                    </p:anim>
+                                    <p:anim calcmode="lin" valueType="num">
+                                      <p:cBhvr>
+                                        <p:cTn id="31" dur="1000" fill="hold"/>
+                                        <p:tgtEl>
+                                          <p:spTgt spid="9"/>
+                                        </p:tgtEl>
+                                        <p:attrNameLst>
+                                          <p:attrName>ppt_y</p:attrName>
+                                        </p:attrNameLst>
+                                      </p:cBhvr>
+                                      <p:tavLst>
+                                        <p:tav tm="0">
+                                          <p:val>
+                                            <p:strVal val="#ppt_y+.1"/>
+                                          </p:val>
+                                        </p:tav>
+                                        <p:tav tm="100000">
+                                          <p:val>
+                                            <p:strVal val="#ppt_y"/>
+                                          </p:val>
+                                        </p:tav>
+                                      </p:tavLst>
+                                    </p:anim>
+                                  </p:childTnLst>
+                                </p:cTn>
+                              </p:par>
+                            </p:childTnLst>
+                          </p:cTn>
+                        </p:par>
+                      </p:childTnLst>
+                    </p:cTn>
+                  </p:par>
+                </p:childTnLst>
+              </p:cTn>
+              <p:prevCondLst>
+                <p:cond evt="onPrev" delay="0">
+                  <p:tgtEl>
+                    <p:sldTgt/>
+                  </p:tgtEl>
+                </p:cond>
+              </p:prevCondLst>
+              <p:nextCondLst>
+                <p:cond evt="onNext" delay="0">
+                  <p:tgtEl>
+                    <p:sldTgt/>
+                  </p:tgtEl>
+                </p:cond>
+              </p:nextCondLst>
+            </p:seq>
+          </p:childTnLst>
+        </p:cTn>
+      </p:par>
+    </p:tnLst>
+    <p:bldLst>
+      <p:bldGraphic spid="5" grpId="0">
+        <p:bldAsOne/>
+      </p:bldGraphic>
+    </p:bldLst>
+  </p:timing>
 </p:sld>
 </file>
 
@@ -17079,14 +18092,393 @@
       </p:grpSpPr>
       <p:sp>
         <p:nvSpPr>
-          <p:cNvPr id="2" name="Rectangle 1"/>
+          <p:cNvPr id="12" name="Rounded Rectangle 11"/>
           <p:cNvSpPr/>
           <p:nvPr/>
         </p:nvSpPr>
         <p:spPr>
           <a:xfrm>
-            <a:off x="473398" y="803060"/>
-            <a:ext cx="6108082" cy="830997"/>
+            <a:off x="201803" y="2027206"/>
+            <a:ext cx="4088920" cy="3027871"/>
+          </a:xfrm>
+          <a:prstGeom prst="roundRect">
+            <a:avLst/>
+          </a:prstGeom>
+          <a:solidFill>
+            <a:srgbClr val="660066"/>
+          </a:solidFill>
+        </p:spPr>
+        <p:style>
+          <a:lnRef idx="2">
+            <a:schemeClr val="accent1">
+              <a:shade val="50000"/>
+            </a:schemeClr>
+          </a:lnRef>
+          <a:fillRef idx="1">
+            <a:schemeClr val="accent1"/>
+          </a:fillRef>
+          <a:effectRef idx="0">
+            <a:schemeClr val="accent1"/>
+          </a:effectRef>
+          <a:fontRef idx="minor">
+            <a:schemeClr val="lt1"/>
+          </a:fontRef>
+        </p:style>
+        <p:txBody>
+          <a:bodyPr rtlCol="0" anchor="ctr"/>
+          <a:lstStyle/>
+          <a:p>
+            <a:pPr algn="ctr"/>
+            <a:endParaRPr lang="en-US"/>
+          </a:p>
+        </p:txBody>
+      </p:sp>
+      <p:sp>
+        <p:nvSpPr>
+          <p:cNvPr id="11" name="TextBox 10"/>
+          <p:cNvSpPr txBox="1"/>
+          <p:nvPr/>
+        </p:nvSpPr>
+        <p:spPr>
+          <a:xfrm>
+            <a:off x="448577" y="2479313"/>
+            <a:ext cx="4106173" cy="2123658"/>
+          </a:xfrm>
+          <a:prstGeom prst="rect">
+            <a:avLst/>
+          </a:prstGeom>
+          <a:noFill/>
+        </p:spPr>
+        <p:txBody>
+          <a:bodyPr wrap="square" rtlCol="0">
+            <a:spAutoFit/>
+          </a:bodyPr>
+          <a:lstStyle/>
+          <a:p>
+            <a:r>
+              <a:rPr lang="en-US" sz="4400" dirty="0" smtClean="0">
+                <a:solidFill>
+                  <a:schemeClr val="bg1"/>
+                </a:solidFill>
+                <a:latin typeface="Algerian" panose="04020705040A02060702" pitchFamily="82" charset="0"/>
+              </a:rPr>
+              <a:t>Advantage of Video in Multimedia</a:t>
+            </a:r>
+            <a:endParaRPr lang="en-US" sz="4400" dirty="0">
+              <a:solidFill>
+                <a:schemeClr val="bg1"/>
+              </a:solidFill>
+              <a:latin typeface="Algerian" panose="04020705040A02060702" pitchFamily="82" charset="0"/>
+            </a:endParaRPr>
+          </a:p>
+        </p:txBody>
+      </p:sp>
+      <p:cxnSp>
+        <p:nvCxnSpPr>
+          <p:cNvPr id="17" name="Straight Connector 16"/>
+          <p:cNvCxnSpPr/>
+          <p:nvPr/>
+        </p:nvCxnSpPr>
+        <p:spPr>
+          <a:xfrm>
+            <a:off x="4632391" y="0"/>
+            <a:ext cx="0" cy="6858000"/>
+          </a:xfrm>
+          <a:prstGeom prst="line">
+            <a:avLst/>
+          </a:prstGeom>
+          <a:ln w="38100">
+            <a:solidFill>
+              <a:schemeClr val="tx1"/>
+            </a:solidFill>
+          </a:ln>
+        </p:spPr>
+        <p:style>
+          <a:lnRef idx="1">
+            <a:schemeClr val="accent1"/>
+          </a:lnRef>
+          <a:fillRef idx="0">
+            <a:schemeClr val="accent1"/>
+          </a:fillRef>
+          <a:effectRef idx="0">
+            <a:schemeClr val="accent1"/>
+          </a:effectRef>
+          <a:fontRef idx="minor">
+            <a:schemeClr val="tx1"/>
+          </a:fontRef>
+        </p:style>
+      </p:cxnSp>
+      <p:sp>
+        <p:nvSpPr>
+          <p:cNvPr id="18" name="Rectangle 17"/>
+          <p:cNvSpPr/>
+          <p:nvPr/>
+        </p:nvSpPr>
+        <p:spPr>
+          <a:xfrm>
+            <a:off x="4882551" y="1146142"/>
+            <a:ext cx="552091" cy="534838"/>
+          </a:xfrm>
+          <a:prstGeom prst="rect">
+            <a:avLst/>
+          </a:prstGeom>
+          <a:solidFill>
+            <a:schemeClr val="tx1"/>
+          </a:solidFill>
+          <a:ln>
+            <a:solidFill>
+              <a:schemeClr val="tx1"/>
+            </a:solidFill>
+          </a:ln>
+        </p:spPr>
+        <p:style>
+          <a:lnRef idx="2">
+            <a:schemeClr val="accent1">
+              <a:shade val="50000"/>
+            </a:schemeClr>
+          </a:lnRef>
+          <a:fillRef idx="1">
+            <a:schemeClr val="accent1"/>
+          </a:fillRef>
+          <a:effectRef idx="0">
+            <a:schemeClr val="accent1"/>
+          </a:effectRef>
+          <a:fontRef idx="minor">
+            <a:schemeClr val="lt1"/>
+          </a:fontRef>
+        </p:style>
+        <p:txBody>
+          <a:bodyPr rtlCol="0" anchor="ctr"/>
+          <a:lstStyle/>
+          <a:p>
+            <a:pPr algn="ctr"/>
+            <a:r>
+              <a:rPr lang="en-US" sz="3600" dirty="0" smtClean="0">
+                <a:latin typeface="Algerian" panose="04020705040A02060702" pitchFamily="82" charset="0"/>
+              </a:rPr>
+              <a:t>1</a:t>
+            </a:r>
+            <a:endParaRPr lang="en-US" sz="3600" dirty="0">
+              <a:latin typeface="Algerian" panose="04020705040A02060702" pitchFamily="82" charset="0"/>
+            </a:endParaRPr>
+          </a:p>
+        </p:txBody>
+      </p:sp>
+      <p:sp>
+        <p:nvSpPr>
+          <p:cNvPr id="19" name="Rectangle 18"/>
+          <p:cNvSpPr/>
+          <p:nvPr/>
+        </p:nvSpPr>
+        <p:spPr>
+          <a:xfrm>
+            <a:off x="4882551" y="2529403"/>
+            <a:ext cx="552091" cy="534838"/>
+          </a:xfrm>
+          <a:prstGeom prst="rect">
+            <a:avLst/>
+          </a:prstGeom>
+          <a:solidFill>
+            <a:schemeClr val="tx1"/>
+          </a:solidFill>
+          <a:ln>
+            <a:solidFill>
+              <a:schemeClr val="tx1"/>
+            </a:solidFill>
+          </a:ln>
+        </p:spPr>
+        <p:style>
+          <a:lnRef idx="2">
+            <a:schemeClr val="accent1">
+              <a:shade val="50000"/>
+            </a:schemeClr>
+          </a:lnRef>
+          <a:fillRef idx="1">
+            <a:schemeClr val="accent1"/>
+          </a:fillRef>
+          <a:effectRef idx="0">
+            <a:schemeClr val="accent1"/>
+          </a:effectRef>
+          <a:fontRef idx="minor">
+            <a:schemeClr val="lt1"/>
+          </a:fontRef>
+        </p:style>
+        <p:txBody>
+          <a:bodyPr rtlCol="0" anchor="ctr"/>
+          <a:lstStyle/>
+          <a:p>
+            <a:pPr algn="ctr"/>
+            <a:r>
+              <a:rPr lang="en-US" sz="3600" dirty="0">
+                <a:latin typeface="Algerian" panose="04020705040A02060702" pitchFamily="82" charset="0"/>
+              </a:rPr>
+              <a:t>2</a:t>
+            </a:r>
+            <a:endParaRPr lang="en-US" sz="3600" dirty="0">
+              <a:latin typeface="Algerian" panose="04020705040A02060702" pitchFamily="82" charset="0"/>
+            </a:endParaRPr>
+          </a:p>
+        </p:txBody>
+      </p:sp>
+      <p:sp>
+        <p:nvSpPr>
+          <p:cNvPr id="20" name="Rectangle 19"/>
+          <p:cNvSpPr/>
+          <p:nvPr/>
+        </p:nvSpPr>
+        <p:spPr>
+          <a:xfrm>
+            <a:off x="4893094" y="3996055"/>
+            <a:ext cx="552091" cy="534838"/>
+          </a:xfrm>
+          <a:prstGeom prst="rect">
+            <a:avLst/>
+          </a:prstGeom>
+          <a:solidFill>
+            <a:schemeClr val="tx1"/>
+          </a:solidFill>
+          <a:ln>
+            <a:solidFill>
+              <a:schemeClr val="tx1"/>
+            </a:solidFill>
+          </a:ln>
+        </p:spPr>
+        <p:style>
+          <a:lnRef idx="2">
+            <a:schemeClr val="accent1">
+              <a:shade val="50000"/>
+            </a:schemeClr>
+          </a:lnRef>
+          <a:fillRef idx="1">
+            <a:schemeClr val="accent1"/>
+          </a:fillRef>
+          <a:effectRef idx="0">
+            <a:schemeClr val="accent1"/>
+          </a:effectRef>
+          <a:fontRef idx="minor">
+            <a:schemeClr val="lt1"/>
+          </a:fontRef>
+        </p:style>
+        <p:txBody>
+          <a:bodyPr rtlCol="0" anchor="ctr"/>
+          <a:lstStyle/>
+          <a:p>
+            <a:pPr algn="ctr"/>
+            <a:r>
+              <a:rPr lang="en-US" sz="3600" dirty="0" smtClean="0">
+                <a:latin typeface="Algerian" panose="04020705040A02060702" pitchFamily="82" charset="0"/>
+              </a:rPr>
+              <a:t>3</a:t>
+            </a:r>
+            <a:endParaRPr lang="en-US" sz="3600" dirty="0">
+              <a:latin typeface="Algerian" panose="04020705040A02060702" pitchFamily="82" charset="0"/>
+            </a:endParaRPr>
+          </a:p>
+        </p:txBody>
+      </p:sp>
+      <p:sp>
+        <p:nvSpPr>
+          <p:cNvPr id="21" name="Rectangle 20"/>
+          <p:cNvSpPr/>
+          <p:nvPr/>
+        </p:nvSpPr>
+        <p:spPr>
+          <a:xfrm>
+            <a:off x="4882550" y="5092185"/>
+            <a:ext cx="552091" cy="534838"/>
+          </a:xfrm>
+          <a:prstGeom prst="rect">
+            <a:avLst/>
+          </a:prstGeom>
+          <a:solidFill>
+            <a:schemeClr val="tx1"/>
+          </a:solidFill>
+          <a:ln>
+            <a:solidFill>
+              <a:schemeClr val="tx1"/>
+            </a:solidFill>
+          </a:ln>
+        </p:spPr>
+        <p:style>
+          <a:lnRef idx="2">
+            <a:schemeClr val="accent1">
+              <a:shade val="50000"/>
+            </a:schemeClr>
+          </a:lnRef>
+          <a:fillRef idx="1">
+            <a:schemeClr val="accent1"/>
+          </a:fillRef>
+          <a:effectRef idx="0">
+            <a:schemeClr val="accent1"/>
+          </a:effectRef>
+          <a:fontRef idx="minor">
+            <a:schemeClr val="lt1"/>
+          </a:fontRef>
+        </p:style>
+        <p:txBody>
+          <a:bodyPr rtlCol="0" anchor="ctr"/>
+          <a:lstStyle/>
+          <a:p>
+            <a:pPr algn="ctr"/>
+            <a:r>
+              <a:rPr lang="en-US" sz="3600" dirty="0" smtClean="0">
+                <a:latin typeface="Algerian" panose="04020705040A02060702" pitchFamily="82" charset="0"/>
+              </a:rPr>
+              <a:t>4</a:t>
+            </a:r>
+            <a:endParaRPr lang="en-US" sz="3600" dirty="0">
+              <a:latin typeface="Algerian" panose="04020705040A02060702" pitchFamily="82" charset="0"/>
+            </a:endParaRPr>
+          </a:p>
+        </p:txBody>
+      </p:sp>
+      <p:sp>
+        <p:nvSpPr>
+          <p:cNvPr id="22" name="Rectangle 21"/>
+          <p:cNvSpPr/>
+          <p:nvPr/>
+        </p:nvSpPr>
+        <p:spPr>
+          <a:xfrm>
+            <a:off x="5505575" y="1228895"/>
+            <a:ext cx="4544197" cy="369332"/>
+          </a:xfrm>
+          <a:prstGeom prst="rect">
+            <a:avLst/>
+          </a:prstGeom>
+        </p:spPr>
+        <p:txBody>
+          <a:bodyPr wrap="square">
+            <a:spAutoFit/>
+          </a:bodyPr>
+          <a:lstStyle/>
+          <a:p>
+            <a:r>
+              <a:rPr lang="en-US" b="1" i="0" dirty="0" smtClean="0">
+                <a:solidFill>
+                  <a:srgbClr val="000000"/>
+                </a:solidFill>
+                <a:effectLst/>
+                <a:latin typeface="Perpetua Titling MT" panose="02020502060505020804" pitchFamily="18" charset="0"/>
+              </a:rPr>
+              <a:t>Enhanced Engagement</a:t>
+            </a:r>
+            <a:endParaRPr lang="en-US" b="1" dirty="0">
+              <a:latin typeface="Perpetua Titling MT" panose="02020502060505020804" pitchFamily="18" charset="0"/>
+            </a:endParaRPr>
+          </a:p>
+        </p:txBody>
+      </p:sp>
+      <p:sp>
+        <p:nvSpPr>
+          <p:cNvPr id="23" name="Rectangle 22"/>
+          <p:cNvSpPr/>
+          <p:nvPr/>
+        </p:nvSpPr>
+        <p:spPr>
+          <a:xfrm>
+            <a:off x="5505575" y="2612156"/>
+            <a:ext cx="2947282" cy="369332"/>
           </a:xfrm>
           <a:prstGeom prst="rect">
             <a:avLst/>
@@ -17099,57 +18491,1595 @@
           <a:lstStyle/>
           <a:p>
             <a:r>
-              <a:rPr lang="en-US" sz="4800" b="1" dirty="0"/>
-              <a:t>Types of Video Content</a:t>
+              <a:rPr lang="en-US" b="1" dirty="0">
+                <a:latin typeface="Perpetua Titling MT" panose="02020502060505020804" pitchFamily="18" charset="0"/>
+              </a:rPr>
+              <a:t>Visual Explanation</a:t>
             </a:r>
-            <a:endParaRPr lang="en-US" sz="4800" dirty="0">
-              <a:solidFill>
-                <a:srgbClr val="FF0000"/>
-              </a:solidFill>
+          </a:p>
+        </p:txBody>
+      </p:sp>
+      <p:sp>
+        <p:nvSpPr>
+          <p:cNvPr id="24" name="Rectangle 23"/>
+          <p:cNvSpPr/>
+          <p:nvPr/>
+        </p:nvSpPr>
+        <p:spPr>
+          <a:xfrm>
+            <a:off x="5505575" y="5257691"/>
+            <a:ext cx="2940485" cy="369332"/>
+          </a:xfrm>
+          <a:prstGeom prst="rect">
+            <a:avLst/>
+          </a:prstGeom>
+        </p:spPr>
+        <p:txBody>
+          <a:bodyPr wrap="none">
+            <a:spAutoFit/>
+          </a:bodyPr>
+          <a:lstStyle/>
+          <a:p>
+            <a:r>
+              <a:rPr lang="en-US" b="1" i="0" dirty="0" smtClean="0">
+                <a:solidFill>
+                  <a:srgbClr val="000000"/>
+                </a:solidFill>
+                <a:effectLst/>
+                <a:latin typeface="Perpetua Titling MT" panose="02020502060505020804" pitchFamily="18" charset="0"/>
+              </a:rPr>
+              <a:t>Case Study Example</a:t>
+            </a:r>
+            <a:endParaRPr lang="en-US" b="1" dirty="0">
+              <a:latin typeface="Perpetua Titling MT" panose="02020502060505020804" pitchFamily="18" charset="0"/>
             </a:endParaRPr>
           </a:p>
         </p:txBody>
       </p:sp>
-      <p:graphicFrame>
-        <p:nvGraphicFramePr>
-          <p:cNvPr id="5" name="Content Placeholder 3">
-            <a:extLst>
-              <a:ext uri="{FF2B5EF4-FFF2-40B4-BE49-F238E27FC236}">
-                <a16:creationId xmlns="" xmlns:a16="http://schemas.microsoft.com/office/drawing/2014/main" xmlns:lc="http://schemas.openxmlformats.org/drawingml/2006/lockedCanvas" id="{0C170043-D535-D6D8-2A48-4BC58845B4BF}"/>
-              </a:ext>
-            </a:extLst>
-          </p:cNvPr>
-          <p:cNvGraphicFramePr>
-            <a:graphicFrameLocks noGrp="1"/>
-          </p:cNvGraphicFramePr>
-          <p:nvPr>
-            <p:extLst>
-              <p:ext uri="{D42A27DB-BD31-4B8C-83A1-F6EECF244321}">
-                <p14:modId xmlns:p14="http://schemas.microsoft.com/office/powerpoint/2010/main" val="1628469721"/>
-              </p:ext>
-            </p:extLst>
-          </p:nvPr>
-        </p:nvGraphicFramePr>
-        <p:xfrm>
-          <a:off x="154220" y="1684652"/>
-          <a:ext cx="11663968" cy="4233069"/>
-        </p:xfrm>
-        <a:graphic>
-          <a:graphicData uri="http://schemas.openxmlformats.org/drawingml/2006/diagram">
-            <dgm:relIds xmlns:dgm="http://schemas.openxmlformats.org/drawingml/2006/diagram" xmlns:r="http://schemas.openxmlformats.org/officeDocument/2006/relationships" r:dm="rId2" r:lo="rId3" r:qs="rId4" r:cs="rId5"/>
-          </a:graphicData>
-        </a:graphic>
-      </p:graphicFrame>
+      <p:sp>
+        <p:nvSpPr>
+          <p:cNvPr id="25" name="Rectangle 24"/>
+          <p:cNvSpPr/>
+          <p:nvPr/>
+        </p:nvSpPr>
+        <p:spPr>
+          <a:xfrm>
+            <a:off x="5505564" y="4033280"/>
+            <a:ext cx="4337662" cy="369332"/>
+          </a:xfrm>
+          <a:prstGeom prst="rect">
+            <a:avLst/>
+          </a:prstGeom>
+        </p:spPr>
+        <p:txBody>
+          <a:bodyPr wrap="none">
+            <a:spAutoFit/>
+          </a:bodyPr>
+          <a:lstStyle/>
+          <a:p>
+            <a:r>
+              <a:rPr lang="en-US" b="1" i="0" dirty="0" smtClean="0">
+                <a:solidFill>
+                  <a:srgbClr val="000000"/>
+                </a:solidFill>
+                <a:effectLst/>
+                <a:latin typeface="Perpetua Titling MT" panose="02020502060505020804" pitchFamily="18" charset="0"/>
+              </a:rPr>
+              <a:t>Improved Learning Outcomes</a:t>
+            </a:r>
+            <a:endParaRPr lang="en-US" b="1" dirty="0">
+              <a:latin typeface="Perpetua Titling MT" panose="02020502060505020804" pitchFamily="18" charset="0"/>
+            </a:endParaRPr>
+          </a:p>
+        </p:txBody>
+      </p:sp>
+      <p:sp>
+        <p:nvSpPr>
+          <p:cNvPr id="26" name="Rectangle 25"/>
+          <p:cNvSpPr/>
+          <p:nvPr/>
+        </p:nvSpPr>
+        <p:spPr>
+          <a:xfrm>
+            <a:off x="5762439" y="1606073"/>
+            <a:ext cx="4977448" cy="923330"/>
+          </a:xfrm>
+          <a:prstGeom prst="rect">
+            <a:avLst/>
+          </a:prstGeom>
+        </p:spPr>
+        <p:txBody>
+          <a:bodyPr wrap="square">
+            <a:spAutoFit/>
+          </a:bodyPr>
+          <a:lstStyle/>
+          <a:p>
+            <a:pPr marL="285750" indent="-285750" algn="just">
+              <a:buBlip>
+                <a:blip r:embed="rId2"/>
+              </a:buBlip>
+            </a:pPr>
+            <a:r>
+              <a:rPr lang="en-US" dirty="0" smtClean="0"/>
+              <a:t>People retain more information from videos compared to text or images alone.</a:t>
+            </a:r>
+            <a:endParaRPr lang="en-US" dirty="0"/>
+          </a:p>
+        </p:txBody>
+      </p:sp>
+      <p:sp>
+        <p:nvSpPr>
+          <p:cNvPr id="28" name="Rectangle 27"/>
+          <p:cNvSpPr/>
+          <p:nvPr/>
+        </p:nvSpPr>
+        <p:spPr>
+          <a:xfrm>
+            <a:off x="5654122" y="4401307"/>
+            <a:ext cx="6096000" cy="646331"/>
+          </a:xfrm>
+          <a:prstGeom prst="rect">
+            <a:avLst/>
+          </a:prstGeom>
+        </p:spPr>
+        <p:txBody>
+          <a:bodyPr>
+            <a:spAutoFit/>
+          </a:bodyPr>
+          <a:lstStyle/>
+          <a:p>
+            <a:pPr marL="285750" indent="-285750">
+              <a:buBlip>
+                <a:blip r:embed="rId2"/>
+              </a:buBlip>
+            </a:pPr>
+            <a:r>
+              <a:rPr lang="en-US" b="0" i="0" dirty="0" smtClean="0">
+                <a:solidFill>
+                  <a:srgbClr val="000000"/>
+                </a:solidFill>
+                <a:effectLst/>
+                <a:latin typeface="+mj-lt"/>
+              </a:rPr>
+              <a:t>Studies show that learners retain information better when it is presented through video.</a:t>
+            </a:r>
+            <a:endParaRPr lang="en-US" dirty="0">
+              <a:latin typeface="+mj-lt"/>
+            </a:endParaRPr>
+          </a:p>
+        </p:txBody>
+      </p:sp>
+      <p:sp>
+        <p:nvSpPr>
+          <p:cNvPr id="29" name="Rectangle 28"/>
+          <p:cNvSpPr/>
+          <p:nvPr/>
+        </p:nvSpPr>
+        <p:spPr>
+          <a:xfrm>
+            <a:off x="5635923" y="5572230"/>
+            <a:ext cx="6096000" cy="646331"/>
+          </a:xfrm>
+          <a:prstGeom prst="rect">
+            <a:avLst/>
+          </a:prstGeom>
+        </p:spPr>
+        <p:txBody>
+          <a:bodyPr>
+            <a:spAutoFit/>
+          </a:bodyPr>
+          <a:lstStyle/>
+          <a:p>
+            <a:pPr marL="285750" indent="-285750">
+              <a:buBlip>
+                <a:blip r:embed="rId2"/>
+              </a:buBlip>
+            </a:pPr>
+            <a:r>
+              <a:rPr lang="en-US" b="0" i="0" dirty="0" smtClean="0">
+                <a:solidFill>
+                  <a:srgbClr val="000000"/>
+                </a:solidFill>
+                <a:effectLst/>
+                <a:latin typeface="+mj-lt"/>
+              </a:rPr>
+              <a:t>A non-profit organization used video storytelling to share client success stories.</a:t>
+            </a:r>
+            <a:endParaRPr lang="en-US" dirty="0">
+              <a:latin typeface="+mj-lt"/>
+            </a:endParaRPr>
+          </a:p>
+        </p:txBody>
+      </p:sp>
+      <p:sp>
+        <p:nvSpPr>
+          <p:cNvPr id="30" name="Rectangle 29"/>
+          <p:cNvSpPr/>
+          <p:nvPr/>
+        </p:nvSpPr>
+        <p:spPr>
+          <a:xfrm>
+            <a:off x="5762439" y="2953386"/>
+            <a:ext cx="6096000" cy="923330"/>
+          </a:xfrm>
+          <a:prstGeom prst="rect">
+            <a:avLst/>
+          </a:prstGeom>
+        </p:spPr>
+        <p:txBody>
+          <a:bodyPr>
+            <a:spAutoFit/>
+          </a:bodyPr>
+          <a:lstStyle/>
+          <a:p>
+            <a:pPr marL="342900" indent="-342900">
+              <a:buBlip>
+                <a:blip r:embed="rId2"/>
+              </a:buBlip>
+            </a:pPr>
+            <a:r>
+              <a:rPr lang="en-US" b="0" i="0" dirty="0" smtClean="0">
+                <a:effectLst/>
+                <a:latin typeface="+mj-lt"/>
+              </a:rPr>
+              <a:t>Videos can simplify complex topics through visual representation, making them easier to understand.</a:t>
+            </a:r>
+            <a:endParaRPr lang="en-US" b="0" i="0" dirty="0">
+              <a:effectLst/>
+              <a:latin typeface="+mj-lt"/>
+            </a:endParaRPr>
+          </a:p>
+        </p:txBody>
+      </p:sp>
     </p:spTree>
     <p:extLst>
       <p:ext uri="{BB962C8B-B14F-4D97-AF65-F5344CB8AC3E}">
-        <p14:creationId xmlns:p14="http://schemas.microsoft.com/office/powerpoint/2010/main" val="3368590171"/>
+        <p14:creationId xmlns:p14="http://schemas.microsoft.com/office/powerpoint/2010/main" val="3028550255"/>
       </p:ext>
     </p:extLst>
   </p:cSld>
   <p:clrMapOvr>
     <a:masterClrMapping/>
   </p:clrMapOvr>
+  <mc:AlternateContent xmlns:mc="http://schemas.openxmlformats.org/markup-compatibility/2006">
+    <mc:Choice xmlns:p14="http://schemas.microsoft.com/office/powerpoint/2010/main" Requires="p14">
+      <p:transition spd="slow" p14:dur="3400">
+        <p14:reveal/>
+      </p:transition>
+    </mc:Choice>
+    <mc:Fallback>
+      <p:transition spd="slow">
+        <p:fade/>
+      </p:transition>
+    </mc:Fallback>
+  </mc:AlternateContent>
+  <p:timing>
+    <p:tnLst>
+      <p:par>
+        <p:cTn id="1" dur="indefinite" restart="never" nodeType="tmRoot">
+          <p:childTnLst>
+            <p:seq concurrent="1" nextAc="seek">
+              <p:cTn id="2" dur="indefinite" nodeType="mainSeq">
+                <p:childTnLst>
+                  <p:par>
+                    <p:cTn id="3" fill="hold">
+                      <p:stCondLst>
+                        <p:cond delay="indefinite"/>
+                      </p:stCondLst>
+                      <p:childTnLst>
+                        <p:par>
+                          <p:cTn id="4" fill="hold">
+                            <p:stCondLst>
+                              <p:cond delay="0"/>
+                            </p:stCondLst>
+                            <p:childTnLst>
+                              <p:par>
+                                <p:cTn id="5" presetID="2" presetClass="entr" presetSubtype="4" fill="hold" grpId="0" nodeType="clickEffect">
+                                  <p:stCondLst>
+                                    <p:cond delay="0"/>
+                                  </p:stCondLst>
+                                  <p:childTnLst>
+                                    <p:set>
+                                      <p:cBhvr>
+                                        <p:cTn id="6" dur="1" fill="hold">
+                                          <p:stCondLst>
+                                            <p:cond delay="0"/>
+                                          </p:stCondLst>
+                                        </p:cTn>
+                                        <p:tgtEl>
+                                          <p:spTgt spid="12"/>
+                                        </p:tgtEl>
+                                        <p:attrNameLst>
+                                          <p:attrName>style.visibility</p:attrName>
+                                        </p:attrNameLst>
+                                      </p:cBhvr>
+                                      <p:to>
+                                        <p:strVal val="visible"/>
+                                      </p:to>
+                                    </p:set>
+                                    <p:anim calcmode="lin" valueType="num">
+                                      <p:cBhvr additive="base">
+                                        <p:cTn id="7" dur="500" fill="hold"/>
+                                        <p:tgtEl>
+                                          <p:spTgt spid="12"/>
+                                        </p:tgtEl>
+                                        <p:attrNameLst>
+                                          <p:attrName>ppt_x</p:attrName>
+                                        </p:attrNameLst>
+                                      </p:cBhvr>
+                                      <p:tavLst>
+                                        <p:tav tm="0">
+                                          <p:val>
+                                            <p:strVal val="#ppt_x"/>
+                                          </p:val>
+                                        </p:tav>
+                                        <p:tav tm="100000">
+                                          <p:val>
+                                            <p:strVal val="#ppt_x"/>
+                                          </p:val>
+                                        </p:tav>
+                                      </p:tavLst>
+                                    </p:anim>
+                                    <p:anim calcmode="lin" valueType="num">
+                                      <p:cBhvr additive="base">
+                                        <p:cTn id="8" dur="500" fill="hold"/>
+                                        <p:tgtEl>
+                                          <p:spTgt spid="12"/>
+                                        </p:tgtEl>
+                                        <p:attrNameLst>
+                                          <p:attrName>ppt_y</p:attrName>
+                                        </p:attrNameLst>
+                                      </p:cBhvr>
+                                      <p:tavLst>
+                                        <p:tav tm="0">
+                                          <p:val>
+                                            <p:strVal val="1+#ppt_h/2"/>
+                                          </p:val>
+                                        </p:tav>
+                                        <p:tav tm="100000">
+                                          <p:val>
+                                            <p:strVal val="#ppt_y"/>
+                                          </p:val>
+                                        </p:tav>
+                                      </p:tavLst>
+                                    </p:anim>
+                                  </p:childTnLst>
+                                </p:cTn>
+                              </p:par>
+                              <p:par>
+                                <p:cTn id="9" presetID="2" presetClass="entr" presetSubtype="4" fill="hold" grpId="0" nodeType="withEffect">
+                                  <p:stCondLst>
+                                    <p:cond delay="0"/>
+                                  </p:stCondLst>
+                                  <p:childTnLst>
+                                    <p:set>
+                                      <p:cBhvr>
+                                        <p:cTn id="10" dur="1" fill="hold">
+                                          <p:stCondLst>
+                                            <p:cond delay="0"/>
+                                          </p:stCondLst>
+                                        </p:cTn>
+                                        <p:tgtEl>
+                                          <p:spTgt spid="11"/>
+                                        </p:tgtEl>
+                                        <p:attrNameLst>
+                                          <p:attrName>style.visibility</p:attrName>
+                                        </p:attrNameLst>
+                                      </p:cBhvr>
+                                      <p:to>
+                                        <p:strVal val="visible"/>
+                                      </p:to>
+                                    </p:set>
+                                    <p:anim calcmode="lin" valueType="num">
+                                      <p:cBhvr additive="base">
+                                        <p:cTn id="11" dur="500" fill="hold"/>
+                                        <p:tgtEl>
+                                          <p:spTgt spid="11"/>
+                                        </p:tgtEl>
+                                        <p:attrNameLst>
+                                          <p:attrName>ppt_x</p:attrName>
+                                        </p:attrNameLst>
+                                      </p:cBhvr>
+                                      <p:tavLst>
+                                        <p:tav tm="0">
+                                          <p:val>
+                                            <p:strVal val="#ppt_x"/>
+                                          </p:val>
+                                        </p:tav>
+                                        <p:tav tm="100000">
+                                          <p:val>
+                                            <p:strVal val="#ppt_x"/>
+                                          </p:val>
+                                        </p:tav>
+                                      </p:tavLst>
+                                    </p:anim>
+                                    <p:anim calcmode="lin" valueType="num">
+                                      <p:cBhvr additive="base">
+                                        <p:cTn id="12" dur="500" fill="hold"/>
+                                        <p:tgtEl>
+                                          <p:spTgt spid="11"/>
+                                        </p:tgtEl>
+                                        <p:attrNameLst>
+                                          <p:attrName>ppt_y</p:attrName>
+                                        </p:attrNameLst>
+                                      </p:cBhvr>
+                                      <p:tavLst>
+                                        <p:tav tm="0">
+                                          <p:val>
+                                            <p:strVal val="1+#ppt_h/2"/>
+                                          </p:val>
+                                        </p:tav>
+                                        <p:tav tm="100000">
+                                          <p:val>
+                                            <p:strVal val="#ppt_y"/>
+                                          </p:val>
+                                        </p:tav>
+                                      </p:tavLst>
+                                    </p:anim>
+                                  </p:childTnLst>
+                                </p:cTn>
+                              </p:par>
+                              <p:par>
+                                <p:cTn id="13" presetID="2" presetClass="entr" presetSubtype="4" fill="hold" nodeType="withEffect">
+                                  <p:stCondLst>
+                                    <p:cond delay="0"/>
+                                  </p:stCondLst>
+                                  <p:childTnLst>
+                                    <p:set>
+                                      <p:cBhvr>
+                                        <p:cTn id="14" dur="1" fill="hold">
+                                          <p:stCondLst>
+                                            <p:cond delay="0"/>
+                                          </p:stCondLst>
+                                        </p:cTn>
+                                        <p:tgtEl>
+                                          <p:spTgt spid="17"/>
+                                        </p:tgtEl>
+                                        <p:attrNameLst>
+                                          <p:attrName>style.visibility</p:attrName>
+                                        </p:attrNameLst>
+                                      </p:cBhvr>
+                                      <p:to>
+                                        <p:strVal val="visible"/>
+                                      </p:to>
+                                    </p:set>
+                                    <p:anim calcmode="lin" valueType="num">
+                                      <p:cBhvr additive="base">
+                                        <p:cTn id="15" dur="500" fill="hold"/>
+                                        <p:tgtEl>
+                                          <p:spTgt spid="17"/>
+                                        </p:tgtEl>
+                                        <p:attrNameLst>
+                                          <p:attrName>ppt_x</p:attrName>
+                                        </p:attrNameLst>
+                                      </p:cBhvr>
+                                      <p:tavLst>
+                                        <p:tav tm="0">
+                                          <p:val>
+                                            <p:strVal val="#ppt_x"/>
+                                          </p:val>
+                                        </p:tav>
+                                        <p:tav tm="100000">
+                                          <p:val>
+                                            <p:strVal val="#ppt_x"/>
+                                          </p:val>
+                                        </p:tav>
+                                      </p:tavLst>
+                                    </p:anim>
+                                    <p:anim calcmode="lin" valueType="num">
+                                      <p:cBhvr additive="base">
+                                        <p:cTn id="16" dur="500" fill="hold"/>
+                                        <p:tgtEl>
+                                          <p:spTgt spid="17"/>
+                                        </p:tgtEl>
+                                        <p:attrNameLst>
+                                          <p:attrName>ppt_y</p:attrName>
+                                        </p:attrNameLst>
+                                      </p:cBhvr>
+                                      <p:tavLst>
+                                        <p:tav tm="0">
+                                          <p:val>
+                                            <p:strVal val="1+#ppt_h/2"/>
+                                          </p:val>
+                                        </p:tav>
+                                        <p:tav tm="100000">
+                                          <p:val>
+                                            <p:strVal val="#ppt_y"/>
+                                          </p:val>
+                                        </p:tav>
+                                      </p:tavLst>
+                                    </p:anim>
+                                  </p:childTnLst>
+                                </p:cTn>
+                              </p:par>
+                            </p:childTnLst>
+                          </p:cTn>
+                        </p:par>
+                      </p:childTnLst>
+                    </p:cTn>
+                  </p:par>
+                  <p:par>
+                    <p:cTn id="17" fill="hold">
+                      <p:stCondLst>
+                        <p:cond delay="indefinite"/>
+                      </p:stCondLst>
+                      <p:childTnLst>
+                        <p:par>
+                          <p:cTn id="18" fill="hold">
+                            <p:stCondLst>
+                              <p:cond delay="0"/>
+                            </p:stCondLst>
+                            <p:childTnLst>
+                              <p:par>
+                                <p:cTn id="19" presetID="42" presetClass="entr" presetSubtype="0" fill="hold" grpId="0" nodeType="clickEffect">
+                                  <p:stCondLst>
+                                    <p:cond delay="0"/>
+                                  </p:stCondLst>
+                                  <p:childTnLst>
+                                    <p:set>
+                                      <p:cBhvr>
+                                        <p:cTn id="20" dur="1" fill="hold">
+                                          <p:stCondLst>
+                                            <p:cond delay="0"/>
+                                          </p:stCondLst>
+                                        </p:cTn>
+                                        <p:tgtEl>
+                                          <p:spTgt spid="18"/>
+                                        </p:tgtEl>
+                                        <p:attrNameLst>
+                                          <p:attrName>style.visibility</p:attrName>
+                                        </p:attrNameLst>
+                                      </p:cBhvr>
+                                      <p:to>
+                                        <p:strVal val="visible"/>
+                                      </p:to>
+                                    </p:set>
+                                    <p:animEffect transition="in" filter="fade">
+                                      <p:cBhvr>
+                                        <p:cTn id="21" dur="1000"/>
+                                        <p:tgtEl>
+                                          <p:spTgt spid="18"/>
+                                        </p:tgtEl>
+                                      </p:cBhvr>
+                                    </p:animEffect>
+                                    <p:anim calcmode="lin" valueType="num">
+                                      <p:cBhvr>
+                                        <p:cTn id="22" dur="1000" fill="hold"/>
+                                        <p:tgtEl>
+                                          <p:spTgt spid="18"/>
+                                        </p:tgtEl>
+                                        <p:attrNameLst>
+                                          <p:attrName>ppt_x</p:attrName>
+                                        </p:attrNameLst>
+                                      </p:cBhvr>
+                                      <p:tavLst>
+                                        <p:tav tm="0">
+                                          <p:val>
+                                            <p:strVal val="#ppt_x"/>
+                                          </p:val>
+                                        </p:tav>
+                                        <p:tav tm="100000">
+                                          <p:val>
+                                            <p:strVal val="#ppt_x"/>
+                                          </p:val>
+                                        </p:tav>
+                                      </p:tavLst>
+                                    </p:anim>
+                                    <p:anim calcmode="lin" valueType="num">
+                                      <p:cBhvr>
+                                        <p:cTn id="23" dur="1000" fill="hold"/>
+                                        <p:tgtEl>
+                                          <p:spTgt spid="18"/>
+                                        </p:tgtEl>
+                                        <p:attrNameLst>
+                                          <p:attrName>ppt_y</p:attrName>
+                                        </p:attrNameLst>
+                                      </p:cBhvr>
+                                      <p:tavLst>
+                                        <p:tav tm="0">
+                                          <p:val>
+                                            <p:strVal val="#ppt_y+.1"/>
+                                          </p:val>
+                                        </p:tav>
+                                        <p:tav tm="100000">
+                                          <p:val>
+                                            <p:strVal val="#ppt_y"/>
+                                          </p:val>
+                                        </p:tav>
+                                      </p:tavLst>
+                                    </p:anim>
+                                  </p:childTnLst>
+                                </p:cTn>
+                              </p:par>
+                              <p:par>
+                                <p:cTn id="24" presetID="42" presetClass="entr" presetSubtype="0" fill="hold" grpId="0" nodeType="withEffect">
+                                  <p:stCondLst>
+                                    <p:cond delay="0"/>
+                                  </p:stCondLst>
+                                  <p:childTnLst>
+                                    <p:set>
+                                      <p:cBhvr>
+                                        <p:cTn id="25" dur="1" fill="hold">
+                                          <p:stCondLst>
+                                            <p:cond delay="0"/>
+                                          </p:stCondLst>
+                                        </p:cTn>
+                                        <p:tgtEl>
+                                          <p:spTgt spid="22"/>
+                                        </p:tgtEl>
+                                        <p:attrNameLst>
+                                          <p:attrName>style.visibility</p:attrName>
+                                        </p:attrNameLst>
+                                      </p:cBhvr>
+                                      <p:to>
+                                        <p:strVal val="visible"/>
+                                      </p:to>
+                                    </p:set>
+                                    <p:animEffect transition="in" filter="fade">
+                                      <p:cBhvr>
+                                        <p:cTn id="26" dur="1000"/>
+                                        <p:tgtEl>
+                                          <p:spTgt spid="22"/>
+                                        </p:tgtEl>
+                                      </p:cBhvr>
+                                    </p:animEffect>
+                                    <p:anim calcmode="lin" valueType="num">
+                                      <p:cBhvr>
+                                        <p:cTn id="27" dur="1000" fill="hold"/>
+                                        <p:tgtEl>
+                                          <p:spTgt spid="22"/>
+                                        </p:tgtEl>
+                                        <p:attrNameLst>
+                                          <p:attrName>ppt_x</p:attrName>
+                                        </p:attrNameLst>
+                                      </p:cBhvr>
+                                      <p:tavLst>
+                                        <p:tav tm="0">
+                                          <p:val>
+                                            <p:strVal val="#ppt_x"/>
+                                          </p:val>
+                                        </p:tav>
+                                        <p:tav tm="100000">
+                                          <p:val>
+                                            <p:strVal val="#ppt_x"/>
+                                          </p:val>
+                                        </p:tav>
+                                      </p:tavLst>
+                                    </p:anim>
+                                    <p:anim calcmode="lin" valueType="num">
+                                      <p:cBhvr>
+                                        <p:cTn id="28" dur="1000" fill="hold"/>
+                                        <p:tgtEl>
+                                          <p:spTgt spid="22"/>
+                                        </p:tgtEl>
+                                        <p:attrNameLst>
+                                          <p:attrName>ppt_y</p:attrName>
+                                        </p:attrNameLst>
+                                      </p:cBhvr>
+                                      <p:tavLst>
+                                        <p:tav tm="0">
+                                          <p:val>
+                                            <p:strVal val="#ppt_y+.1"/>
+                                          </p:val>
+                                        </p:tav>
+                                        <p:tav tm="100000">
+                                          <p:val>
+                                            <p:strVal val="#ppt_y"/>
+                                          </p:val>
+                                        </p:tav>
+                                      </p:tavLst>
+                                    </p:anim>
+                                  </p:childTnLst>
+                                </p:cTn>
+                              </p:par>
+                              <p:par>
+                                <p:cTn id="29" presetID="42" presetClass="entr" presetSubtype="0" fill="hold" grpId="0" nodeType="withEffect">
+                                  <p:stCondLst>
+                                    <p:cond delay="0"/>
+                                  </p:stCondLst>
+                                  <p:childTnLst>
+                                    <p:set>
+                                      <p:cBhvr>
+                                        <p:cTn id="30" dur="1" fill="hold">
+                                          <p:stCondLst>
+                                            <p:cond delay="0"/>
+                                          </p:stCondLst>
+                                        </p:cTn>
+                                        <p:tgtEl>
+                                          <p:spTgt spid="26"/>
+                                        </p:tgtEl>
+                                        <p:attrNameLst>
+                                          <p:attrName>style.visibility</p:attrName>
+                                        </p:attrNameLst>
+                                      </p:cBhvr>
+                                      <p:to>
+                                        <p:strVal val="visible"/>
+                                      </p:to>
+                                    </p:set>
+                                    <p:animEffect transition="in" filter="fade">
+                                      <p:cBhvr>
+                                        <p:cTn id="31" dur="1000"/>
+                                        <p:tgtEl>
+                                          <p:spTgt spid="26"/>
+                                        </p:tgtEl>
+                                      </p:cBhvr>
+                                    </p:animEffect>
+                                    <p:anim calcmode="lin" valueType="num">
+                                      <p:cBhvr>
+                                        <p:cTn id="32" dur="1000" fill="hold"/>
+                                        <p:tgtEl>
+                                          <p:spTgt spid="26"/>
+                                        </p:tgtEl>
+                                        <p:attrNameLst>
+                                          <p:attrName>ppt_x</p:attrName>
+                                        </p:attrNameLst>
+                                      </p:cBhvr>
+                                      <p:tavLst>
+                                        <p:tav tm="0">
+                                          <p:val>
+                                            <p:strVal val="#ppt_x"/>
+                                          </p:val>
+                                        </p:tav>
+                                        <p:tav tm="100000">
+                                          <p:val>
+                                            <p:strVal val="#ppt_x"/>
+                                          </p:val>
+                                        </p:tav>
+                                      </p:tavLst>
+                                    </p:anim>
+                                    <p:anim calcmode="lin" valueType="num">
+                                      <p:cBhvr>
+                                        <p:cTn id="33" dur="1000" fill="hold"/>
+                                        <p:tgtEl>
+                                          <p:spTgt spid="26"/>
+                                        </p:tgtEl>
+                                        <p:attrNameLst>
+                                          <p:attrName>ppt_y</p:attrName>
+                                        </p:attrNameLst>
+                                      </p:cBhvr>
+                                      <p:tavLst>
+                                        <p:tav tm="0">
+                                          <p:val>
+                                            <p:strVal val="#ppt_y+.1"/>
+                                          </p:val>
+                                        </p:tav>
+                                        <p:tav tm="100000">
+                                          <p:val>
+                                            <p:strVal val="#ppt_y"/>
+                                          </p:val>
+                                        </p:tav>
+                                      </p:tavLst>
+                                    </p:anim>
+                                  </p:childTnLst>
+                                </p:cTn>
+                              </p:par>
+                            </p:childTnLst>
+                          </p:cTn>
+                        </p:par>
+                      </p:childTnLst>
+                    </p:cTn>
+                  </p:par>
+                  <p:par>
+                    <p:cTn id="34" fill="hold">
+                      <p:stCondLst>
+                        <p:cond delay="indefinite"/>
+                      </p:stCondLst>
+                      <p:childTnLst>
+                        <p:par>
+                          <p:cTn id="35" fill="hold">
+                            <p:stCondLst>
+                              <p:cond delay="0"/>
+                            </p:stCondLst>
+                            <p:childTnLst>
+                              <p:par>
+                                <p:cTn id="36" presetID="42" presetClass="entr" presetSubtype="0" fill="hold" grpId="0" nodeType="clickEffect">
+                                  <p:stCondLst>
+                                    <p:cond delay="0"/>
+                                  </p:stCondLst>
+                                  <p:childTnLst>
+                                    <p:set>
+                                      <p:cBhvr>
+                                        <p:cTn id="37" dur="1" fill="hold">
+                                          <p:stCondLst>
+                                            <p:cond delay="0"/>
+                                          </p:stCondLst>
+                                        </p:cTn>
+                                        <p:tgtEl>
+                                          <p:spTgt spid="19"/>
+                                        </p:tgtEl>
+                                        <p:attrNameLst>
+                                          <p:attrName>style.visibility</p:attrName>
+                                        </p:attrNameLst>
+                                      </p:cBhvr>
+                                      <p:to>
+                                        <p:strVal val="visible"/>
+                                      </p:to>
+                                    </p:set>
+                                    <p:animEffect transition="in" filter="fade">
+                                      <p:cBhvr>
+                                        <p:cTn id="38" dur="1000"/>
+                                        <p:tgtEl>
+                                          <p:spTgt spid="19"/>
+                                        </p:tgtEl>
+                                      </p:cBhvr>
+                                    </p:animEffect>
+                                    <p:anim calcmode="lin" valueType="num">
+                                      <p:cBhvr>
+                                        <p:cTn id="39" dur="1000" fill="hold"/>
+                                        <p:tgtEl>
+                                          <p:spTgt spid="19"/>
+                                        </p:tgtEl>
+                                        <p:attrNameLst>
+                                          <p:attrName>ppt_x</p:attrName>
+                                        </p:attrNameLst>
+                                      </p:cBhvr>
+                                      <p:tavLst>
+                                        <p:tav tm="0">
+                                          <p:val>
+                                            <p:strVal val="#ppt_x"/>
+                                          </p:val>
+                                        </p:tav>
+                                        <p:tav tm="100000">
+                                          <p:val>
+                                            <p:strVal val="#ppt_x"/>
+                                          </p:val>
+                                        </p:tav>
+                                      </p:tavLst>
+                                    </p:anim>
+                                    <p:anim calcmode="lin" valueType="num">
+                                      <p:cBhvr>
+                                        <p:cTn id="40" dur="1000" fill="hold"/>
+                                        <p:tgtEl>
+                                          <p:spTgt spid="19"/>
+                                        </p:tgtEl>
+                                        <p:attrNameLst>
+                                          <p:attrName>ppt_y</p:attrName>
+                                        </p:attrNameLst>
+                                      </p:cBhvr>
+                                      <p:tavLst>
+                                        <p:tav tm="0">
+                                          <p:val>
+                                            <p:strVal val="#ppt_y+.1"/>
+                                          </p:val>
+                                        </p:tav>
+                                        <p:tav tm="100000">
+                                          <p:val>
+                                            <p:strVal val="#ppt_y"/>
+                                          </p:val>
+                                        </p:tav>
+                                      </p:tavLst>
+                                    </p:anim>
+                                  </p:childTnLst>
+                                </p:cTn>
+                              </p:par>
+                              <p:par>
+                                <p:cTn id="41" presetID="42" presetClass="entr" presetSubtype="0" fill="hold" grpId="0" nodeType="withEffect">
+                                  <p:stCondLst>
+                                    <p:cond delay="0"/>
+                                  </p:stCondLst>
+                                  <p:childTnLst>
+                                    <p:set>
+                                      <p:cBhvr>
+                                        <p:cTn id="42" dur="1" fill="hold">
+                                          <p:stCondLst>
+                                            <p:cond delay="0"/>
+                                          </p:stCondLst>
+                                        </p:cTn>
+                                        <p:tgtEl>
+                                          <p:spTgt spid="23"/>
+                                        </p:tgtEl>
+                                        <p:attrNameLst>
+                                          <p:attrName>style.visibility</p:attrName>
+                                        </p:attrNameLst>
+                                      </p:cBhvr>
+                                      <p:to>
+                                        <p:strVal val="visible"/>
+                                      </p:to>
+                                    </p:set>
+                                    <p:animEffect transition="in" filter="fade">
+                                      <p:cBhvr>
+                                        <p:cTn id="43" dur="1000"/>
+                                        <p:tgtEl>
+                                          <p:spTgt spid="23"/>
+                                        </p:tgtEl>
+                                      </p:cBhvr>
+                                    </p:animEffect>
+                                    <p:anim calcmode="lin" valueType="num">
+                                      <p:cBhvr>
+                                        <p:cTn id="44" dur="1000" fill="hold"/>
+                                        <p:tgtEl>
+                                          <p:spTgt spid="23"/>
+                                        </p:tgtEl>
+                                        <p:attrNameLst>
+                                          <p:attrName>ppt_x</p:attrName>
+                                        </p:attrNameLst>
+                                      </p:cBhvr>
+                                      <p:tavLst>
+                                        <p:tav tm="0">
+                                          <p:val>
+                                            <p:strVal val="#ppt_x"/>
+                                          </p:val>
+                                        </p:tav>
+                                        <p:tav tm="100000">
+                                          <p:val>
+                                            <p:strVal val="#ppt_x"/>
+                                          </p:val>
+                                        </p:tav>
+                                      </p:tavLst>
+                                    </p:anim>
+                                    <p:anim calcmode="lin" valueType="num">
+                                      <p:cBhvr>
+                                        <p:cTn id="45" dur="1000" fill="hold"/>
+                                        <p:tgtEl>
+                                          <p:spTgt spid="23"/>
+                                        </p:tgtEl>
+                                        <p:attrNameLst>
+                                          <p:attrName>ppt_y</p:attrName>
+                                        </p:attrNameLst>
+                                      </p:cBhvr>
+                                      <p:tavLst>
+                                        <p:tav tm="0">
+                                          <p:val>
+                                            <p:strVal val="#ppt_y+.1"/>
+                                          </p:val>
+                                        </p:tav>
+                                        <p:tav tm="100000">
+                                          <p:val>
+                                            <p:strVal val="#ppt_y"/>
+                                          </p:val>
+                                        </p:tav>
+                                      </p:tavLst>
+                                    </p:anim>
+                                  </p:childTnLst>
+                                </p:cTn>
+                              </p:par>
+                              <p:par>
+                                <p:cTn id="46" presetID="42" presetClass="entr" presetSubtype="0" fill="hold" grpId="0" nodeType="withEffect">
+                                  <p:stCondLst>
+                                    <p:cond delay="0"/>
+                                  </p:stCondLst>
+                                  <p:childTnLst>
+                                    <p:set>
+                                      <p:cBhvr>
+                                        <p:cTn id="47" dur="1" fill="hold">
+                                          <p:stCondLst>
+                                            <p:cond delay="0"/>
+                                          </p:stCondLst>
+                                        </p:cTn>
+                                        <p:tgtEl>
+                                          <p:spTgt spid="30"/>
+                                        </p:tgtEl>
+                                        <p:attrNameLst>
+                                          <p:attrName>style.visibility</p:attrName>
+                                        </p:attrNameLst>
+                                      </p:cBhvr>
+                                      <p:to>
+                                        <p:strVal val="visible"/>
+                                      </p:to>
+                                    </p:set>
+                                    <p:animEffect transition="in" filter="fade">
+                                      <p:cBhvr>
+                                        <p:cTn id="48" dur="1000"/>
+                                        <p:tgtEl>
+                                          <p:spTgt spid="30"/>
+                                        </p:tgtEl>
+                                      </p:cBhvr>
+                                    </p:animEffect>
+                                    <p:anim calcmode="lin" valueType="num">
+                                      <p:cBhvr>
+                                        <p:cTn id="49" dur="1000" fill="hold"/>
+                                        <p:tgtEl>
+                                          <p:spTgt spid="30"/>
+                                        </p:tgtEl>
+                                        <p:attrNameLst>
+                                          <p:attrName>ppt_x</p:attrName>
+                                        </p:attrNameLst>
+                                      </p:cBhvr>
+                                      <p:tavLst>
+                                        <p:tav tm="0">
+                                          <p:val>
+                                            <p:strVal val="#ppt_x"/>
+                                          </p:val>
+                                        </p:tav>
+                                        <p:tav tm="100000">
+                                          <p:val>
+                                            <p:strVal val="#ppt_x"/>
+                                          </p:val>
+                                        </p:tav>
+                                      </p:tavLst>
+                                    </p:anim>
+                                    <p:anim calcmode="lin" valueType="num">
+                                      <p:cBhvr>
+                                        <p:cTn id="50" dur="1000" fill="hold"/>
+                                        <p:tgtEl>
+                                          <p:spTgt spid="30"/>
+                                        </p:tgtEl>
+                                        <p:attrNameLst>
+                                          <p:attrName>ppt_y</p:attrName>
+                                        </p:attrNameLst>
+                                      </p:cBhvr>
+                                      <p:tavLst>
+                                        <p:tav tm="0">
+                                          <p:val>
+                                            <p:strVal val="#ppt_y+.1"/>
+                                          </p:val>
+                                        </p:tav>
+                                        <p:tav tm="100000">
+                                          <p:val>
+                                            <p:strVal val="#ppt_y"/>
+                                          </p:val>
+                                        </p:tav>
+                                      </p:tavLst>
+                                    </p:anim>
+                                  </p:childTnLst>
+                                </p:cTn>
+                              </p:par>
+                            </p:childTnLst>
+                          </p:cTn>
+                        </p:par>
+                      </p:childTnLst>
+                    </p:cTn>
+                  </p:par>
+                  <p:par>
+                    <p:cTn id="51" fill="hold">
+                      <p:stCondLst>
+                        <p:cond delay="indefinite"/>
+                      </p:stCondLst>
+                      <p:childTnLst>
+                        <p:par>
+                          <p:cTn id="52" fill="hold">
+                            <p:stCondLst>
+                              <p:cond delay="0"/>
+                            </p:stCondLst>
+                            <p:childTnLst>
+                              <p:par>
+                                <p:cTn id="53" presetID="42" presetClass="entr" presetSubtype="0" fill="hold" grpId="0" nodeType="clickEffect">
+                                  <p:stCondLst>
+                                    <p:cond delay="0"/>
+                                  </p:stCondLst>
+                                  <p:childTnLst>
+                                    <p:set>
+                                      <p:cBhvr>
+                                        <p:cTn id="54" dur="1" fill="hold">
+                                          <p:stCondLst>
+                                            <p:cond delay="0"/>
+                                          </p:stCondLst>
+                                        </p:cTn>
+                                        <p:tgtEl>
+                                          <p:spTgt spid="20"/>
+                                        </p:tgtEl>
+                                        <p:attrNameLst>
+                                          <p:attrName>style.visibility</p:attrName>
+                                        </p:attrNameLst>
+                                      </p:cBhvr>
+                                      <p:to>
+                                        <p:strVal val="visible"/>
+                                      </p:to>
+                                    </p:set>
+                                    <p:animEffect transition="in" filter="fade">
+                                      <p:cBhvr>
+                                        <p:cTn id="55" dur="1000"/>
+                                        <p:tgtEl>
+                                          <p:spTgt spid="20"/>
+                                        </p:tgtEl>
+                                      </p:cBhvr>
+                                    </p:animEffect>
+                                    <p:anim calcmode="lin" valueType="num">
+                                      <p:cBhvr>
+                                        <p:cTn id="56" dur="1000" fill="hold"/>
+                                        <p:tgtEl>
+                                          <p:spTgt spid="20"/>
+                                        </p:tgtEl>
+                                        <p:attrNameLst>
+                                          <p:attrName>ppt_x</p:attrName>
+                                        </p:attrNameLst>
+                                      </p:cBhvr>
+                                      <p:tavLst>
+                                        <p:tav tm="0">
+                                          <p:val>
+                                            <p:strVal val="#ppt_x"/>
+                                          </p:val>
+                                        </p:tav>
+                                        <p:tav tm="100000">
+                                          <p:val>
+                                            <p:strVal val="#ppt_x"/>
+                                          </p:val>
+                                        </p:tav>
+                                      </p:tavLst>
+                                    </p:anim>
+                                    <p:anim calcmode="lin" valueType="num">
+                                      <p:cBhvr>
+                                        <p:cTn id="57" dur="1000" fill="hold"/>
+                                        <p:tgtEl>
+                                          <p:spTgt spid="20"/>
+                                        </p:tgtEl>
+                                        <p:attrNameLst>
+                                          <p:attrName>ppt_y</p:attrName>
+                                        </p:attrNameLst>
+                                      </p:cBhvr>
+                                      <p:tavLst>
+                                        <p:tav tm="0">
+                                          <p:val>
+                                            <p:strVal val="#ppt_y+.1"/>
+                                          </p:val>
+                                        </p:tav>
+                                        <p:tav tm="100000">
+                                          <p:val>
+                                            <p:strVal val="#ppt_y"/>
+                                          </p:val>
+                                        </p:tav>
+                                      </p:tavLst>
+                                    </p:anim>
+                                  </p:childTnLst>
+                                </p:cTn>
+                              </p:par>
+                              <p:par>
+                                <p:cTn id="58" presetID="42" presetClass="entr" presetSubtype="0" fill="hold" grpId="0" nodeType="withEffect">
+                                  <p:stCondLst>
+                                    <p:cond delay="0"/>
+                                  </p:stCondLst>
+                                  <p:childTnLst>
+                                    <p:set>
+                                      <p:cBhvr>
+                                        <p:cTn id="59" dur="1" fill="hold">
+                                          <p:stCondLst>
+                                            <p:cond delay="0"/>
+                                          </p:stCondLst>
+                                        </p:cTn>
+                                        <p:tgtEl>
+                                          <p:spTgt spid="25"/>
+                                        </p:tgtEl>
+                                        <p:attrNameLst>
+                                          <p:attrName>style.visibility</p:attrName>
+                                        </p:attrNameLst>
+                                      </p:cBhvr>
+                                      <p:to>
+                                        <p:strVal val="visible"/>
+                                      </p:to>
+                                    </p:set>
+                                    <p:animEffect transition="in" filter="fade">
+                                      <p:cBhvr>
+                                        <p:cTn id="60" dur="1000"/>
+                                        <p:tgtEl>
+                                          <p:spTgt spid="25"/>
+                                        </p:tgtEl>
+                                      </p:cBhvr>
+                                    </p:animEffect>
+                                    <p:anim calcmode="lin" valueType="num">
+                                      <p:cBhvr>
+                                        <p:cTn id="61" dur="1000" fill="hold"/>
+                                        <p:tgtEl>
+                                          <p:spTgt spid="25"/>
+                                        </p:tgtEl>
+                                        <p:attrNameLst>
+                                          <p:attrName>ppt_x</p:attrName>
+                                        </p:attrNameLst>
+                                      </p:cBhvr>
+                                      <p:tavLst>
+                                        <p:tav tm="0">
+                                          <p:val>
+                                            <p:strVal val="#ppt_x"/>
+                                          </p:val>
+                                        </p:tav>
+                                        <p:tav tm="100000">
+                                          <p:val>
+                                            <p:strVal val="#ppt_x"/>
+                                          </p:val>
+                                        </p:tav>
+                                      </p:tavLst>
+                                    </p:anim>
+                                    <p:anim calcmode="lin" valueType="num">
+                                      <p:cBhvr>
+                                        <p:cTn id="62" dur="1000" fill="hold"/>
+                                        <p:tgtEl>
+                                          <p:spTgt spid="25"/>
+                                        </p:tgtEl>
+                                        <p:attrNameLst>
+                                          <p:attrName>ppt_y</p:attrName>
+                                        </p:attrNameLst>
+                                      </p:cBhvr>
+                                      <p:tavLst>
+                                        <p:tav tm="0">
+                                          <p:val>
+                                            <p:strVal val="#ppt_y+.1"/>
+                                          </p:val>
+                                        </p:tav>
+                                        <p:tav tm="100000">
+                                          <p:val>
+                                            <p:strVal val="#ppt_y"/>
+                                          </p:val>
+                                        </p:tav>
+                                      </p:tavLst>
+                                    </p:anim>
+                                  </p:childTnLst>
+                                </p:cTn>
+                              </p:par>
+                              <p:par>
+                                <p:cTn id="63" presetID="42" presetClass="entr" presetSubtype="0" fill="hold" grpId="0" nodeType="withEffect">
+                                  <p:stCondLst>
+                                    <p:cond delay="0"/>
+                                  </p:stCondLst>
+                                  <p:childTnLst>
+                                    <p:set>
+                                      <p:cBhvr>
+                                        <p:cTn id="64" dur="1" fill="hold">
+                                          <p:stCondLst>
+                                            <p:cond delay="0"/>
+                                          </p:stCondLst>
+                                        </p:cTn>
+                                        <p:tgtEl>
+                                          <p:spTgt spid="28"/>
+                                        </p:tgtEl>
+                                        <p:attrNameLst>
+                                          <p:attrName>style.visibility</p:attrName>
+                                        </p:attrNameLst>
+                                      </p:cBhvr>
+                                      <p:to>
+                                        <p:strVal val="visible"/>
+                                      </p:to>
+                                    </p:set>
+                                    <p:animEffect transition="in" filter="fade">
+                                      <p:cBhvr>
+                                        <p:cTn id="65" dur="1000"/>
+                                        <p:tgtEl>
+                                          <p:spTgt spid="28"/>
+                                        </p:tgtEl>
+                                      </p:cBhvr>
+                                    </p:animEffect>
+                                    <p:anim calcmode="lin" valueType="num">
+                                      <p:cBhvr>
+                                        <p:cTn id="66" dur="1000" fill="hold"/>
+                                        <p:tgtEl>
+                                          <p:spTgt spid="28"/>
+                                        </p:tgtEl>
+                                        <p:attrNameLst>
+                                          <p:attrName>ppt_x</p:attrName>
+                                        </p:attrNameLst>
+                                      </p:cBhvr>
+                                      <p:tavLst>
+                                        <p:tav tm="0">
+                                          <p:val>
+                                            <p:strVal val="#ppt_x"/>
+                                          </p:val>
+                                        </p:tav>
+                                        <p:tav tm="100000">
+                                          <p:val>
+                                            <p:strVal val="#ppt_x"/>
+                                          </p:val>
+                                        </p:tav>
+                                      </p:tavLst>
+                                    </p:anim>
+                                    <p:anim calcmode="lin" valueType="num">
+                                      <p:cBhvr>
+                                        <p:cTn id="67" dur="1000" fill="hold"/>
+                                        <p:tgtEl>
+                                          <p:spTgt spid="28"/>
+                                        </p:tgtEl>
+                                        <p:attrNameLst>
+                                          <p:attrName>ppt_y</p:attrName>
+                                        </p:attrNameLst>
+                                      </p:cBhvr>
+                                      <p:tavLst>
+                                        <p:tav tm="0">
+                                          <p:val>
+                                            <p:strVal val="#ppt_y+.1"/>
+                                          </p:val>
+                                        </p:tav>
+                                        <p:tav tm="100000">
+                                          <p:val>
+                                            <p:strVal val="#ppt_y"/>
+                                          </p:val>
+                                        </p:tav>
+                                      </p:tavLst>
+                                    </p:anim>
+                                  </p:childTnLst>
+                                </p:cTn>
+                              </p:par>
+                            </p:childTnLst>
+                          </p:cTn>
+                        </p:par>
+                      </p:childTnLst>
+                    </p:cTn>
+                  </p:par>
+                  <p:par>
+                    <p:cTn id="68" fill="hold">
+                      <p:stCondLst>
+                        <p:cond delay="indefinite"/>
+                      </p:stCondLst>
+                      <p:childTnLst>
+                        <p:par>
+                          <p:cTn id="69" fill="hold">
+                            <p:stCondLst>
+                              <p:cond delay="0"/>
+                            </p:stCondLst>
+                            <p:childTnLst>
+                              <p:par>
+                                <p:cTn id="70" presetID="42" presetClass="entr" presetSubtype="0" fill="hold" grpId="0" nodeType="clickEffect">
+                                  <p:stCondLst>
+                                    <p:cond delay="0"/>
+                                  </p:stCondLst>
+                                  <p:childTnLst>
+                                    <p:set>
+                                      <p:cBhvr>
+                                        <p:cTn id="71" dur="1" fill="hold">
+                                          <p:stCondLst>
+                                            <p:cond delay="0"/>
+                                          </p:stCondLst>
+                                        </p:cTn>
+                                        <p:tgtEl>
+                                          <p:spTgt spid="21"/>
+                                        </p:tgtEl>
+                                        <p:attrNameLst>
+                                          <p:attrName>style.visibility</p:attrName>
+                                        </p:attrNameLst>
+                                      </p:cBhvr>
+                                      <p:to>
+                                        <p:strVal val="visible"/>
+                                      </p:to>
+                                    </p:set>
+                                    <p:animEffect transition="in" filter="fade">
+                                      <p:cBhvr>
+                                        <p:cTn id="72" dur="1000"/>
+                                        <p:tgtEl>
+                                          <p:spTgt spid="21"/>
+                                        </p:tgtEl>
+                                      </p:cBhvr>
+                                    </p:animEffect>
+                                    <p:anim calcmode="lin" valueType="num">
+                                      <p:cBhvr>
+                                        <p:cTn id="73" dur="1000" fill="hold"/>
+                                        <p:tgtEl>
+                                          <p:spTgt spid="21"/>
+                                        </p:tgtEl>
+                                        <p:attrNameLst>
+                                          <p:attrName>ppt_x</p:attrName>
+                                        </p:attrNameLst>
+                                      </p:cBhvr>
+                                      <p:tavLst>
+                                        <p:tav tm="0">
+                                          <p:val>
+                                            <p:strVal val="#ppt_x"/>
+                                          </p:val>
+                                        </p:tav>
+                                        <p:tav tm="100000">
+                                          <p:val>
+                                            <p:strVal val="#ppt_x"/>
+                                          </p:val>
+                                        </p:tav>
+                                      </p:tavLst>
+                                    </p:anim>
+                                    <p:anim calcmode="lin" valueType="num">
+                                      <p:cBhvr>
+                                        <p:cTn id="74" dur="1000" fill="hold"/>
+                                        <p:tgtEl>
+                                          <p:spTgt spid="21"/>
+                                        </p:tgtEl>
+                                        <p:attrNameLst>
+                                          <p:attrName>ppt_y</p:attrName>
+                                        </p:attrNameLst>
+                                      </p:cBhvr>
+                                      <p:tavLst>
+                                        <p:tav tm="0">
+                                          <p:val>
+                                            <p:strVal val="#ppt_y+.1"/>
+                                          </p:val>
+                                        </p:tav>
+                                        <p:tav tm="100000">
+                                          <p:val>
+                                            <p:strVal val="#ppt_y"/>
+                                          </p:val>
+                                        </p:tav>
+                                      </p:tavLst>
+                                    </p:anim>
+                                  </p:childTnLst>
+                                </p:cTn>
+                              </p:par>
+                              <p:par>
+                                <p:cTn id="75" presetID="42" presetClass="entr" presetSubtype="0" fill="hold" grpId="0" nodeType="withEffect">
+                                  <p:stCondLst>
+                                    <p:cond delay="0"/>
+                                  </p:stCondLst>
+                                  <p:childTnLst>
+                                    <p:set>
+                                      <p:cBhvr>
+                                        <p:cTn id="76" dur="1" fill="hold">
+                                          <p:stCondLst>
+                                            <p:cond delay="0"/>
+                                          </p:stCondLst>
+                                        </p:cTn>
+                                        <p:tgtEl>
+                                          <p:spTgt spid="24"/>
+                                        </p:tgtEl>
+                                        <p:attrNameLst>
+                                          <p:attrName>style.visibility</p:attrName>
+                                        </p:attrNameLst>
+                                      </p:cBhvr>
+                                      <p:to>
+                                        <p:strVal val="visible"/>
+                                      </p:to>
+                                    </p:set>
+                                    <p:animEffect transition="in" filter="fade">
+                                      <p:cBhvr>
+                                        <p:cTn id="77" dur="1000"/>
+                                        <p:tgtEl>
+                                          <p:spTgt spid="24"/>
+                                        </p:tgtEl>
+                                      </p:cBhvr>
+                                    </p:animEffect>
+                                    <p:anim calcmode="lin" valueType="num">
+                                      <p:cBhvr>
+                                        <p:cTn id="78" dur="1000" fill="hold"/>
+                                        <p:tgtEl>
+                                          <p:spTgt spid="24"/>
+                                        </p:tgtEl>
+                                        <p:attrNameLst>
+                                          <p:attrName>ppt_x</p:attrName>
+                                        </p:attrNameLst>
+                                      </p:cBhvr>
+                                      <p:tavLst>
+                                        <p:tav tm="0">
+                                          <p:val>
+                                            <p:strVal val="#ppt_x"/>
+                                          </p:val>
+                                        </p:tav>
+                                        <p:tav tm="100000">
+                                          <p:val>
+                                            <p:strVal val="#ppt_x"/>
+                                          </p:val>
+                                        </p:tav>
+                                      </p:tavLst>
+                                    </p:anim>
+                                    <p:anim calcmode="lin" valueType="num">
+                                      <p:cBhvr>
+                                        <p:cTn id="79" dur="1000" fill="hold"/>
+                                        <p:tgtEl>
+                                          <p:spTgt spid="24"/>
+                                        </p:tgtEl>
+                                        <p:attrNameLst>
+                                          <p:attrName>ppt_y</p:attrName>
+                                        </p:attrNameLst>
+                                      </p:cBhvr>
+                                      <p:tavLst>
+                                        <p:tav tm="0">
+                                          <p:val>
+                                            <p:strVal val="#ppt_y+.1"/>
+                                          </p:val>
+                                        </p:tav>
+                                        <p:tav tm="100000">
+                                          <p:val>
+                                            <p:strVal val="#ppt_y"/>
+                                          </p:val>
+                                        </p:tav>
+                                      </p:tavLst>
+                                    </p:anim>
+                                  </p:childTnLst>
+                                </p:cTn>
+                              </p:par>
+                              <p:par>
+                                <p:cTn id="80" presetID="42" presetClass="entr" presetSubtype="0" fill="hold" grpId="0" nodeType="withEffect">
+                                  <p:stCondLst>
+                                    <p:cond delay="0"/>
+                                  </p:stCondLst>
+                                  <p:childTnLst>
+                                    <p:set>
+                                      <p:cBhvr>
+                                        <p:cTn id="81" dur="1" fill="hold">
+                                          <p:stCondLst>
+                                            <p:cond delay="0"/>
+                                          </p:stCondLst>
+                                        </p:cTn>
+                                        <p:tgtEl>
+                                          <p:spTgt spid="29"/>
+                                        </p:tgtEl>
+                                        <p:attrNameLst>
+                                          <p:attrName>style.visibility</p:attrName>
+                                        </p:attrNameLst>
+                                      </p:cBhvr>
+                                      <p:to>
+                                        <p:strVal val="visible"/>
+                                      </p:to>
+                                    </p:set>
+                                    <p:animEffect transition="in" filter="fade">
+                                      <p:cBhvr>
+                                        <p:cTn id="82" dur="1000"/>
+                                        <p:tgtEl>
+                                          <p:spTgt spid="29"/>
+                                        </p:tgtEl>
+                                      </p:cBhvr>
+                                    </p:animEffect>
+                                    <p:anim calcmode="lin" valueType="num">
+                                      <p:cBhvr>
+                                        <p:cTn id="83" dur="1000" fill="hold"/>
+                                        <p:tgtEl>
+                                          <p:spTgt spid="29"/>
+                                        </p:tgtEl>
+                                        <p:attrNameLst>
+                                          <p:attrName>ppt_x</p:attrName>
+                                        </p:attrNameLst>
+                                      </p:cBhvr>
+                                      <p:tavLst>
+                                        <p:tav tm="0">
+                                          <p:val>
+                                            <p:strVal val="#ppt_x"/>
+                                          </p:val>
+                                        </p:tav>
+                                        <p:tav tm="100000">
+                                          <p:val>
+                                            <p:strVal val="#ppt_x"/>
+                                          </p:val>
+                                        </p:tav>
+                                      </p:tavLst>
+                                    </p:anim>
+                                    <p:anim calcmode="lin" valueType="num">
+                                      <p:cBhvr>
+                                        <p:cTn id="84" dur="1000" fill="hold"/>
+                                        <p:tgtEl>
+                                          <p:spTgt spid="29"/>
+                                        </p:tgtEl>
+                                        <p:attrNameLst>
+                                          <p:attrName>ppt_y</p:attrName>
+                                        </p:attrNameLst>
+                                      </p:cBhvr>
+                                      <p:tavLst>
+                                        <p:tav tm="0">
+                                          <p:val>
+                                            <p:strVal val="#ppt_y+.1"/>
+                                          </p:val>
+                                        </p:tav>
+                                        <p:tav tm="100000">
+                                          <p:val>
+                                            <p:strVal val="#ppt_y"/>
+                                          </p:val>
+                                        </p:tav>
+                                      </p:tavLst>
+                                    </p:anim>
+                                  </p:childTnLst>
+                                </p:cTn>
+                              </p:par>
+                            </p:childTnLst>
+                          </p:cTn>
+                        </p:par>
+                      </p:childTnLst>
+                    </p:cTn>
+                  </p:par>
+                </p:childTnLst>
+              </p:cTn>
+              <p:prevCondLst>
+                <p:cond evt="onPrev" delay="0">
+                  <p:tgtEl>
+                    <p:sldTgt/>
+                  </p:tgtEl>
+                </p:cond>
+              </p:prevCondLst>
+              <p:nextCondLst>
+                <p:cond evt="onNext" delay="0">
+                  <p:tgtEl>
+                    <p:sldTgt/>
+                  </p:tgtEl>
+                </p:cond>
+              </p:nextCondLst>
+            </p:seq>
+          </p:childTnLst>
+        </p:cTn>
+      </p:par>
+    </p:tnLst>
+    <p:bldLst>
+      <p:bldP spid="12" grpId="0" animBg="1"/>
+      <p:bldP spid="11" grpId="0"/>
+      <p:bldP spid="18" grpId="0" animBg="1"/>
+      <p:bldP spid="19" grpId="0" animBg="1"/>
+      <p:bldP spid="20" grpId="0" animBg="1"/>
+      <p:bldP spid="21" grpId="0" animBg="1"/>
+      <p:bldP spid="22" grpId="0"/>
+      <p:bldP spid="23" grpId="0"/>
+      <p:bldP spid="24" grpId="0"/>
+      <p:bldP spid="25" grpId="0"/>
+      <p:bldP spid="26" grpId="0"/>
+      <p:bldP spid="28" grpId="0"/>
+      <p:bldP spid="29" grpId="0"/>
+      <p:bldP spid="30" grpId="0"/>
+    </p:bldLst>
+  </p:timing>
 </p:sld>
 </file>
 
@@ -17172,14 +20102,136 @@
       </p:grpSpPr>
       <p:sp>
         <p:nvSpPr>
-          <p:cNvPr id="7" name="Rectangle 6"/>
+          <p:cNvPr id="10" name="Rounded Rectangle 9"/>
           <p:cNvSpPr/>
           <p:nvPr/>
         </p:nvSpPr>
         <p:spPr>
           <a:xfrm>
-            <a:off x="632602" y="1395420"/>
-            <a:ext cx="9589699" cy="1631216"/>
+            <a:off x="103518" y="385631"/>
+            <a:ext cx="8048444" cy="1236136"/>
+          </a:xfrm>
+          <a:prstGeom prst="roundRect">
+            <a:avLst/>
+          </a:prstGeom>
+          <a:solidFill>
+            <a:srgbClr val="660066"/>
+          </a:solidFill>
+          <a:ln>
+            <a:solidFill>
+              <a:srgbClr val="660066"/>
+            </a:solidFill>
+          </a:ln>
+        </p:spPr>
+        <p:style>
+          <a:lnRef idx="2">
+            <a:schemeClr val="accent1">
+              <a:shade val="50000"/>
+            </a:schemeClr>
+          </a:lnRef>
+          <a:fillRef idx="1">
+            <a:schemeClr val="accent1"/>
+          </a:fillRef>
+          <a:effectRef idx="0">
+            <a:schemeClr val="accent1"/>
+          </a:effectRef>
+          <a:fontRef idx="minor">
+            <a:schemeClr val="lt1"/>
+          </a:fontRef>
+        </p:style>
+        <p:txBody>
+          <a:bodyPr rtlCol="0" anchor="ctr"/>
+          <a:lstStyle/>
+          <a:p>
+            <a:pPr algn="ctr"/>
+            <a:endParaRPr lang="en-US"/>
+          </a:p>
+        </p:txBody>
+      </p:sp>
+      <p:sp>
+        <p:nvSpPr>
+          <p:cNvPr id="9" name="Rectangle 8"/>
+          <p:cNvSpPr/>
+          <p:nvPr/>
+        </p:nvSpPr>
+        <p:spPr>
+          <a:xfrm>
+            <a:off x="133710" y="726700"/>
+            <a:ext cx="7027886" cy="553998"/>
+          </a:xfrm>
+          <a:prstGeom prst="rect">
+            <a:avLst/>
+          </a:prstGeom>
+        </p:spPr>
+        <p:txBody>
+          <a:bodyPr wrap="none">
+            <a:spAutoFit/>
+          </a:bodyPr>
+          <a:lstStyle/>
+          <a:p>
+            <a:r>
+              <a:rPr lang="en-US" sz="3000" b="1" i="0" dirty="0" smtClean="0">
+                <a:solidFill>
+                  <a:schemeClr val="bg1"/>
+                </a:solidFill>
+                <a:effectLst/>
+                <a:latin typeface="Algerian" panose="04020705040A02060702" pitchFamily="82" charset="0"/>
+              </a:rPr>
+              <a:t>Challenges of Video in Multimedia</a:t>
+            </a:r>
+            <a:endParaRPr lang="en-US" sz="3000" dirty="0">
+              <a:solidFill>
+                <a:schemeClr val="bg1"/>
+              </a:solidFill>
+              <a:latin typeface="Algerian" panose="04020705040A02060702" pitchFamily="82" charset="0"/>
+            </a:endParaRPr>
+          </a:p>
+        </p:txBody>
+      </p:sp>
+      <p:sp>
+        <p:nvSpPr>
+          <p:cNvPr id="11" name="Rectangle 10"/>
+          <p:cNvSpPr/>
+          <p:nvPr/>
+        </p:nvSpPr>
+        <p:spPr>
+          <a:xfrm>
+            <a:off x="1797170" y="2139588"/>
+            <a:ext cx="3462551" cy="369332"/>
+          </a:xfrm>
+          <a:prstGeom prst="rect">
+            <a:avLst/>
+          </a:prstGeom>
+        </p:spPr>
+        <p:txBody>
+          <a:bodyPr wrap="none">
+            <a:spAutoFit/>
+          </a:bodyPr>
+          <a:lstStyle/>
+          <a:p>
+            <a:r>
+              <a:rPr lang="en-US" b="1" i="0" dirty="0" smtClean="0">
+                <a:effectLst/>
+                <a:latin typeface="Perpetua Titling MT" panose="02020502060505020804" pitchFamily="18" charset="0"/>
+              </a:rPr>
+              <a:t>High Production Costs</a:t>
+            </a:r>
+            <a:endParaRPr lang="en-US" b="1" dirty="0">
+              <a:latin typeface="Perpetua Titling MT" panose="02020502060505020804" pitchFamily="18" charset="0"/>
+            </a:endParaRPr>
+          </a:p>
+        </p:txBody>
+      </p:sp>
+      <p:sp>
+        <p:nvSpPr>
+          <p:cNvPr id="12" name="Rectangle 11"/>
+          <p:cNvSpPr/>
+          <p:nvPr/>
+        </p:nvSpPr>
+        <p:spPr>
+          <a:xfrm>
+            <a:off x="1814642" y="5428585"/>
+            <a:ext cx="5346954" cy="646331"/>
           </a:xfrm>
           <a:prstGeom prst="rect">
             <a:avLst/>
@@ -17191,73 +20243,1521 @@
           </a:bodyPr>
           <a:lstStyle/>
           <a:p>
-            <a:pPr algn="ctr"/>
+            <a:pPr marL="742950" lvl="1" indent="-285750" algn="just">
+              <a:buBlip>
+                <a:blip r:embed="rId2"/>
+              </a:buBlip>
+            </a:pPr>
             <a:r>
-              <a:rPr lang="en-US" sz="2000" dirty="0" smtClean="0">
-                <a:latin typeface="Times New Roman" panose="02020603050405020304" pitchFamily="18" charset="0"/>
-                <a:cs typeface="Times New Roman" panose="02020603050405020304" pitchFamily="18" charset="0"/>
+              <a:rPr lang="en-US" dirty="0" smtClean="0">
+                <a:latin typeface="+mj-lt"/>
               </a:rPr>
-              <a:t>Animation: Animated videos simplify complex ideas, often used in education. </a:t>
+              <a:t>Different formats may not work on all devices or platforms</a:t>
             </a:r>
-          </a:p>
-          <a:p>
-            <a:pPr algn="ctr"/>
-            <a:r>
-              <a:rPr lang="en-US" sz="2000" dirty="0" smtClean="0">
-                <a:latin typeface="Times New Roman" panose="02020603050405020304" pitchFamily="18" charset="0"/>
-                <a:cs typeface="Times New Roman" panose="02020603050405020304" pitchFamily="18" charset="0"/>
-              </a:rPr>
-              <a:t>Live-Action : Live-action videos engage viewers by showcasing real events. </a:t>
-            </a:r>
-          </a:p>
-          <a:p>
-            <a:pPr algn="ctr"/>
-            <a:r>
-              <a:rPr lang="en-US" sz="2000" dirty="0" smtClean="0">
-                <a:latin typeface="Times New Roman" panose="02020603050405020304" pitchFamily="18" charset="0"/>
-                <a:cs typeface="Times New Roman" panose="02020603050405020304" pitchFamily="18" charset="0"/>
-              </a:rPr>
-              <a:t>Info graphics with Video : Combining info graphics and video enhances data visualization. </a:t>
-            </a:r>
-          </a:p>
-          <a:p>
-            <a:pPr algn="ctr"/>
-            <a:r>
-              <a:rPr lang="en-US" sz="2000" dirty="0" smtClean="0">
-                <a:latin typeface="Times New Roman" panose="02020603050405020304" pitchFamily="18" charset="0"/>
-                <a:cs typeface="Times New Roman" panose="02020603050405020304" pitchFamily="18" charset="0"/>
-              </a:rPr>
-              <a:t>Interactive Video : Interactive videos allow viewer choices, enhancing engagement.</a:t>
-            </a:r>
-          </a:p>
-          <a:p>
-            <a:pPr algn="ctr"/>
-            <a:r>
-              <a:rPr lang="en-US" sz="2000" dirty="0" smtClean="0">
-                <a:latin typeface="Times New Roman" panose="02020603050405020304" pitchFamily="18" charset="0"/>
-                <a:cs typeface="Times New Roman" panose="02020603050405020304" pitchFamily="18" charset="0"/>
-              </a:rPr>
-              <a:t>Screen Recording: Captures digital screen activities for tutorials and demonstrations.</a:t>
-            </a:r>
+            <a:endParaRPr lang="en-US" dirty="0">
+              <a:latin typeface="+mj-lt"/>
+            </a:endParaRPr>
           </a:p>
         </p:txBody>
       </p:sp>
+      <p:sp>
+        <p:nvSpPr>
+          <p:cNvPr id="13" name="Rectangle 12"/>
+          <p:cNvSpPr/>
+          <p:nvPr/>
+        </p:nvSpPr>
+        <p:spPr>
+          <a:xfrm>
+            <a:off x="4940326" y="3893545"/>
+            <a:ext cx="5126700" cy="923330"/>
+          </a:xfrm>
+          <a:prstGeom prst="rect">
+            <a:avLst/>
+          </a:prstGeom>
+        </p:spPr>
+        <p:txBody>
+          <a:bodyPr wrap="square">
+            <a:spAutoFit/>
+          </a:bodyPr>
+          <a:lstStyle/>
+          <a:p>
+            <a:pPr marL="285750" indent="-285750" algn="r">
+              <a:buBlip>
+                <a:blip r:embed="rId2"/>
+              </a:buBlip>
+            </a:pPr>
+            <a:r>
+              <a:rPr lang="en-US" b="0" i="0" dirty="0" smtClean="0">
+                <a:effectLst/>
+                <a:latin typeface="+mj-lt"/>
+              </a:rPr>
+              <a:t>Focusing on quality rather than volume is crucial for maintaining viewer interest and engagement.</a:t>
+            </a:r>
+            <a:endParaRPr lang="en-US" b="0" i="0" dirty="0">
+              <a:effectLst/>
+              <a:latin typeface="+mj-lt"/>
+            </a:endParaRPr>
+          </a:p>
+        </p:txBody>
+      </p:sp>
+      <p:sp>
+        <p:nvSpPr>
+          <p:cNvPr id="14" name="Rectangle 13"/>
+          <p:cNvSpPr/>
+          <p:nvPr/>
+        </p:nvSpPr>
+        <p:spPr>
+          <a:xfrm>
+            <a:off x="4841410" y="3524213"/>
+            <a:ext cx="5353838" cy="369332"/>
+          </a:xfrm>
+          <a:prstGeom prst="rect">
+            <a:avLst/>
+          </a:prstGeom>
+        </p:spPr>
+        <p:txBody>
+          <a:bodyPr wrap="none">
+            <a:spAutoFit/>
+          </a:bodyPr>
+          <a:lstStyle/>
+          <a:p>
+            <a:r>
+              <a:rPr lang="en-US" b="1" i="0" dirty="0" smtClean="0">
+                <a:effectLst/>
+                <a:latin typeface="Perpetua Titling MT" panose="02020502060505020804" pitchFamily="18" charset="0"/>
+              </a:rPr>
+              <a:t>Prioritizing Quality Over Quantity</a:t>
+            </a:r>
+            <a:endParaRPr lang="en-US" dirty="0">
+              <a:latin typeface="Perpetua Titling MT" panose="02020502060505020804" pitchFamily="18" charset="0"/>
+            </a:endParaRPr>
+          </a:p>
+        </p:txBody>
+      </p:sp>
+      <p:sp>
+        <p:nvSpPr>
+          <p:cNvPr id="15" name="Rectangle 14"/>
+          <p:cNvSpPr/>
+          <p:nvPr/>
+        </p:nvSpPr>
+        <p:spPr>
+          <a:xfrm>
+            <a:off x="2055961" y="2476591"/>
+            <a:ext cx="9486181" cy="646331"/>
+          </a:xfrm>
+          <a:prstGeom prst="rect">
+            <a:avLst/>
+          </a:prstGeom>
+        </p:spPr>
+        <p:txBody>
+          <a:bodyPr wrap="square">
+            <a:spAutoFit/>
+          </a:bodyPr>
+          <a:lstStyle/>
+          <a:p>
+            <a:pPr marL="285750" indent="-285750">
+              <a:buBlip>
+                <a:blip r:embed="rId2"/>
+              </a:buBlip>
+            </a:pPr>
+            <a:r>
+              <a:rPr lang="en-US" b="0" i="0" dirty="0" smtClean="0">
+                <a:effectLst/>
+                <a:latin typeface="+mj-lt"/>
+              </a:rPr>
+              <a:t>Producing high-quality videos can be expensive, deterring smaller organizations from utilizing this medium.</a:t>
+            </a:r>
+            <a:endParaRPr lang="en-US" b="0" i="0" dirty="0">
+              <a:effectLst/>
+              <a:latin typeface="+mj-lt"/>
+            </a:endParaRPr>
+          </a:p>
+        </p:txBody>
+      </p:sp>
+      <p:cxnSp>
+        <p:nvCxnSpPr>
+          <p:cNvPr id="17" name="Straight Connector 16"/>
+          <p:cNvCxnSpPr/>
+          <p:nvPr/>
+        </p:nvCxnSpPr>
+        <p:spPr>
+          <a:xfrm>
+            <a:off x="17252" y="1863308"/>
+            <a:ext cx="12192000" cy="0"/>
+          </a:xfrm>
+          <a:prstGeom prst="line">
+            <a:avLst/>
+          </a:prstGeom>
+          <a:ln w="28575">
+            <a:solidFill>
+              <a:schemeClr val="tx1"/>
+            </a:solidFill>
+          </a:ln>
+        </p:spPr>
+        <p:style>
+          <a:lnRef idx="1">
+            <a:schemeClr val="accent1"/>
+          </a:lnRef>
+          <a:fillRef idx="0">
+            <a:schemeClr val="accent1"/>
+          </a:fillRef>
+          <a:effectRef idx="0">
+            <a:schemeClr val="accent1"/>
+          </a:effectRef>
+          <a:fontRef idx="minor">
+            <a:schemeClr val="tx1"/>
+          </a:fontRef>
+        </p:style>
+      </p:cxnSp>
+      <p:cxnSp>
+        <p:nvCxnSpPr>
+          <p:cNvPr id="18" name="Straight Connector 17"/>
+          <p:cNvCxnSpPr/>
+          <p:nvPr/>
+        </p:nvCxnSpPr>
+        <p:spPr>
+          <a:xfrm>
+            <a:off x="5753" y="1791418"/>
+            <a:ext cx="12192000" cy="0"/>
+          </a:xfrm>
+          <a:prstGeom prst="line">
+            <a:avLst/>
+          </a:prstGeom>
+          <a:ln w="28575">
+            <a:solidFill>
+              <a:schemeClr val="tx1"/>
+            </a:solidFill>
+          </a:ln>
+        </p:spPr>
+        <p:style>
+          <a:lnRef idx="1">
+            <a:schemeClr val="accent1"/>
+          </a:lnRef>
+          <a:fillRef idx="0">
+            <a:schemeClr val="accent1"/>
+          </a:fillRef>
+          <a:effectRef idx="0">
+            <a:schemeClr val="accent1"/>
+          </a:effectRef>
+          <a:fontRef idx="minor">
+            <a:schemeClr val="tx1"/>
+          </a:fontRef>
+        </p:style>
+      </p:cxnSp>
+      <p:sp>
+        <p:nvSpPr>
+          <p:cNvPr id="19" name="Rectangle 18"/>
+          <p:cNvSpPr/>
+          <p:nvPr/>
+        </p:nvSpPr>
+        <p:spPr>
+          <a:xfrm>
+            <a:off x="2062088" y="5059253"/>
+            <a:ext cx="4347338" cy="369332"/>
+          </a:xfrm>
+          <a:prstGeom prst="rect">
+            <a:avLst/>
+          </a:prstGeom>
+        </p:spPr>
+        <p:txBody>
+          <a:bodyPr wrap="square">
+            <a:spAutoFit/>
+          </a:bodyPr>
+          <a:lstStyle/>
+          <a:p>
+            <a:r>
+              <a:rPr lang="en-US" b="1" dirty="0" smtClean="0">
+                <a:latin typeface="Perpetua Titling MT" panose="02020502060505020804" pitchFamily="18" charset="0"/>
+              </a:rPr>
+              <a:t>Compatibility Issues</a:t>
+            </a:r>
+            <a:endParaRPr lang="en-US" dirty="0">
+              <a:latin typeface="Perpetua Titling MT" panose="02020502060505020804" pitchFamily="18" charset="0"/>
+            </a:endParaRPr>
+          </a:p>
+        </p:txBody>
+      </p:sp>
+      <p:pic>
+        <p:nvPicPr>
+          <p:cNvPr id="20" name="Picture 19"/>
+          <p:cNvPicPr>
+            <a:picLocks noChangeAspect="1"/>
+          </p:cNvPicPr>
+          <p:nvPr/>
+        </p:nvPicPr>
+        <p:blipFill>
+          <a:blip r:embed="rId3" cstate="print">
+            <a:extLst>
+              <a:ext uri="{28A0092B-C50C-407E-A947-70E740481C1C}">
+                <a14:useLocalDpi xmlns:a14="http://schemas.microsoft.com/office/drawing/2010/main" val="0"/>
+              </a:ext>
+            </a:extLst>
+          </a:blip>
+          <a:stretch>
+            <a:fillRect/>
+          </a:stretch>
+        </p:blipFill>
+        <p:spPr>
+          <a:xfrm>
+            <a:off x="267758" y="2067376"/>
+            <a:ext cx="1443172" cy="1443172"/>
+          </a:xfrm>
+          <a:prstGeom prst="roundRect">
+            <a:avLst>
+              <a:gd name="adj" fmla="val 8594"/>
+            </a:avLst>
+          </a:prstGeom>
+          <a:solidFill>
+            <a:srgbClr val="FFFFFF">
+              <a:shade val="85000"/>
+            </a:srgbClr>
+          </a:solidFill>
+          <a:ln>
+            <a:noFill/>
+          </a:ln>
+          <a:effectLst>
+            <a:reflection blurRad="12700" stA="38000" endPos="28000" dist="5000" dir="5400000" sy="-100000" algn="bl" rotWithShape="0"/>
+          </a:effectLst>
+        </p:spPr>
+      </p:pic>
+      <p:pic>
+        <p:nvPicPr>
+          <p:cNvPr id="21" name="Picture 20"/>
+          <p:cNvPicPr>
+            <a:picLocks noChangeAspect="1"/>
+          </p:cNvPicPr>
+          <p:nvPr/>
+        </p:nvPicPr>
+        <p:blipFill>
+          <a:blip r:embed="rId4"/>
+          <a:stretch>
+            <a:fillRect/>
+          </a:stretch>
+        </p:blipFill>
+        <p:spPr>
+          <a:xfrm>
+            <a:off x="10237213" y="3355804"/>
+            <a:ext cx="1598227" cy="1469903"/>
+          </a:xfrm>
+          <a:prstGeom prst="rect">
+            <a:avLst/>
+          </a:prstGeom>
+        </p:spPr>
+      </p:pic>
+      <p:pic>
+        <p:nvPicPr>
+          <p:cNvPr id="22" name="Picture 21"/>
+          <p:cNvPicPr>
+            <a:picLocks noChangeAspect="1"/>
+          </p:cNvPicPr>
+          <p:nvPr/>
+        </p:nvPicPr>
+        <p:blipFill>
+          <a:blip r:embed="rId5">
+            <a:extLst>
+              <a:ext uri="{28A0092B-C50C-407E-A947-70E740481C1C}">
+                <a14:useLocalDpi xmlns:a14="http://schemas.microsoft.com/office/drawing/2010/main" val="0"/>
+              </a:ext>
+            </a:extLst>
+          </a:blip>
+          <a:stretch>
+            <a:fillRect/>
+          </a:stretch>
+        </p:blipFill>
+        <p:spPr>
+          <a:xfrm>
+            <a:off x="133711" y="4825707"/>
+            <a:ext cx="1524336" cy="1014376"/>
+          </a:xfrm>
+          <a:prstGeom prst="roundRect">
+            <a:avLst>
+              <a:gd name="adj" fmla="val 8594"/>
+            </a:avLst>
+          </a:prstGeom>
+          <a:solidFill>
+            <a:srgbClr val="FFFFFF">
+              <a:shade val="85000"/>
+            </a:srgbClr>
+          </a:solidFill>
+          <a:ln>
+            <a:noFill/>
+          </a:ln>
+          <a:effectLst>
+            <a:reflection blurRad="12700" stA="38000" endPos="28000" dist="5000" dir="5400000" sy="-100000" algn="bl" rotWithShape="0"/>
+          </a:effectLst>
+        </p:spPr>
+      </p:pic>
     </p:spTree>
     <p:extLst>
       <p:ext uri="{BB962C8B-B14F-4D97-AF65-F5344CB8AC3E}">
-        <p14:creationId xmlns:p14="http://schemas.microsoft.com/office/powerpoint/2010/main" val="740805188"/>
+        <p14:creationId xmlns:p14="http://schemas.microsoft.com/office/powerpoint/2010/main" val="455042467"/>
       </p:ext>
     </p:extLst>
   </p:cSld>
   <p:clrMapOvr>
     <a:masterClrMapping/>
   </p:clrMapOvr>
+  <mc:AlternateContent xmlns:mc="http://schemas.openxmlformats.org/markup-compatibility/2006">
+    <mc:Choice xmlns:p14="http://schemas.microsoft.com/office/powerpoint/2010/main" Requires="p14">
+      <p:transition spd="slow" p14:dur="4000">
+        <p14:vortex dir="r"/>
+      </p:transition>
+    </mc:Choice>
+    <mc:Fallback>
+      <p:transition spd="slow">
+        <p:fade/>
+      </p:transition>
+    </mc:Fallback>
+  </mc:AlternateContent>
+  <p:timing>
+    <p:tnLst>
+      <p:par>
+        <p:cTn id="1" dur="indefinite" restart="never" nodeType="tmRoot">
+          <p:childTnLst>
+            <p:seq concurrent="1" nextAc="seek">
+              <p:cTn id="2" dur="indefinite" nodeType="mainSeq">
+                <p:childTnLst>
+                  <p:par>
+                    <p:cTn id="3" fill="hold">
+                      <p:stCondLst>
+                        <p:cond delay="indefinite"/>
+                      </p:stCondLst>
+                      <p:childTnLst>
+                        <p:par>
+                          <p:cTn id="4" fill="hold">
+                            <p:stCondLst>
+                              <p:cond delay="0"/>
+                            </p:stCondLst>
+                            <p:childTnLst>
+                              <p:par>
+                                <p:cTn id="5" presetID="42" presetClass="entr" presetSubtype="0" fill="hold" grpId="0" nodeType="clickEffect">
+                                  <p:stCondLst>
+                                    <p:cond delay="0"/>
+                                  </p:stCondLst>
+                                  <p:childTnLst>
+                                    <p:set>
+                                      <p:cBhvr>
+                                        <p:cTn id="6" dur="1" fill="hold">
+                                          <p:stCondLst>
+                                            <p:cond delay="0"/>
+                                          </p:stCondLst>
+                                        </p:cTn>
+                                        <p:tgtEl>
+                                          <p:spTgt spid="10"/>
+                                        </p:tgtEl>
+                                        <p:attrNameLst>
+                                          <p:attrName>style.visibility</p:attrName>
+                                        </p:attrNameLst>
+                                      </p:cBhvr>
+                                      <p:to>
+                                        <p:strVal val="visible"/>
+                                      </p:to>
+                                    </p:set>
+                                    <p:animEffect transition="in" filter="fade">
+                                      <p:cBhvr>
+                                        <p:cTn id="7" dur="1000"/>
+                                        <p:tgtEl>
+                                          <p:spTgt spid="10"/>
+                                        </p:tgtEl>
+                                      </p:cBhvr>
+                                    </p:animEffect>
+                                    <p:anim calcmode="lin" valueType="num">
+                                      <p:cBhvr>
+                                        <p:cTn id="8" dur="1000" fill="hold"/>
+                                        <p:tgtEl>
+                                          <p:spTgt spid="10"/>
+                                        </p:tgtEl>
+                                        <p:attrNameLst>
+                                          <p:attrName>ppt_x</p:attrName>
+                                        </p:attrNameLst>
+                                      </p:cBhvr>
+                                      <p:tavLst>
+                                        <p:tav tm="0">
+                                          <p:val>
+                                            <p:strVal val="#ppt_x"/>
+                                          </p:val>
+                                        </p:tav>
+                                        <p:tav tm="100000">
+                                          <p:val>
+                                            <p:strVal val="#ppt_x"/>
+                                          </p:val>
+                                        </p:tav>
+                                      </p:tavLst>
+                                    </p:anim>
+                                    <p:anim calcmode="lin" valueType="num">
+                                      <p:cBhvr>
+                                        <p:cTn id="9" dur="1000" fill="hold"/>
+                                        <p:tgtEl>
+                                          <p:spTgt spid="10"/>
+                                        </p:tgtEl>
+                                        <p:attrNameLst>
+                                          <p:attrName>ppt_y</p:attrName>
+                                        </p:attrNameLst>
+                                      </p:cBhvr>
+                                      <p:tavLst>
+                                        <p:tav tm="0">
+                                          <p:val>
+                                            <p:strVal val="#ppt_y+.1"/>
+                                          </p:val>
+                                        </p:tav>
+                                        <p:tav tm="100000">
+                                          <p:val>
+                                            <p:strVal val="#ppt_y"/>
+                                          </p:val>
+                                        </p:tav>
+                                      </p:tavLst>
+                                    </p:anim>
+                                  </p:childTnLst>
+                                </p:cTn>
+                              </p:par>
+                              <p:par>
+                                <p:cTn id="10" presetID="42" presetClass="entr" presetSubtype="0" fill="hold" grpId="0" nodeType="withEffect">
+                                  <p:stCondLst>
+                                    <p:cond delay="0"/>
+                                  </p:stCondLst>
+                                  <p:childTnLst>
+                                    <p:set>
+                                      <p:cBhvr>
+                                        <p:cTn id="11" dur="1" fill="hold">
+                                          <p:stCondLst>
+                                            <p:cond delay="0"/>
+                                          </p:stCondLst>
+                                        </p:cTn>
+                                        <p:tgtEl>
+                                          <p:spTgt spid="9"/>
+                                        </p:tgtEl>
+                                        <p:attrNameLst>
+                                          <p:attrName>style.visibility</p:attrName>
+                                        </p:attrNameLst>
+                                      </p:cBhvr>
+                                      <p:to>
+                                        <p:strVal val="visible"/>
+                                      </p:to>
+                                    </p:set>
+                                    <p:animEffect transition="in" filter="fade">
+                                      <p:cBhvr>
+                                        <p:cTn id="12" dur="1000"/>
+                                        <p:tgtEl>
+                                          <p:spTgt spid="9"/>
+                                        </p:tgtEl>
+                                      </p:cBhvr>
+                                    </p:animEffect>
+                                    <p:anim calcmode="lin" valueType="num">
+                                      <p:cBhvr>
+                                        <p:cTn id="13" dur="1000" fill="hold"/>
+                                        <p:tgtEl>
+                                          <p:spTgt spid="9"/>
+                                        </p:tgtEl>
+                                        <p:attrNameLst>
+                                          <p:attrName>ppt_x</p:attrName>
+                                        </p:attrNameLst>
+                                      </p:cBhvr>
+                                      <p:tavLst>
+                                        <p:tav tm="0">
+                                          <p:val>
+                                            <p:strVal val="#ppt_x"/>
+                                          </p:val>
+                                        </p:tav>
+                                        <p:tav tm="100000">
+                                          <p:val>
+                                            <p:strVal val="#ppt_x"/>
+                                          </p:val>
+                                        </p:tav>
+                                      </p:tavLst>
+                                    </p:anim>
+                                    <p:anim calcmode="lin" valueType="num">
+                                      <p:cBhvr>
+                                        <p:cTn id="14" dur="1000" fill="hold"/>
+                                        <p:tgtEl>
+                                          <p:spTgt spid="9"/>
+                                        </p:tgtEl>
+                                        <p:attrNameLst>
+                                          <p:attrName>ppt_y</p:attrName>
+                                        </p:attrNameLst>
+                                      </p:cBhvr>
+                                      <p:tavLst>
+                                        <p:tav tm="0">
+                                          <p:val>
+                                            <p:strVal val="#ppt_y+.1"/>
+                                          </p:val>
+                                        </p:tav>
+                                        <p:tav tm="100000">
+                                          <p:val>
+                                            <p:strVal val="#ppt_y"/>
+                                          </p:val>
+                                        </p:tav>
+                                      </p:tavLst>
+                                    </p:anim>
+                                  </p:childTnLst>
+                                </p:cTn>
+                              </p:par>
+                              <p:par>
+                                <p:cTn id="15" presetID="42" presetClass="entr" presetSubtype="0" fill="hold" nodeType="withEffect">
+                                  <p:stCondLst>
+                                    <p:cond delay="0"/>
+                                  </p:stCondLst>
+                                  <p:childTnLst>
+                                    <p:set>
+                                      <p:cBhvr>
+                                        <p:cTn id="16" dur="1" fill="hold">
+                                          <p:stCondLst>
+                                            <p:cond delay="0"/>
+                                          </p:stCondLst>
+                                        </p:cTn>
+                                        <p:tgtEl>
+                                          <p:spTgt spid="17"/>
+                                        </p:tgtEl>
+                                        <p:attrNameLst>
+                                          <p:attrName>style.visibility</p:attrName>
+                                        </p:attrNameLst>
+                                      </p:cBhvr>
+                                      <p:to>
+                                        <p:strVal val="visible"/>
+                                      </p:to>
+                                    </p:set>
+                                    <p:animEffect transition="in" filter="fade">
+                                      <p:cBhvr>
+                                        <p:cTn id="17" dur="1000"/>
+                                        <p:tgtEl>
+                                          <p:spTgt spid="17"/>
+                                        </p:tgtEl>
+                                      </p:cBhvr>
+                                    </p:animEffect>
+                                    <p:anim calcmode="lin" valueType="num">
+                                      <p:cBhvr>
+                                        <p:cTn id="18" dur="1000" fill="hold"/>
+                                        <p:tgtEl>
+                                          <p:spTgt spid="17"/>
+                                        </p:tgtEl>
+                                        <p:attrNameLst>
+                                          <p:attrName>ppt_x</p:attrName>
+                                        </p:attrNameLst>
+                                      </p:cBhvr>
+                                      <p:tavLst>
+                                        <p:tav tm="0">
+                                          <p:val>
+                                            <p:strVal val="#ppt_x"/>
+                                          </p:val>
+                                        </p:tav>
+                                        <p:tav tm="100000">
+                                          <p:val>
+                                            <p:strVal val="#ppt_x"/>
+                                          </p:val>
+                                        </p:tav>
+                                      </p:tavLst>
+                                    </p:anim>
+                                    <p:anim calcmode="lin" valueType="num">
+                                      <p:cBhvr>
+                                        <p:cTn id="19" dur="1000" fill="hold"/>
+                                        <p:tgtEl>
+                                          <p:spTgt spid="17"/>
+                                        </p:tgtEl>
+                                        <p:attrNameLst>
+                                          <p:attrName>ppt_y</p:attrName>
+                                        </p:attrNameLst>
+                                      </p:cBhvr>
+                                      <p:tavLst>
+                                        <p:tav tm="0">
+                                          <p:val>
+                                            <p:strVal val="#ppt_y+.1"/>
+                                          </p:val>
+                                        </p:tav>
+                                        <p:tav tm="100000">
+                                          <p:val>
+                                            <p:strVal val="#ppt_y"/>
+                                          </p:val>
+                                        </p:tav>
+                                      </p:tavLst>
+                                    </p:anim>
+                                  </p:childTnLst>
+                                </p:cTn>
+                              </p:par>
+                              <p:par>
+                                <p:cTn id="20" presetID="42" presetClass="entr" presetSubtype="0" fill="hold" nodeType="withEffect">
+                                  <p:stCondLst>
+                                    <p:cond delay="0"/>
+                                  </p:stCondLst>
+                                  <p:childTnLst>
+                                    <p:set>
+                                      <p:cBhvr>
+                                        <p:cTn id="21" dur="1" fill="hold">
+                                          <p:stCondLst>
+                                            <p:cond delay="0"/>
+                                          </p:stCondLst>
+                                        </p:cTn>
+                                        <p:tgtEl>
+                                          <p:spTgt spid="18"/>
+                                        </p:tgtEl>
+                                        <p:attrNameLst>
+                                          <p:attrName>style.visibility</p:attrName>
+                                        </p:attrNameLst>
+                                      </p:cBhvr>
+                                      <p:to>
+                                        <p:strVal val="visible"/>
+                                      </p:to>
+                                    </p:set>
+                                    <p:animEffect transition="in" filter="fade">
+                                      <p:cBhvr>
+                                        <p:cTn id="22" dur="1000"/>
+                                        <p:tgtEl>
+                                          <p:spTgt spid="18"/>
+                                        </p:tgtEl>
+                                      </p:cBhvr>
+                                    </p:animEffect>
+                                    <p:anim calcmode="lin" valueType="num">
+                                      <p:cBhvr>
+                                        <p:cTn id="23" dur="1000" fill="hold"/>
+                                        <p:tgtEl>
+                                          <p:spTgt spid="18"/>
+                                        </p:tgtEl>
+                                        <p:attrNameLst>
+                                          <p:attrName>ppt_x</p:attrName>
+                                        </p:attrNameLst>
+                                      </p:cBhvr>
+                                      <p:tavLst>
+                                        <p:tav tm="0">
+                                          <p:val>
+                                            <p:strVal val="#ppt_x"/>
+                                          </p:val>
+                                        </p:tav>
+                                        <p:tav tm="100000">
+                                          <p:val>
+                                            <p:strVal val="#ppt_x"/>
+                                          </p:val>
+                                        </p:tav>
+                                      </p:tavLst>
+                                    </p:anim>
+                                    <p:anim calcmode="lin" valueType="num">
+                                      <p:cBhvr>
+                                        <p:cTn id="24" dur="1000" fill="hold"/>
+                                        <p:tgtEl>
+                                          <p:spTgt spid="18"/>
+                                        </p:tgtEl>
+                                        <p:attrNameLst>
+                                          <p:attrName>ppt_y</p:attrName>
+                                        </p:attrNameLst>
+                                      </p:cBhvr>
+                                      <p:tavLst>
+                                        <p:tav tm="0">
+                                          <p:val>
+                                            <p:strVal val="#ppt_y+.1"/>
+                                          </p:val>
+                                        </p:tav>
+                                        <p:tav tm="100000">
+                                          <p:val>
+                                            <p:strVal val="#ppt_y"/>
+                                          </p:val>
+                                        </p:tav>
+                                      </p:tavLst>
+                                    </p:anim>
+                                  </p:childTnLst>
+                                </p:cTn>
+                              </p:par>
+                            </p:childTnLst>
+                          </p:cTn>
+                        </p:par>
+                      </p:childTnLst>
+                    </p:cTn>
+                  </p:par>
+                  <p:par>
+                    <p:cTn id="25" fill="hold">
+                      <p:stCondLst>
+                        <p:cond delay="indefinite"/>
+                      </p:stCondLst>
+                      <p:childTnLst>
+                        <p:par>
+                          <p:cTn id="26" fill="hold">
+                            <p:stCondLst>
+                              <p:cond delay="0"/>
+                            </p:stCondLst>
+                            <p:childTnLst>
+                              <p:par>
+                                <p:cTn id="27" presetID="42" presetClass="entr" presetSubtype="0" fill="hold" grpId="0" nodeType="clickEffect">
+                                  <p:stCondLst>
+                                    <p:cond delay="0"/>
+                                  </p:stCondLst>
+                                  <p:childTnLst>
+                                    <p:set>
+                                      <p:cBhvr>
+                                        <p:cTn id="28" dur="1" fill="hold">
+                                          <p:stCondLst>
+                                            <p:cond delay="0"/>
+                                          </p:stCondLst>
+                                        </p:cTn>
+                                        <p:tgtEl>
+                                          <p:spTgt spid="11"/>
+                                        </p:tgtEl>
+                                        <p:attrNameLst>
+                                          <p:attrName>style.visibility</p:attrName>
+                                        </p:attrNameLst>
+                                      </p:cBhvr>
+                                      <p:to>
+                                        <p:strVal val="visible"/>
+                                      </p:to>
+                                    </p:set>
+                                    <p:animEffect transition="in" filter="fade">
+                                      <p:cBhvr>
+                                        <p:cTn id="29" dur="1000"/>
+                                        <p:tgtEl>
+                                          <p:spTgt spid="11"/>
+                                        </p:tgtEl>
+                                      </p:cBhvr>
+                                    </p:animEffect>
+                                    <p:anim calcmode="lin" valueType="num">
+                                      <p:cBhvr>
+                                        <p:cTn id="30" dur="1000" fill="hold"/>
+                                        <p:tgtEl>
+                                          <p:spTgt spid="11"/>
+                                        </p:tgtEl>
+                                        <p:attrNameLst>
+                                          <p:attrName>ppt_x</p:attrName>
+                                        </p:attrNameLst>
+                                      </p:cBhvr>
+                                      <p:tavLst>
+                                        <p:tav tm="0">
+                                          <p:val>
+                                            <p:strVal val="#ppt_x"/>
+                                          </p:val>
+                                        </p:tav>
+                                        <p:tav tm="100000">
+                                          <p:val>
+                                            <p:strVal val="#ppt_x"/>
+                                          </p:val>
+                                        </p:tav>
+                                      </p:tavLst>
+                                    </p:anim>
+                                    <p:anim calcmode="lin" valueType="num">
+                                      <p:cBhvr>
+                                        <p:cTn id="31" dur="1000" fill="hold"/>
+                                        <p:tgtEl>
+                                          <p:spTgt spid="11"/>
+                                        </p:tgtEl>
+                                        <p:attrNameLst>
+                                          <p:attrName>ppt_y</p:attrName>
+                                        </p:attrNameLst>
+                                      </p:cBhvr>
+                                      <p:tavLst>
+                                        <p:tav tm="0">
+                                          <p:val>
+                                            <p:strVal val="#ppt_y+.1"/>
+                                          </p:val>
+                                        </p:tav>
+                                        <p:tav tm="100000">
+                                          <p:val>
+                                            <p:strVal val="#ppt_y"/>
+                                          </p:val>
+                                        </p:tav>
+                                      </p:tavLst>
+                                    </p:anim>
+                                  </p:childTnLst>
+                                </p:cTn>
+                              </p:par>
+                              <p:par>
+                                <p:cTn id="32" presetID="42" presetClass="entr" presetSubtype="0" fill="hold" grpId="0" nodeType="withEffect">
+                                  <p:stCondLst>
+                                    <p:cond delay="0"/>
+                                  </p:stCondLst>
+                                  <p:childTnLst>
+                                    <p:set>
+                                      <p:cBhvr>
+                                        <p:cTn id="33" dur="1" fill="hold">
+                                          <p:stCondLst>
+                                            <p:cond delay="0"/>
+                                          </p:stCondLst>
+                                        </p:cTn>
+                                        <p:tgtEl>
+                                          <p:spTgt spid="12"/>
+                                        </p:tgtEl>
+                                        <p:attrNameLst>
+                                          <p:attrName>style.visibility</p:attrName>
+                                        </p:attrNameLst>
+                                      </p:cBhvr>
+                                      <p:to>
+                                        <p:strVal val="visible"/>
+                                      </p:to>
+                                    </p:set>
+                                    <p:animEffect transition="in" filter="fade">
+                                      <p:cBhvr>
+                                        <p:cTn id="34" dur="1000"/>
+                                        <p:tgtEl>
+                                          <p:spTgt spid="12"/>
+                                        </p:tgtEl>
+                                      </p:cBhvr>
+                                    </p:animEffect>
+                                    <p:anim calcmode="lin" valueType="num">
+                                      <p:cBhvr>
+                                        <p:cTn id="35" dur="1000" fill="hold"/>
+                                        <p:tgtEl>
+                                          <p:spTgt spid="12"/>
+                                        </p:tgtEl>
+                                        <p:attrNameLst>
+                                          <p:attrName>ppt_x</p:attrName>
+                                        </p:attrNameLst>
+                                      </p:cBhvr>
+                                      <p:tavLst>
+                                        <p:tav tm="0">
+                                          <p:val>
+                                            <p:strVal val="#ppt_x"/>
+                                          </p:val>
+                                        </p:tav>
+                                        <p:tav tm="100000">
+                                          <p:val>
+                                            <p:strVal val="#ppt_x"/>
+                                          </p:val>
+                                        </p:tav>
+                                      </p:tavLst>
+                                    </p:anim>
+                                    <p:anim calcmode="lin" valueType="num">
+                                      <p:cBhvr>
+                                        <p:cTn id="36" dur="1000" fill="hold"/>
+                                        <p:tgtEl>
+                                          <p:spTgt spid="12"/>
+                                        </p:tgtEl>
+                                        <p:attrNameLst>
+                                          <p:attrName>ppt_y</p:attrName>
+                                        </p:attrNameLst>
+                                      </p:cBhvr>
+                                      <p:tavLst>
+                                        <p:tav tm="0">
+                                          <p:val>
+                                            <p:strVal val="#ppt_y+.1"/>
+                                          </p:val>
+                                        </p:tav>
+                                        <p:tav tm="100000">
+                                          <p:val>
+                                            <p:strVal val="#ppt_y"/>
+                                          </p:val>
+                                        </p:tav>
+                                      </p:tavLst>
+                                    </p:anim>
+                                  </p:childTnLst>
+                                </p:cTn>
+                              </p:par>
+                              <p:par>
+                                <p:cTn id="37" presetID="42" presetClass="entr" presetSubtype="0" fill="hold" grpId="0" nodeType="withEffect">
+                                  <p:stCondLst>
+                                    <p:cond delay="0"/>
+                                  </p:stCondLst>
+                                  <p:childTnLst>
+                                    <p:set>
+                                      <p:cBhvr>
+                                        <p:cTn id="38" dur="1" fill="hold">
+                                          <p:stCondLst>
+                                            <p:cond delay="0"/>
+                                          </p:stCondLst>
+                                        </p:cTn>
+                                        <p:tgtEl>
+                                          <p:spTgt spid="13"/>
+                                        </p:tgtEl>
+                                        <p:attrNameLst>
+                                          <p:attrName>style.visibility</p:attrName>
+                                        </p:attrNameLst>
+                                      </p:cBhvr>
+                                      <p:to>
+                                        <p:strVal val="visible"/>
+                                      </p:to>
+                                    </p:set>
+                                    <p:animEffect transition="in" filter="fade">
+                                      <p:cBhvr>
+                                        <p:cTn id="39" dur="1000"/>
+                                        <p:tgtEl>
+                                          <p:spTgt spid="13"/>
+                                        </p:tgtEl>
+                                      </p:cBhvr>
+                                    </p:animEffect>
+                                    <p:anim calcmode="lin" valueType="num">
+                                      <p:cBhvr>
+                                        <p:cTn id="40" dur="1000" fill="hold"/>
+                                        <p:tgtEl>
+                                          <p:spTgt spid="13"/>
+                                        </p:tgtEl>
+                                        <p:attrNameLst>
+                                          <p:attrName>ppt_x</p:attrName>
+                                        </p:attrNameLst>
+                                      </p:cBhvr>
+                                      <p:tavLst>
+                                        <p:tav tm="0">
+                                          <p:val>
+                                            <p:strVal val="#ppt_x"/>
+                                          </p:val>
+                                        </p:tav>
+                                        <p:tav tm="100000">
+                                          <p:val>
+                                            <p:strVal val="#ppt_x"/>
+                                          </p:val>
+                                        </p:tav>
+                                      </p:tavLst>
+                                    </p:anim>
+                                    <p:anim calcmode="lin" valueType="num">
+                                      <p:cBhvr>
+                                        <p:cTn id="41" dur="1000" fill="hold"/>
+                                        <p:tgtEl>
+                                          <p:spTgt spid="13"/>
+                                        </p:tgtEl>
+                                        <p:attrNameLst>
+                                          <p:attrName>ppt_y</p:attrName>
+                                        </p:attrNameLst>
+                                      </p:cBhvr>
+                                      <p:tavLst>
+                                        <p:tav tm="0">
+                                          <p:val>
+                                            <p:strVal val="#ppt_y+.1"/>
+                                          </p:val>
+                                        </p:tav>
+                                        <p:tav tm="100000">
+                                          <p:val>
+                                            <p:strVal val="#ppt_y"/>
+                                          </p:val>
+                                        </p:tav>
+                                      </p:tavLst>
+                                    </p:anim>
+                                  </p:childTnLst>
+                                </p:cTn>
+                              </p:par>
+                              <p:par>
+                                <p:cTn id="42" presetID="42" presetClass="entr" presetSubtype="0" fill="hold" grpId="0" nodeType="withEffect">
+                                  <p:stCondLst>
+                                    <p:cond delay="0"/>
+                                  </p:stCondLst>
+                                  <p:childTnLst>
+                                    <p:set>
+                                      <p:cBhvr>
+                                        <p:cTn id="43" dur="1" fill="hold">
+                                          <p:stCondLst>
+                                            <p:cond delay="0"/>
+                                          </p:stCondLst>
+                                        </p:cTn>
+                                        <p:tgtEl>
+                                          <p:spTgt spid="14"/>
+                                        </p:tgtEl>
+                                        <p:attrNameLst>
+                                          <p:attrName>style.visibility</p:attrName>
+                                        </p:attrNameLst>
+                                      </p:cBhvr>
+                                      <p:to>
+                                        <p:strVal val="visible"/>
+                                      </p:to>
+                                    </p:set>
+                                    <p:animEffect transition="in" filter="fade">
+                                      <p:cBhvr>
+                                        <p:cTn id="44" dur="1000"/>
+                                        <p:tgtEl>
+                                          <p:spTgt spid="14"/>
+                                        </p:tgtEl>
+                                      </p:cBhvr>
+                                    </p:animEffect>
+                                    <p:anim calcmode="lin" valueType="num">
+                                      <p:cBhvr>
+                                        <p:cTn id="45" dur="1000" fill="hold"/>
+                                        <p:tgtEl>
+                                          <p:spTgt spid="14"/>
+                                        </p:tgtEl>
+                                        <p:attrNameLst>
+                                          <p:attrName>ppt_x</p:attrName>
+                                        </p:attrNameLst>
+                                      </p:cBhvr>
+                                      <p:tavLst>
+                                        <p:tav tm="0">
+                                          <p:val>
+                                            <p:strVal val="#ppt_x"/>
+                                          </p:val>
+                                        </p:tav>
+                                        <p:tav tm="100000">
+                                          <p:val>
+                                            <p:strVal val="#ppt_x"/>
+                                          </p:val>
+                                        </p:tav>
+                                      </p:tavLst>
+                                    </p:anim>
+                                    <p:anim calcmode="lin" valueType="num">
+                                      <p:cBhvr>
+                                        <p:cTn id="46" dur="1000" fill="hold"/>
+                                        <p:tgtEl>
+                                          <p:spTgt spid="14"/>
+                                        </p:tgtEl>
+                                        <p:attrNameLst>
+                                          <p:attrName>ppt_y</p:attrName>
+                                        </p:attrNameLst>
+                                      </p:cBhvr>
+                                      <p:tavLst>
+                                        <p:tav tm="0">
+                                          <p:val>
+                                            <p:strVal val="#ppt_y+.1"/>
+                                          </p:val>
+                                        </p:tav>
+                                        <p:tav tm="100000">
+                                          <p:val>
+                                            <p:strVal val="#ppt_y"/>
+                                          </p:val>
+                                        </p:tav>
+                                      </p:tavLst>
+                                    </p:anim>
+                                  </p:childTnLst>
+                                </p:cTn>
+                              </p:par>
+                              <p:par>
+                                <p:cTn id="47" presetID="42" presetClass="entr" presetSubtype="0" fill="hold" grpId="0" nodeType="withEffect">
+                                  <p:stCondLst>
+                                    <p:cond delay="0"/>
+                                  </p:stCondLst>
+                                  <p:childTnLst>
+                                    <p:set>
+                                      <p:cBhvr>
+                                        <p:cTn id="48" dur="1" fill="hold">
+                                          <p:stCondLst>
+                                            <p:cond delay="0"/>
+                                          </p:stCondLst>
+                                        </p:cTn>
+                                        <p:tgtEl>
+                                          <p:spTgt spid="15"/>
+                                        </p:tgtEl>
+                                        <p:attrNameLst>
+                                          <p:attrName>style.visibility</p:attrName>
+                                        </p:attrNameLst>
+                                      </p:cBhvr>
+                                      <p:to>
+                                        <p:strVal val="visible"/>
+                                      </p:to>
+                                    </p:set>
+                                    <p:animEffect transition="in" filter="fade">
+                                      <p:cBhvr>
+                                        <p:cTn id="49" dur="1000"/>
+                                        <p:tgtEl>
+                                          <p:spTgt spid="15"/>
+                                        </p:tgtEl>
+                                      </p:cBhvr>
+                                    </p:animEffect>
+                                    <p:anim calcmode="lin" valueType="num">
+                                      <p:cBhvr>
+                                        <p:cTn id="50" dur="1000" fill="hold"/>
+                                        <p:tgtEl>
+                                          <p:spTgt spid="15"/>
+                                        </p:tgtEl>
+                                        <p:attrNameLst>
+                                          <p:attrName>ppt_x</p:attrName>
+                                        </p:attrNameLst>
+                                      </p:cBhvr>
+                                      <p:tavLst>
+                                        <p:tav tm="0">
+                                          <p:val>
+                                            <p:strVal val="#ppt_x"/>
+                                          </p:val>
+                                        </p:tav>
+                                        <p:tav tm="100000">
+                                          <p:val>
+                                            <p:strVal val="#ppt_x"/>
+                                          </p:val>
+                                        </p:tav>
+                                      </p:tavLst>
+                                    </p:anim>
+                                    <p:anim calcmode="lin" valueType="num">
+                                      <p:cBhvr>
+                                        <p:cTn id="51" dur="1000" fill="hold"/>
+                                        <p:tgtEl>
+                                          <p:spTgt spid="15"/>
+                                        </p:tgtEl>
+                                        <p:attrNameLst>
+                                          <p:attrName>ppt_y</p:attrName>
+                                        </p:attrNameLst>
+                                      </p:cBhvr>
+                                      <p:tavLst>
+                                        <p:tav tm="0">
+                                          <p:val>
+                                            <p:strVal val="#ppt_y+.1"/>
+                                          </p:val>
+                                        </p:tav>
+                                        <p:tav tm="100000">
+                                          <p:val>
+                                            <p:strVal val="#ppt_y"/>
+                                          </p:val>
+                                        </p:tav>
+                                      </p:tavLst>
+                                    </p:anim>
+                                  </p:childTnLst>
+                                </p:cTn>
+                              </p:par>
+                              <p:par>
+                                <p:cTn id="52" presetID="42" presetClass="entr" presetSubtype="0" fill="hold" grpId="0" nodeType="withEffect">
+                                  <p:stCondLst>
+                                    <p:cond delay="0"/>
+                                  </p:stCondLst>
+                                  <p:childTnLst>
+                                    <p:set>
+                                      <p:cBhvr>
+                                        <p:cTn id="53" dur="1" fill="hold">
+                                          <p:stCondLst>
+                                            <p:cond delay="0"/>
+                                          </p:stCondLst>
+                                        </p:cTn>
+                                        <p:tgtEl>
+                                          <p:spTgt spid="19"/>
+                                        </p:tgtEl>
+                                        <p:attrNameLst>
+                                          <p:attrName>style.visibility</p:attrName>
+                                        </p:attrNameLst>
+                                      </p:cBhvr>
+                                      <p:to>
+                                        <p:strVal val="visible"/>
+                                      </p:to>
+                                    </p:set>
+                                    <p:animEffect transition="in" filter="fade">
+                                      <p:cBhvr>
+                                        <p:cTn id="54" dur="1000"/>
+                                        <p:tgtEl>
+                                          <p:spTgt spid="19"/>
+                                        </p:tgtEl>
+                                      </p:cBhvr>
+                                    </p:animEffect>
+                                    <p:anim calcmode="lin" valueType="num">
+                                      <p:cBhvr>
+                                        <p:cTn id="55" dur="1000" fill="hold"/>
+                                        <p:tgtEl>
+                                          <p:spTgt spid="19"/>
+                                        </p:tgtEl>
+                                        <p:attrNameLst>
+                                          <p:attrName>ppt_x</p:attrName>
+                                        </p:attrNameLst>
+                                      </p:cBhvr>
+                                      <p:tavLst>
+                                        <p:tav tm="0">
+                                          <p:val>
+                                            <p:strVal val="#ppt_x"/>
+                                          </p:val>
+                                        </p:tav>
+                                        <p:tav tm="100000">
+                                          <p:val>
+                                            <p:strVal val="#ppt_x"/>
+                                          </p:val>
+                                        </p:tav>
+                                      </p:tavLst>
+                                    </p:anim>
+                                    <p:anim calcmode="lin" valueType="num">
+                                      <p:cBhvr>
+                                        <p:cTn id="56" dur="1000" fill="hold"/>
+                                        <p:tgtEl>
+                                          <p:spTgt spid="19"/>
+                                        </p:tgtEl>
+                                        <p:attrNameLst>
+                                          <p:attrName>ppt_y</p:attrName>
+                                        </p:attrNameLst>
+                                      </p:cBhvr>
+                                      <p:tavLst>
+                                        <p:tav tm="0">
+                                          <p:val>
+                                            <p:strVal val="#ppt_y+.1"/>
+                                          </p:val>
+                                        </p:tav>
+                                        <p:tav tm="100000">
+                                          <p:val>
+                                            <p:strVal val="#ppt_y"/>
+                                          </p:val>
+                                        </p:tav>
+                                      </p:tavLst>
+                                    </p:anim>
+                                  </p:childTnLst>
+                                </p:cTn>
+                              </p:par>
+                              <p:par>
+                                <p:cTn id="57" presetID="42" presetClass="entr" presetSubtype="0" fill="hold" nodeType="withEffect">
+                                  <p:stCondLst>
+                                    <p:cond delay="0"/>
+                                  </p:stCondLst>
+                                  <p:childTnLst>
+                                    <p:set>
+                                      <p:cBhvr>
+                                        <p:cTn id="58" dur="1" fill="hold">
+                                          <p:stCondLst>
+                                            <p:cond delay="0"/>
+                                          </p:stCondLst>
+                                        </p:cTn>
+                                        <p:tgtEl>
+                                          <p:spTgt spid="20"/>
+                                        </p:tgtEl>
+                                        <p:attrNameLst>
+                                          <p:attrName>style.visibility</p:attrName>
+                                        </p:attrNameLst>
+                                      </p:cBhvr>
+                                      <p:to>
+                                        <p:strVal val="visible"/>
+                                      </p:to>
+                                    </p:set>
+                                    <p:animEffect transition="in" filter="fade">
+                                      <p:cBhvr>
+                                        <p:cTn id="59" dur="1000"/>
+                                        <p:tgtEl>
+                                          <p:spTgt spid="20"/>
+                                        </p:tgtEl>
+                                      </p:cBhvr>
+                                    </p:animEffect>
+                                    <p:anim calcmode="lin" valueType="num">
+                                      <p:cBhvr>
+                                        <p:cTn id="60" dur="1000" fill="hold"/>
+                                        <p:tgtEl>
+                                          <p:spTgt spid="20"/>
+                                        </p:tgtEl>
+                                        <p:attrNameLst>
+                                          <p:attrName>ppt_x</p:attrName>
+                                        </p:attrNameLst>
+                                      </p:cBhvr>
+                                      <p:tavLst>
+                                        <p:tav tm="0">
+                                          <p:val>
+                                            <p:strVal val="#ppt_x"/>
+                                          </p:val>
+                                        </p:tav>
+                                        <p:tav tm="100000">
+                                          <p:val>
+                                            <p:strVal val="#ppt_x"/>
+                                          </p:val>
+                                        </p:tav>
+                                      </p:tavLst>
+                                    </p:anim>
+                                    <p:anim calcmode="lin" valueType="num">
+                                      <p:cBhvr>
+                                        <p:cTn id="61" dur="1000" fill="hold"/>
+                                        <p:tgtEl>
+                                          <p:spTgt spid="20"/>
+                                        </p:tgtEl>
+                                        <p:attrNameLst>
+                                          <p:attrName>ppt_y</p:attrName>
+                                        </p:attrNameLst>
+                                      </p:cBhvr>
+                                      <p:tavLst>
+                                        <p:tav tm="0">
+                                          <p:val>
+                                            <p:strVal val="#ppt_y+.1"/>
+                                          </p:val>
+                                        </p:tav>
+                                        <p:tav tm="100000">
+                                          <p:val>
+                                            <p:strVal val="#ppt_y"/>
+                                          </p:val>
+                                        </p:tav>
+                                      </p:tavLst>
+                                    </p:anim>
+                                  </p:childTnLst>
+                                </p:cTn>
+                              </p:par>
+                              <p:par>
+                                <p:cTn id="62" presetID="42" presetClass="entr" presetSubtype="0" fill="hold" nodeType="withEffect">
+                                  <p:stCondLst>
+                                    <p:cond delay="0"/>
+                                  </p:stCondLst>
+                                  <p:childTnLst>
+                                    <p:set>
+                                      <p:cBhvr>
+                                        <p:cTn id="63" dur="1" fill="hold">
+                                          <p:stCondLst>
+                                            <p:cond delay="0"/>
+                                          </p:stCondLst>
+                                        </p:cTn>
+                                        <p:tgtEl>
+                                          <p:spTgt spid="21"/>
+                                        </p:tgtEl>
+                                        <p:attrNameLst>
+                                          <p:attrName>style.visibility</p:attrName>
+                                        </p:attrNameLst>
+                                      </p:cBhvr>
+                                      <p:to>
+                                        <p:strVal val="visible"/>
+                                      </p:to>
+                                    </p:set>
+                                    <p:animEffect transition="in" filter="fade">
+                                      <p:cBhvr>
+                                        <p:cTn id="64" dur="1000"/>
+                                        <p:tgtEl>
+                                          <p:spTgt spid="21"/>
+                                        </p:tgtEl>
+                                      </p:cBhvr>
+                                    </p:animEffect>
+                                    <p:anim calcmode="lin" valueType="num">
+                                      <p:cBhvr>
+                                        <p:cTn id="65" dur="1000" fill="hold"/>
+                                        <p:tgtEl>
+                                          <p:spTgt spid="21"/>
+                                        </p:tgtEl>
+                                        <p:attrNameLst>
+                                          <p:attrName>ppt_x</p:attrName>
+                                        </p:attrNameLst>
+                                      </p:cBhvr>
+                                      <p:tavLst>
+                                        <p:tav tm="0">
+                                          <p:val>
+                                            <p:strVal val="#ppt_x"/>
+                                          </p:val>
+                                        </p:tav>
+                                        <p:tav tm="100000">
+                                          <p:val>
+                                            <p:strVal val="#ppt_x"/>
+                                          </p:val>
+                                        </p:tav>
+                                      </p:tavLst>
+                                    </p:anim>
+                                    <p:anim calcmode="lin" valueType="num">
+                                      <p:cBhvr>
+                                        <p:cTn id="66" dur="1000" fill="hold"/>
+                                        <p:tgtEl>
+                                          <p:spTgt spid="21"/>
+                                        </p:tgtEl>
+                                        <p:attrNameLst>
+                                          <p:attrName>ppt_y</p:attrName>
+                                        </p:attrNameLst>
+                                      </p:cBhvr>
+                                      <p:tavLst>
+                                        <p:tav tm="0">
+                                          <p:val>
+                                            <p:strVal val="#ppt_y+.1"/>
+                                          </p:val>
+                                        </p:tav>
+                                        <p:tav tm="100000">
+                                          <p:val>
+                                            <p:strVal val="#ppt_y"/>
+                                          </p:val>
+                                        </p:tav>
+                                      </p:tavLst>
+                                    </p:anim>
+                                  </p:childTnLst>
+                                </p:cTn>
+                              </p:par>
+                              <p:par>
+                                <p:cTn id="67" presetID="42" presetClass="entr" presetSubtype="0" fill="hold" nodeType="withEffect">
+                                  <p:stCondLst>
+                                    <p:cond delay="0"/>
+                                  </p:stCondLst>
+                                  <p:childTnLst>
+                                    <p:set>
+                                      <p:cBhvr>
+                                        <p:cTn id="68" dur="1" fill="hold">
+                                          <p:stCondLst>
+                                            <p:cond delay="0"/>
+                                          </p:stCondLst>
+                                        </p:cTn>
+                                        <p:tgtEl>
+                                          <p:spTgt spid="22"/>
+                                        </p:tgtEl>
+                                        <p:attrNameLst>
+                                          <p:attrName>style.visibility</p:attrName>
+                                        </p:attrNameLst>
+                                      </p:cBhvr>
+                                      <p:to>
+                                        <p:strVal val="visible"/>
+                                      </p:to>
+                                    </p:set>
+                                    <p:animEffect transition="in" filter="fade">
+                                      <p:cBhvr>
+                                        <p:cTn id="69" dur="1000"/>
+                                        <p:tgtEl>
+                                          <p:spTgt spid="22"/>
+                                        </p:tgtEl>
+                                      </p:cBhvr>
+                                    </p:animEffect>
+                                    <p:anim calcmode="lin" valueType="num">
+                                      <p:cBhvr>
+                                        <p:cTn id="70" dur="1000" fill="hold"/>
+                                        <p:tgtEl>
+                                          <p:spTgt spid="22"/>
+                                        </p:tgtEl>
+                                        <p:attrNameLst>
+                                          <p:attrName>ppt_x</p:attrName>
+                                        </p:attrNameLst>
+                                      </p:cBhvr>
+                                      <p:tavLst>
+                                        <p:tav tm="0">
+                                          <p:val>
+                                            <p:strVal val="#ppt_x"/>
+                                          </p:val>
+                                        </p:tav>
+                                        <p:tav tm="100000">
+                                          <p:val>
+                                            <p:strVal val="#ppt_x"/>
+                                          </p:val>
+                                        </p:tav>
+                                      </p:tavLst>
+                                    </p:anim>
+                                    <p:anim calcmode="lin" valueType="num">
+                                      <p:cBhvr>
+                                        <p:cTn id="71" dur="1000" fill="hold"/>
+                                        <p:tgtEl>
+                                          <p:spTgt spid="22"/>
+                                        </p:tgtEl>
+                                        <p:attrNameLst>
+                                          <p:attrName>ppt_y</p:attrName>
+                                        </p:attrNameLst>
+                                      </p:cBhvr>
+                                      <p:tavLst>
+                                        <p:tav tm="0">
+                                          <p:val>
+                                            <p:strVal val="#ppt_y+.1"/>
+                                          </p:val>
+                                        </p:tav>
+                                        <p:tav tm="100000">
+                                          <p:val>
+                                            <p:strVal val="#ppt_y"/>
+                                          </p:val>
+                                        </p:tav>
+                                      </p:tavLst>
+                                    </p:anim>
+                                  </p:childTnLst>
+                                </p:cTn>
+                              </p:par>
+                            </p:childTnLst>
+                          </p:cTn>
+                        </p:par>
+                      </p:childTnLst>
+                    </p:cTn>
+                  </p:par>
+                </p:childTnLst>
+              </p:cTn>
+              <p:prevCondLst>
+                <p:cond evt="onPrev" delay="0">
+                  <p:tgtEl>
+                    <p:sldTgt/>
+                  </p:tgtEl>
+                </p:cond>
+              </p:prevCondLst>
+              <p:nextCondLst>
+                <p:cond evt="onNext" delay="0">
+                  <p:tgtEl>
+                    <p:sldTgt/>
+                  </p:tgtEl>
+                </p:cond>
+              </p:nextCondLst>
+            </p:seq>
+          </p:childTnLst>
+        </p:cTn>
+      </p:par>
+    </p:tnLst>
+    <p:bldLst>
+      <p:bldP spid="10" grpId="0" animBg="1"/>
+      <p:bldP spid="9" grpId="0"/>
+      <p:bldP spid="11" grpId="0"/>
+      <p:bldP spid="12" grpId="0"/>
+      <p:bldP spid="13" grpId="0"/>
+      <p:bldP spid="14" grpId="0"/>
+      <p:bldP spid="15" grpId="0"/>
+      <p:bldP spid="19" grpId="0"/>
+    </p:bldLst>
+  </p:timing>
 </p:sld>
 </file>
 
 <file path=ppt/slides/slide5.xml><?xml version="1.0" encoding="utf-8"?>
 <p:sld xmlns:a="http://schemas.openxmlformats.org/drawingml/2006/main" xmlns:r="http://schemas.openxmlformats.org/officeDocument/2006/relationships" xmlns:p="http://schemas.openxmlformats.org/presentationml/2006/main">
   <p:cSld>
+    <p:bg>
+      <p:bgPr>
+        <a:blipFill dpi="0" rotWithShape="1">
+          <a:blip r:embed="rId2">
+            <a:lum/>
+          </a:blip>
+          <a:srcRect/>
+          <a:stretch>
+            <a:fillRect/>
+          </a:stretch>
+        </a:blipFill>
+        <a:effectLst/>
+      </p:bgPr>
+    </p:bg>
     <p:spTree>
       <p:nvGrpSpPr>
         <p:cNvPr id="1" name=""/>
@@ -17272,88 +21772,26 @@
           <a:chExt cx="0" cy="0"/>
         </a:xfrm>
       </p:grpSpPr>
-      <p:pic>
-        <p:nvPicPr>
-          <p:cNvPr id="4" name="Picture 3"/>
-          <p:cNvPicPr>
-            <a:picLocks noChangeAspect="1"/>
-          </p:cNvPicPr>
-          <p:nvPr/>
-        </p:nvPicPr>
-        <p:blipFill>
-          <a:blip r:embed="rId2"/>
-          <a:stretch>
-            <a:fillRect/>
-          </a:stretch>
-        </p:blipFill>
-        <p:spPr>
-          <a:xfrm>
-            <a:off x="555768" y="216073"/>
-            <a:ext cx="5249008" cy="3096057"/>
-          </a:xfrm>
-          <a:prstGeom prst="rect">
-            <a:avLst/>
-          </a:prstGeom>
-        </p:spPr>
-      </p:pic>
-      <p:pic>
-        <p:nvPicPr>
-          <p:cNvPr id="6" name="Picture 5"/>
-          <p:cNvPicPr>
-            <a:picLocks noChangeAspect="1"/>
-          </p:cNvPicPr>
-          <p:nvPr/>
-        </p:nvPicPr>
-        <p:blipFill>
-          <a:blip r:embed="rId3"/>
-          <a:stretch>
-            <a:fillRect/>
-          </a:stretch>
-        </p:blipFill>
-        <p:spPr>
-          <a:xfrm>
-            <a:off x="6040786" y="2828340"/>
-            <a:ext cx="5734850" cy="3219899"/>
-          </a:xfrm>
-          <a:prstGeom prst="rect">
-            <a:avLst/>
-          </a:prstGeom>
-        </p:spPr>
-      </p:pic>
-      <p:pic>
-        <p:nvPicPr>
-          <p:cNvPr id="7" name="Picture 6"/>
-          <p:cNvPicPr>
-            <a:picLocks noChangeAspect="1"/>
-          </p:cNvPicPr>
-          <p:nvPr/>
-        </p:nvPicPr>
-        <p:blipFill>
-          <a:blip r:embed="rId4"/>
-          <a:stretch>
-            <a:fillRect/>
-          </a:stretch>
-        </p:blipFill>
-        <p:spPr>
-          <a:xfrm>
-            <a:off x="955347" y="3734333"/>
-            <a:ext cx="4277322" cy="2667372"/>
-          </a:xfrm>
-          <a:prstGeom prst="rect">
-            <a:avLst/>
-          </a:prstGeom>
-        </p:spPr>
-      </p:pic>
     </p:spTree>
     <p:extLst>
       <p:ext uri="{BB962C8B-B14F-4D97-AF65-F5344CB8AC3E}">
-        <p14:creationId xmlns:p14="http://schemas.microsoft.com/office/powerpoint/2010/main" val="3028550255"/>
+        <p14:creationId xmlns:p14="http://schemas.microsoft.com/office/powerpoint/2010/main" val="3085392031"/>
       </p:ext>
     </p:extLst>
   </p:cSld>
   <p:clrMapOvr>
     <a:masterClrMapping/>
   </p:clrMapOvr>
+  <p:transition spd="slow">
+    <p:randomBar dir="vert"/>
+  </p:transition>
+  <p:timing>
+    <p:tnLst>
+      <p:par>
+        <p:cTn id="1" dur="indefinite" restart="never" nodeType="tmRoot"/>
+      </p:par>
+    </p:tnLst>
+  </p:timing>
 </p:sld>
 </file>
 
